--- a/HTML BASICS.pptx
+++ b/HTML BASICS.pptx
@@ -20,6 +20,10 @@
     <p:sldId id="268" r:id="rId14"/>
     <p:sldId id="269" r:id="rId15"/>
     <p:sldId id="270" r:id="rId16"/>
+    <p:sldId id="271" r:id="rId17"/>
+    <p:sldId id="273" r:id="rId18"/>
+    <p:sldId id="274" r:id="rId19"/>
+    <p:sldId id="272" r:id="rId20"/>
   </p:sldIdLst>
   <p:sldSz cx="12192000" cy="6858000"/>
   <p:notesSz cx="6858000" cy="9144000"/>
@@ -296,7 +300,7 @@
             <a:fld id="{87DE6118-2437-4B30-8E3C-4D2BE6020583}" type="datetimeFigureOut">
               <a:rPr lang="en-US" dirty="0"/>
               <a:pPr/>
-              <a:t>8/30/2021</a:t>
+              <a:t>8/31/2021</a:t>
             </a:fld>
             <a:endParaRPr lang="en-US" dirty="0"/>
           </a:p>
@@ -622,7 +626,7 @@
           <a:p>
             <a:fld id="{87DE6118-2437-4B30-8E3C-4D2BE6020583}" type="datetimeFigureOut">
               <a:rPr lang="en-US" dirty="0"/>
-              <a:t>8/30/2021</a:t>
+              <a:t>8/31/2021</a:t>
             </a:fld>
             <a:endParaRPr lang="en-US" dirty="0"/>
           </a:p>
@@ -797,7 +801,7 @@
           <a:p>
             <a:fld id="{87DE6118-2437-4B30-8E3C-4D2BE6020583}" type="datetimeFigureOut">
               <a:rPr lang="en-US" dirty="0"/>
-              <a:t>8/30/2021</a:t>
+              <a:t>8/31/2021</a:t>
             </a:fld>
             <a:endParaRPr lang="en-US" dirty="0"/>
           </a:p>
@@ -962,7 +966,7 @@
           <a:p>
             <a:fld id="{87DE6118-2437-4B30-8E3C-4D2BE6020583}" type="datetimeFigureOut">
               <a:rPr lang="en-US" dirty="0"/>
-              <a:t>8/30/2021</a:t>
+              <a:t>8/31/2021</a:t>
             </a:fld>
             <a:endParaRPr lang="en-US" dirty="0"/>
           </a:p>
@@ -1235,7 +1239,7 @@
             <a:fld id="{87DE6118-2437-4B30-8E3C-4D2BE6020583}" type="datetimeFigureOut">
               <a:rPr lang="en-US" dirty="0"/>
               <a:pPr/>
-              <a:t>8/30/2021</a:t>
+              <a:t>8/31/2021</a:t>
             </a:fld>
             <a:endParaRPr lang="en-US" dirty="0"/>
           </a:p>
@@ -1625,7 +1629,7 @@
           <a:p>
             <a:fld id="{87DE6118-2437-4B30-8E3C-4D2BE6020583}" type="datetimeFigureOut">
               <a:rPr lang="en-US" dirty="0"/>
-              <a:t>8/30/2021</a:t>
+              <a:t>8/31/2021</a:t>
             </a:fld>
             <a:endParaRPr lang="en-US" dirty="0"/>
           </a:p>
@@ -2097,7 +2101,7 @@
           <a:p>
             <a:fld id="{87DE6118-2437-4B30-8E3C-4D2BE6020583}" type="datetimeFigureOut">
               <a:rPr lang="en-US" dirty="0"/>
-              <a:t>8/30/2021</a:t>
+              <a:t>8/31/2021</a:t>
             </a:fld>
             <a:endParaRPr lang="en-US" dirty="0"/>
           </a:p>
@@ -2210,7 +2214,7 @@
           <a:p>
             <a:fld id="{87DE6118-2437-4B30-8E3C-4D2BE6020583}" type="datetimeFigureOut">
               <a:rPr lang="en-US" dirty="0"/>
-              <a:t>8/30/2021</a:t>
+              <a:t>8/31/2021</a:t>
             </a:fld>
             <a:endParaRPr lang="en-US" dirty="0"/>
           </a:p>
@@ -2300,7 +2304,7 @@
           <a:p>
             <a:fld id="{87DE6118-2437-4B30-8E3C-4D2BE6020583}" type="datetimeFigureOut">
               <a:rPr lang="en-US" dirty="0"/>
-              <a:t>8/30/2021</a:t>
+              <a:t>8/31/2021</a:t>
             </a:fld>
             <a:endParaRPr lang="en-US" dirty="0"/>
           </a:p>
@@ -2642,7 +2646,7 @@
             <a:fld id="{87DE6118-2437-4B30-8E3C-4D2BE6020583}" type="datetimeFigureOut">
               <a:rPr lang="en-US" dirty="0"/>
               <a:pPr/>
-              <a:t>8/30/2021</a:t>
+              <a:t>8/31/2021</a:t>
             </a:fld>
             <a:endParaRPr lang="en-US" dirty="0"/>
           </a:p>
@@ -3027,7 +3031,7 @@
             <a:fld id="{87DE6118-2437-4B30-8E3C-4D2BE6020583}" type="datetimeFigureOut">
               <a:rPr lang="en-US" dirty="0"/>
               <a:pPr/>
-              <a:t>8/30/2021</a:t>
+              <a:t>8/31/2021</a:t>
             </a:fld>
             <a:endParaRPr lang="en-US" dirty="0"/>
           </a:p>
@@ -3302,7 +3306,7 @@
             <a:fld id="{87DE6118-2437-4B30-8E3C-4D2BE6020583}" type="datetimeFigureOut">
               <a:rPr lang="en-US" dirty="0"/>
               <a:pPr/>
-              <a:t>8/30/2021</a:t>
+              <a:t>8/31/2021</a:t>
             </a:fld>
             <a:endParaRPr lang="en-US" dirty="0"/>
           </a:p>
@@ -6182,6 +6186,986 @@
       <p:bldP spid="2" grpId="0"/>
     </p:bldLst>
   </p:timing>
+</p:sld>
+</file>
+
+<file path=ppt/slides/slide16.xml><?xml version="1.0" encoding="utf-8"?>
+<p:sld xmlns:a="http://schemas.openxmlformats.org/drawingml/2006/main" xmlns:r="http://schemas.openxmlformats.org/officeDocument/2006/relationships" xmlns:p="http://schemas.openxmlformats.org/presentationml/2006/main">
+  <p:cSld>
+    <p:spTree>
+      <p:nvGrpSpPr>
+        <p:cNvPr id="1" name=""/>
+        <p:cNvGrpSpPr/>
+        <p:nvPr/>
+      </p:nvGrpSpPr>
+      <p:grpSpPr>
+        <a:xfrm>
+          <a:off x="0" y="0"/>
+          <a:ext cx="0" cy="0"/>
+          <a:chOff x="0" y="0"/>
+          <a:chExt cx="0" cy="0"/>
+        </a:xfrm>
+      </p:grpSpPr>
+      <p:sp>
+        <p:nvSpPr>
+          <p:cNvPr id="2" name="Title 1">
+            <a:extLst>
+              <a:ext uri="{FF2B5EF4-FFF2-40B4-BE49-F238E27FC236}">
+                <a16:creationId xmlns:a16="http://schemas.microsoft.com/office/drawing/2014/main" id="{9B3E5BCA-BB79-4494-943A-99CF5F49102F}"/>
+              </a:ext>
+            </a:extLst>
+          </p:cNvPr>
+          <p:cNvSpPr>
+            <a:spLocks noGrp="1"/>
+          </p:cNvSpPr>
+          <p:nvPr>
+            <p:ph type="ctrTitle"/>
+          </p:nvPr>
+        </p:nvSpPr>
+        <p:spPr>
+          <a:xfrm>
+            <a:off x="1915385" y="1058346"/>
+            <a:ext cx="8361229" cy="2098226"/>
+          </a:xfrm>
+        </p:spPr>
+        <p:txBody>
+          <a:bodyPr/>
+          <a:lstStyle/>
+          <a:p>
+            <a:r>
+              <a:rPr lang="en-PH" dirty="0"/>
+              <a:t>HTML BASICS</a:t>
+            </a:r>
+          </a:p>
+        </p:txBody>
+      </p:sp>
+      <p:sp>
+        <p:nvSpPr>
+          <p:cNvPr id="3" name="Subtitle 2">
+            <a:extLst>
+              <a:ext uri="{FF2B5EF4-FFF2-40B4-BE49-F238E27FC236}">
+                <a16:creationId xmlns:a16="http://schemas.microsoft.com/office/drawing/2014/main" id="{AEC855E7-1E83-4728-BDA9-FB3D80108F3A}"/>
+              </a:ext>
+            </a:extLst>
+          </p:cNvPr>
+          <p:cNvSpPr>
+            <a:spLocks noGrp="1"/>
+          </p:cNvSpPr>
+          <p:nvPr>
+            <p:ph type="subTitle" idx="1"/>
+          </p:nvPr>
+        </p:nvSpPr>
+        <p:spPr>
+          <a:xfrm>
+            <a:off x="6685849" y="5338765"/>
+            <a:ext cx="6831673" cy="1086237"/>
+          </a:xfrm>
+        </p:spPr>
+        <p:txBody>
+          <a:bodyPr/>
+          <a:lstStyle/>
+          <a:p>
+            <a:r>
+              <a:rPr lang="en-PH" dirty="0"/>
+              <a:t>By Ronald Laz</a:t>
+            </a:r>
+          </a:p>
+        </p:txBody>
+      </p:sp>
+      <p:sp>
+        <p:nvSpPr>
+          <p:cNvPr id="4" name="Title 1">
+            <a:extLst>
+              <a:ext uri="{FF2B5EF4-FFF2-40B4-BE49-F238E27FC236}">
+                <a16:creationId xmlns:a16="http://schemas.microsoft.com/office/drawing/2014/main" id="{110DDF52-F283-4292-9D4B-49FAAD7F1EFF}"/>
+              </a:ext>
+            </a:extLst>
+          </p:cNvPr>
+          <p:cNvSpPr txBox="1">
+            <a:spLocks/>
+          </p:cNvSpPr>
+          <p:nvPr/>
+        </p:nvSpPr>
+        <p:spPr>
+          <a:xfrm>
+            <a:off x="1915385" y="3156572"/>
+            <a:ext cx="8361229" cy="544856"/>
+          </a:xfrm>
+          <a:prstGeom prst="rect">
+            <a:avLst/>
+          </a:prstGeom>
+        </p:spPr>
+        <p:txBody>
+          <a:bodyPr vert="horz" lIns="91440" tIns="45720" rIns="91440" bIns="45720" rtlCol="0" anchor="b">
+            <a:noAutofit/>
+          </a:bodyPr>
+          <a:lstStyle>
+            <a:lvl1pPr algn="ctr" defTabSz="914400" rtl="0" eaLnBrk="1" latinLnBrk="0" hangingPunct="1">
+              <a:lnSpc>
+                <a:spcPct val="89000"/>
+              </a:lnSpc>
+              <a:spcBef>
+                <a:spcPct val="0"/>
+              </a:spcBef>
+              <a:buNone/>
+              <a:defRPr sz="7200" kern="1200" cap="all" baseline="0">
+                <a:solidFill>
+                  <a:schemeClr val="tx2"/>
+                </a:solidFill>
+                <a:latin typeface="+mj-lt"/>
+                <a:ea typeface="+mj-ea"/>
+                <a:cs typeface="+mj-cs"/>
+              </a:defRPr>
+            </a:lvl1pPr>
+          </a:lstStyle>
+          <a:p>
+            <a:r>
+              <a:rPr lang="en-PH" sz="2800" dirty="0"/>
+              <a:t>4 Important tags</a:t>
+            </a:r>
+          </a:p>
+        </p:txBody>
+      </p:sp>
+      <p:sp>
+        <p:nvSpPr>
+          <p:cNvPr id="5" name="Title 1">
+            <a:extLst>
+              <a:ext uri="{FF2B5EF4-FFF2-40B4-BE49-F238E27FC236}">
+                <a16:creationId xmlns:a16="http://schemas.microsoft.com/office/drawing/2014/main" id="{7E2D6452-5B08-4DCC-8B59-CDB8325E0C9A}"/>
+              </a:ext>
+            </a:extLst>
+          </p:cNvPr>
+          <p:cNvSpPr txBox="1">
+            <a:spLocks/>
+          </p:cNvSpPr>
+          <p:nvPr/>
+        </p:nvSpPr>
+        <p:spPr>
+          <a:xfrm>
+            <a:off x="1915384" y="3306078"/>
+            <a:ext cx="8361229" cy="544856"/>
+          </a:xfrm>
+          <a:prstGeom prst="rect">
+            <a:avLst/>
+          </a:prstGeom>
+        </p:spPr>
+        <p:txBody>
+          <a:bodyPr vert="horz" lIns="91440" tIns="45720" rIns="91440" bIns="45720" rtlCol="0" anchor="b">
+            <a:noAutofit/>
+          </a:bodyPr>
+          <a:lstStyle>
+            <a:lvl1pPr algn="ctr" defTabSz="914400" rtl="0" eaLnBrk="1" latinLnBrk="0" hangingPunct="1">
+              <a:lnSpc>
+                <a:spcPct val="89000"/>
+              </a:lnSpc>
+              <a:spcBef>
+                <a:spcPct val="0"/>
+              </a:spcBef>
+              <a:buNone/>
+              <a:defRPr sz="7200" kern="1200" cap="all" baseline="0">
+                <a:solidFill>
+                  <a:schemeClr val="tx2"/>
+                </a:solidFill>
+                <a:latin typeface="+mj-lt"/>
+                <a:ea typeface="+mj-ea"/>
+                <a:cs typeface="+mj-cs"/>
+              </a:defRPr>
+            </a:lvl1pPr>
+          </a:lstStyle>
+          <a:p>
+            <a:r>
+              <a:rPr lang="en-PH" sz="1800" dirty="0">
+                <a:solidFill>
+                  <a:srgbClr val="FF0000"/>
+                </a:solidFill>
+              </a:rPr>
+              <a:t>PART 2</a:t>
+            </a:r>
+          </a:p>
+        </p:txBody>
+      </p:sp>
+    </p:spTree>
+    <p:extLst>
+      <p:ext uri="{BB962C8B-B14F-4D97-AF65-F5344CB8AC3E}">
+        <p14:creationId xmlns:p14="http://schemas.microsoft.com/office/powerpoint/2010/main" val="1991588590"/>
+      </p:ext>
+    </p:extLst>
+  </p:cSld>
+  <p:clrMapOvr>
+    <a:masterClrMapping/>
+  </p:clrMapOvr>
+</p:sld>
+</file>
+
+<file path=ppt/slides/slide17.xml><?xml version="1.0" encoding="utf-8"?>
+<p:sld xmlns:a="http://schemas.openxmlformats.org/drawingml/2006/main" xmlns:r="http://schemas.openxmlformats.org/officeDocument/2006/relationships" xmlns:p="http://schemas.openxmlformats.org/presentationml/2006/main">
+  <p:cSld>
+    <p:spTree>
+      <p:nvGrpSpPr>
+        <p:cNvPr id="1" name=""/>
+        <p:cNvGrpSpPr/>
+        <p:nvPr/>
+      </p:nvGrpSpPr>
+      <p:grpSpPr>
+        <a:xfrm>
+          <a:off x="0" y="0"/>
+          <a:ext cx="0" cy="0"/>
+          <a:chOff x="0" y="0"/>
+          <a:chExt cx="0" cy="0"/>
+        </a:xfrm>
+      </p:grpSpPr>
+      <p:sp>
+        <p:nvSpPr>
+          <p:cNvPr id="2" name="Title 1">
+            <a:extLst>
+              <a:ext uri="{FF2B5EF4-FFF2-40B4-BE49-F238E27FC236}">
+                <a16:creationId xmlns:a16="http://schemas.microsoft.com/office/drawing/2014/main" id="{2A770303-0880-4809-9120-D5333B2750B6}"/>
+              </a:ext>
+            </a:extLst>
+          </p:cNvPr>
+          <p:cNvSpPr>
+            <a:spLocks noGrp="1"/>
+          </p:cNvSpPr>
+          <p:nvPr>
+            <p:ph type="title"/>
+          </p:nvPr>
+        </p:nvSpPr>
+        <p:spPr>
+          <a:xfrm>
+            <a:off x="1424763" y="2029490"/>
+            <a:ext cx="9601200" cy="1485900"/>
+          </a:xfrm>
+        </p:spPr>
+        <p:txBody>
+          <a:bodyPr/>
+          <a:lstStyle/>
+          <a:p>
+            <a:r>
+              <a:rPr lang="en-PH" dirty="0"/>
+              <a:t>This is the main container/</a:t>
+            </a:r>
+            <a:r>
+              <a:rPr lang="en-PH" dirty="0">
+                <a:solidFill>
+                  <a:srgbClr val="FF0000"/>
+                </a:solidFill>
+              </a:rPr>
+              <a:t>folder</a:t>
+            </a:r>
+            <a:r>
+              <a:rPr lang="en-PH" dirty="0"/>
+              <a:t> that contains all of your HTML elements</a:t>
+            </a:r>
+          </a:p>
+        </p:txBody>
+      </p:sp>
+      <p:pic>
+        <p:nvPicPr>
+          <p:cNvPr id="5" name="Picture 4">
+            <a:extLst>
+              <a:ext uri="{FF2B5EF4-FFF2-40B4-BE49-F238E27FC236}">
+                <a16:creationId xmlns:a16="http://schemas.microsoft.com/office/drawing/2014/main" id="{AFE44929-70CB-44A7-8D85-C6845EF68187}"/>
+              </a:ext>
+            </a:extLst>
+          </p:cNvPr>
+          <p:cNvPicPr>
+            <a:picLocks noChangeAspect="1"/>
+          </p:cNvPicPr>
+          <p:nvPr/>
+        </p:nvPicPr>
+        <p:blipFill>
+          <a:blip r:embed="rId2"/>
+          <a:stretch>
+            <a:fillRect/>
+          </a:stretch>
+        </p:blipFill>
+        <p:spPr>
+          <a:xfrm>
+            <a:off x="3287290" y="543590"/>
+            <a:ext cx="5617419" cy="1485900"/>
+          </a:xfrm>
+          <a:prstGeom prst="rect">
+            <a:avLst/>
+          </a:prstGeom>
+        </p:spPr>
+      </p:pic>
+      <p:pic>
+        <p:nvPicPr>
+          <p:cNvPr id="8" name="Picture 7">
+            <a:extLst>
+              <a:ext uri="{FF2B5EF4-FFF2-40B4-BE49-F238E27FC236}">
+                <a16:creationId xmlns:a16="http://schemas.microsoft.com/office/drawing/2014/main" id="{A863223B-D45A-4C89-AB82-5F55AC46A211}"/>
+              </a:ext>
+            </a:extLst>
+          </p:cNvPr>
+          <p:cNvPicPr>
+            <a:picLocks noChangeAspect="1"/>
+          </p:cNvPicPr>
+          <p:nvPr/>
+        </p:nvPicPr>
+        <p:blipFill>
+          <a:blip r:embed="rId3"/>
+          <a:stretch>
+            <a:fillRect/>
+          </a:stretch>
+        </p:blipFill>
+        <p:spPr>
+          <a:xfrm>
+            <a:off x="4660921" y="3710501"/>
+            <a:ext cx="2870158" cy="2402198"/>
+          </a:xfrm>
+          <a:prstGeom prst="rect">
+            <a:avLst/>
+          </a:prstGeom>
+        </p:spPr>
+      </p:pic>
+      <p:sp>
+        <p:nvSpPr>
+          <p:cNvPr id="9" name="Arrow: Right 8">
+            <a:extLst>
+              <a:ext uri="{FF2B5EF4-FFF2-40B4-BE49-F238E27FC236}">
+                <a16:creationId xmlns:a16="http://schemas.microsoft.com/office/drawing/2014/main" id="{E4C24015-CA5F-4F60-BAD4-5326CCB72F55}"/>
+              </a:ext>
+            </a:extLst>
+          </p:cNvPr>
+          <p:cNvSpPr/>
+          <p:nvPr/>
+        </p:nvSpPr>
+        <p:spPr>
+          <a:xfrm>
+            <a:off x="3487479" y="4911600"/>
+            <a:ext cx="1658679" cy="882503"/>
+          </a:xfrm>
+          <a:prstGeom prst="rightArrow">
+            <a:avLst/>
+          </a:prstGeom>
+        </p:spPr>
+        <p:style>
+          <a:lnRef idx="2">
+            <a:schemeClr val="accent1">
+              <a:shade val="50000"/>
+            </a:schemeClr>
+          </a:lnRef>
+          <a:fillRef idx="1">
+            <a:schemeClr val="accent1"/>
+          </a:fillRef>
+          <a:effectRef idx="0">
+            <a:schemeClr val="accent1"/>
+          </a:effectRef>
+          <a:fontRef idx="minor">
+            <a:schemeClr val="lt1"/>
+          </a:fontRef>
+        </p:style>
+        <p:txBody>
+          <a:bodyPr rtlCol="0" anchor="ctr"/>
+          <a:lstStyle/>
+          <a:p>
+            <a:pPr algn="ctr"/>
+            <a:endParaRPr lang="en-PH"/>
+          </a:p>
+        </p:txBody>
+      </p:sp>
+      <p:sp>
+        <p:nvSpPr>
+          <p:cNvPr id="10" name="Title 1">
+            <a:extLst>
+              <a:ext uri="{FF2B5EF4-FFF2-40B4-BE49-F238E27FC236}">
+                <a16:creationId xmlns:a16="http://schemas.microsoft.com/office/drawing/2014/main" id="{01D7BF50-8F41-4B66-8D93-722DEED71A58}"/>
+              </a:ext>
+            </a:extLst>
+          </p:cNvPr>
+          <p:cNvSpPr txBox="1">
+            <a:spLocks/>
+          </p:cNvSpPr>
+          <p:nvPr/>
+        </p:nvSpPr>
+        <p:spPr>
+          <a:xfrm>
+            <a:off x="904398" y="4754970"/>
+            <a:ext cx="2583081" cy="1634176"/>
+          </a:xfrm>
+          <a:prstGeom prst="rect">
+            <a:avLst/>
+          </a:prstGeom>
+        </p:spPr>
+        <p:txBody>
+          <a:bodyPr vert="horz" lIns="91440" tIns="45720" rIns="91440" bIns="45720" rtlCol="0" anchor="t">
+            <a:normAutofit/>
+          </a:bodyPr>
+          <a:lstStyle>
+            <a:lvl1pPr algn="l" defTabSz="914400" rtl="0" eaLnBrk="1" latinLnBrk="0" hangingPunct="1">
+              <a:lnSpc>
+                <a:spcPct val="89000"/>
+              </a:lnSpc>
+              <a:spcBef>
+                <a:spcPct val="0"/>
+              </a:spcBef>
+              <a:buNone/>
+              <a:defRPr sz="4400" kern="1200" baseline="0">
+                <a:solidFill>
+                  <a:schemeClr val="tx2"/>
+                </a:solidFill>
+                <a:latin typeface="+mj-lt"/>
+                <a:ea typeface="+mj-ea"/>
+                <a:cs typeface="+mj-cs"/>
+              </a:defRPr>
+            </a:lvl1pPr>
+          </a:lstStyle>
+          <a:p>
+            <a:pPr algn="just"/>
+            <a:r>
+              <a:rPr lang="en-PH" sz="2800" dirty="0"/>
+              <a:t>This are the contents of the HTML container</a:t>
+            </a:r>
+          </a:p>
+        </p:txBody>
+      </p:sp>
+    </p:spTree>
+    <p:extLst>
+      <p:ext uri="{BB962C8B-B14F-4D97-AF65-F5344CB8AC3E}">
+        <p14:creationId xmlns:p14="http://schemas.microsoft.com/office/powerpoint/2010/main" val="2237889940"/>
+      </p:ext>
+    </p:extLst>
+  </p:cSld>
+  <p:clrMapOvr>
+    <a:masterClrMapping/>
+  </p:clrMapOvr>
+  <p:timing>
+    <p:tnLst>
+      <p:par>
+        <p:cTn id="1" dur="indefinite" restart="never" nodeType="tmRoot">
+          <p:childTnLst>
+            <p:seq concurrent="1" nextAc="seek">
+              <p:cTn id="2" dur="indefinite" nodeType="mainSeq">
+                <p:childTnLst>
+                  <p:par>
+                    <p:cTn id="3" fill="hold">
+                      <p:stCondLst>
+                        <p:cond delay="indefinite"/>
+                      </p:stCondLst>
+                      <p:childTnLst>
+                        <p:par>
+                          <p:cTn id="4" fill="hold">
+                            <p:stCondLst>
+                              <p:cond delay="0"/>
+                            </p:stCondLst>
+                            <p:childTnLst>
+                              <p:par>
+                                <p:cTn id="5" presetID="10" presetClass="entr" presetSubtype="0" fill="hold" nodeType="clickEffect">
+                                  <p:stCondLst>
+                                    <p:cond delay="0"/>
+                                  </p:stCondLst>
+                                  <p:childTnLst>
+                                    <p:set>
+                                      <p:cBhvr>
+                                        <p:cTn id="6" dur="1" fill="hold">
+                                          <p:stCondLst>
+                                            <p:cond delay="0"/>
+                                          </p:stCondLst>
+                                        </p:cTn>
+                                        <p:tgtEl>
+                                          <p:spTgt spid="5"/>
+                                        </p:tgtEl>
+                                        <p:attrNameLst>
+                                          <p:attrName>style.visibility</p:attrName>
+                                        </p:attrNameLst>
+                                      </p:cBhvr>
+                                      <p:to>
+                                        <p:strVal val="visible"/>
+                                      </p:to>
+                                    </p:set>
+                                    <p:animEffect transition="in" filter="fade">
+                                      <p:cBhvr>
+                                        <p:cTn id="7" dur="500"/>
+                                        <p:tgtEl>
+                                          <p:spTgt spid="5"/>
+                                        </p:tgtEl>
+                                      </p:cBhvr>
+                                    </p:animEffect>
+                                  </p:childTnLst>
+                                </p:cTn>
+                              </p:par>
+                            </p:childTnLst>
+                          </p:cTn>
+                        </p:par>
+                      </p:childTnLst>
+                    </p:cTn>
+                  </p:par>
+                  <p:par>
+                    <p:cTn id="8" fill="hold">
+                      <p:stCondLst>
+                        <p:cond delay="indefinite"/>
+                      </p:stCondLst>
+                      <p:childTnLst>
+                        <p:par>
+                          <p:cTn id="9" fill="hold">
+                            <p:stCondLst>
+                              <p:cond delay="0"/>
+                            </p:stCondLst>
+                            <p:childTnLst>
+                              <p:par>
+                                <p:cTn id="10" presetID="10" presetClass="entr" presetSubtype="0" fill="hold" grpId="0" nodeType="clickEffect">
+                                  <p:stCondLst>
+                                    <p:cond delay="0"/>
+                                  </p:stCondLst>
+                                  <p:childTnLst>
+                                    <p:set>
+                                      <p:cBhvr>
+                                        <p:cTn id="11" dur="1" fill="hold">
+                                          <p:stCondLst>
+                                            <p:cond delay="0"/>
+                                          </p:stCondLst>
+                                        </p:cTn>
+                                        <p:tgtEl>
+                                          <p:spTgt spid="2"/>
+                                        </p:tgtEl>
+                                        <p:attrNameLst>
+                                          <p:attrName>style.visibility</p:attrName>
+                                        </p:attrNameLst>
+                                      </p:cBhvr>
+                                      <p:to>
+                                        <p:strVal val="visible"/>
+                                      </p:to>
+                                    </p:set>
+                                    <p:animEffect transition="in" filter="fade">
+                                      <p:cBhvr>
+                                        <p:cTn id="12" dur="500"/>
+                                        <p:tgtEl>
+                                          <p:spTgt spid="2"/>
+                                        </p:tgtEl>
+                                      </p:cBhvr>
+                                    </p:animEffect>
+                                  </p:childTnLst>
+                                </p:cTn>
+                              </p:par>
+                            </p:childTnLst>
+                          </p:cTn>
+                        </p:par>
+                      </p:childTnLst>
+                    </p:cTn>
+                  </p:par>
+                  <p:par>
+                    <p:cTn id="13" fill="hold">
+                      <p:stCondLst>
+                        <p:cond delay="indefinite"/>
+                      </p:stCondLst>
+                      <p:childTnLst>
+                        <p:par>
+                          <p:cTn id="14" fill="hold">
+                            <p:stCondLst>
+                              <p:cond delay="0"/>
+                            </p:stCondLst>
+                            <p:childTnLst>
+                              <p:par>
+                                <p:cTn id="15" presetID="10" presetClass="entr" presetSubtype="0" fill="hold" nodeType="clickEffect">
+                                  <p:stCondLst>
+                                    <p:cond delay="0"/>
+                                  </p:stCondLst>
+                                  <p:childTnLst>
+                                    <p:set>
+                                      <p:cBhvr>
+                                        <p:cTn id="16" dur="1" fill="hold">
+                                          <p:stCondLst>
+                                            <p:cond delay="0"/>
+                                          </p:stCondLst>
+                                        </p:cTn>
+                                        <p:tgtEl>
+                                          <p:spTgt spid="8"/>
+                                        </p:tgtEl>
+                                        <p:attrNameLst>
+                                          <p:attrName>style.visibility</p:attrName>
+                                        </p:attrNameLst>
+                                      </p:cBhvr>
+                                      <p:to>
+                                        <p:strVal val="visible"/>
+                                      </p:to>
+                                    </p:set>
+                                    <p:animEffect transition="in" filter="fade">
+                                      <p:cBhvr>
+                                        <p:cTn id="17" dur="500"/>
+                                        <p:tgtEl>
+                                          <p:spTgt spid="8"/>
+                                        </p:tgtEl>
+                                      </p:cBhvr>
+                                    </p:animEffect>
+                                  </p:childTnLst>
+                                </p:cTn>
+                              </p:par>
+                            </p:childTnLst>
+                          </p:cTn>
+                        </p:par>
+                      </p:childTnLst>
+                    </p:cTn>
+                  </p:par>
+                  <p:par>
+                    <p:cTn id="18" fill="hold">
+                      <p:stCondLst>
+                        <p:cond delay="indefinite"/>
+                      </p:stCondLst>
+                      <p:childTnLst>
+                        <p:par>
+                          <p:cTn id="19" fill="hold">
+                            <p:stCondLst>
+                              <p:cond delay="0"/>
+                            </p:stCondLst>
+                            <p:childTnLst>
+                              <p:par>
+                                <p:cTn id="20" presetID="10" presetClass="entr" presetSubtype="0" fill="hold" grpId="0" nodeType="clickEffect">
+                                  <p:stCondLst>
+                                    <p:cond delay="0"/>
+                                  </p:stCondLst>
+                                  <p:childTnLst>
+                                    <p:set>
+                                      <p:cBhvr>
+                                        <p:cTn id="21" dur="1" fill="hold">
+                                          <p:stCondLst>
+                                            <p:cond delay="0"/>
+                                          </p:stCondLst>
+                                        </p:cTn>
+                                        <p:tgtEl>
+                                          <p:spTgt spid="9"/>
+                                        </p:tgtEl>
+                                        <p:attrNameLst>
+                                          <p:attrName>style.visibility</p:attrName>
+                                        </p:attrNameLst>
+                                      </p:cBhvr>
+                                      <p:to>
+                                        <p:strVal val="visible"/>
+                                      </p:to>
+                                    </p:set>
+                                    <p:animEffect transition="in" filter="fade">
+                                      <p:cBhvr>
+                                        <p:cTn id="22" dur="500"/>
+                                        <p:tgtEl>
+                                          <p:spTgt spid="9"/>
+                                        </p:tgtEl>
+                                      </p:cBhvr>
+                                    </p:animEffect>
+                                  </p:childTnLst>
+                                </p:cTn>
+                              </p:par>
+                            </p:childTnLst>
+                          </p:cTn>
+                        </p:par>
+                      </p:childTnLst>
+                    </p:cTn>
+                  </p:par>
+                  <p:par>
+                    <p:cTn id="23" fill="hold">
+                      <p:stCondLst>
+                        <p:cond delay="indefinite"/>
+                      </p:stCondLst>
+                      <p:childTnLst>
+                        <p:par>
+                          <p:cTn id="24" fill="hold">
+                            <p:stCondLst>
+                              <p:cond delay="0"/>
+                            </p:stCondLst>
+                            <p:childTnLst>
+                              <p:par>
+                                <p:cTn id="25" presetID="1" presetClass="entr" presetSubtype="0" fill="hold" grpId="0" nodeType="clickEffect">
+                                  <p:stCondLst>
+                                    <p:cond delay="0"/>
+                                  </p:stCondLst>
+                                  <p:childTnLst>
+                                    <p:set>
+                                      <p:cBhvr>
+                                        <p:cTn id="26" dur="1" fill="hold">
+                                          <p:stCondLst>
+                                            <p:cond delay="0"/>
+                                          </p:stCondLst>
+                                        </p:cTn>
+                                        <p:tgtEl>
+                                          <p:spTgt spid="10"/>
+                                        </p:tgtEl>
+                                        <p:attrNameLst>
+                                          <p:attrName>style.visibility</p:attrName>
+                                        </p:attrNameLst>
+                                      </p:cBhvr>
+                                      <p:to>
+                                        <p:strVal val="visible"/>
+                                      </p:to>
+                                    </p:set>
+                                  </p:childTnLst>
+                                </p:cTn>
+                              </p:par>
+                            </p:childTnLst>
+                          </p:cTn>
+                        </p:par>
+                      </p:childTnLst>
+                    </p:cTn>
+                  </p:par>
+                </p:childTnLst>
+              </p:cTn>
+              <p:prevCondLst>
+                <p:cond evt="onPrev" delay="0">
+                  <p:tgtEl>
+                    <p:sldTgt/>
+                  </p:tgtEl>
+                </p:cond>
+              </p:prevCondLst>
+              <p:nextCondLst>
+                <p:cond evt="onNext" delay="0">
+                  <p:tgtEl>
+                    <p:sldTgt/>
+                  </p:tgtEl>
+                </p:cond>
+              </p:nextCondLst>
+            </p:seq>
+          </p:childTnLst>
+        </p:cTn>
+      </p:par>
+    </p:tnLst>
+    <p:bldLst>
+      <p:bldP spid="2" grpId="0"/>
+      <p:bldP spid="9" grpId="0" animBg="1"/>
+      <p:bldP spid="10" grpId="0"/>
+    </p:bldLst>
+  </p:timing>
+</p:sld>
+</file>
+
+<file path=ppt/slides/slide18.xml><?xml version="1.0" encoding="utf-8"?>
+<p:sld xmlns:a="http://schemas.openxmlformats.org/drawingml/2006/main" xmlns:r="http://schemas.openxmlformats.org/officeDocument/2006/relationships" xmlns:p="http://schemas.openxmlformats.org/presentationml/2006/main">
+  <p:cSld>
+    <p:spTree>
+      <p:nvGrpSpPr>
+        <p:cNvPr id="1" name=""/>
+        <p:cNvGrpSpPr/>
+        <p:nvPr/>
+      </p:nvGrpSpPr>
+      <p:grpSpPr>
+        <a:xfrm>
+          <a:off x="0" y="0"/>
+          <a:ext cx="0" cy="0"/>
+          <a:chOff x="0" y="0"/>
+          <a:chExt cx="0" cy="0"/>
+        </a:xfrm>
+      </p:grpSpPr>
+      <p:pic>
+        <p:nvPicPr>
+          <p:cNvPr id="4" name="Content Placeholder 3">
+            <a:extLst>
+              <a:ext uri="{FF2B5EF4-FFF2-40B4-BE49-F238E27FC236}">
+                <a16:creationId xmlns:a16="http://schemas.microsoft.com/office/drawing/2014/main" id="{6C2C7DFA-175B-4E75-BED5-B2E940267768}"/>
+              </a:ext>
+            </a:extLst>
+          </p:cNvPr>
+          <p:cNvPicPr>
+            <a:picLocks noGrp="1" noChangeAspect="1"/>
+          </p:cNvPicPr>
+          <p:nvPr>
+            <p:ph idx="1"/>
+          </p:nvPr>
+        </p:nvPicPr>
+        <p:blipFill>
+          <a:blip r:embed="rId2"/>
+          <a:stretch>
+            <a:fillRect/>
+          </a:stretch>
+        </p:blipFill>
+        <p:spPr>
+          <a:xfrm>
+            <a:off x="1569001" y="89471"/>
+            <a:ext cx="9683762" cy="4130749"/>
+          </a:xfrm>
+          <a:prstGeom prst="rect">
+            <a:avLst/>
+          </a:prstGeom>
+        </p:spPr>
+      </p:pic>
+      <p:sp>
+        <p:nvSpPr>
+          <p:cNvPr id="5" name="Arrow: Down 4">
+            <a:extLst>
+              <a:ext uri="{FF2B5EF4-FFF2-40B4-BE49-F238E27FC236}">
+                <a16:creationId xmlns:a16="http://schemas.microsoft.com/office/drawing/2014/main" id="{65C73AAB-B41E-45EC-9014-17567A15AC36}"/>
+              </a:ext>
+            </a:extLst>
+          </p:cNvPr>
+          <p:cNvSpPr/>
+          <p:nvPr/>
+        </p:nvSpPr>
+        <p:spPr>
+          <a:xfrm rot="13656103">
+            <a:off x="1019623" y="518310"/>
+            <a:ext cx="652188" cy="1316681"/>
+          </a:xfrm>
+          <a:prstGeom prst="downArrow">
+            <a:avLst/>
+          </a:prstGeom>
+        </p:spPr>
+        <p:style>
+          <a:lnRef idx="2">
+            <a:schemeClr val="accent1">
+              <a:shade val="50000"/>
+            </a:schemeClr>
+          </a:lnRef>
+          <a:fillRef idx="1">
+            <a:schemeClr val="accent1"/>
+          </a:fillRef>
+          <a:effectRef idx="0">
+            <a:schemeClr val="accent1"/>
+          </a:effectRef>
+          <a:fontRef idx="minor">
+            <a:schemeClr val="lt1"/>
+          </a:fontRef>
+        </p:style>
+        <p:txBody>
+          <a:bodyPr rtlCol="0" anchor="ctr"/>
+          <a:lstStyle/>
+          <a:p>
+            <a:pPr algn="ctr"/>
+            <a:endParaRPr lang="en-PH"/>
+          </a:p>
+        </p:txBody>
+      </p:sp>
+      <p:pic>
+        <p:nvPicPr>
+          <p:cNvPr id="7" name="Picture 6">
+            <a:extLst>
+              <a:ext uri="{FF2B5EF4-FFF2-40B4-BE49-F238E27FC236}">
+                <a16:creationId xmlns:a16="http://schemas.microsoft.com/office/drawing/2014/main" id="{5405B290-E7AC-4FF3-9517-5B719F720EBA}"/>
+              </a:ext>
+            </a:extLst>
+          </p:cNvPr>
+          <p:cNvPicPr>
+            <a:picLocks noChangeAspect="1"/>
+          </p:cNvPicPr>
+          <p:nvPr/>
+        </p:nvPicPr>
+        <p:blipFill>
+          <a:blip r:embed="rId3"/>
+          <a:stretch>
+            <a:fillRect/>
+          </a:stretch>
+        </p:blipFill>
+        <p:spPr>
+          <a:xfrm>
+            <a:off x="1569001" y="3881543"/>
+            <a:ext cx="9683762" cy="2718441"/>
+          </a:xfrm>
+          <a:prstGeom prst="rect">
+            <a:avLst/>
+          </a:prstGeom>
+        </p:spPr>
+      </p:pic>
+      <p:sp>
+        <p:nvSpPr>
+          <p:cNvPr id="8" name="Arrow: Down 7">
+            <a:extLst>
+              <a:ext uri="{FF2B5EF4-FFF2-40B4-BE49-F238E27FC236}">
+                <a16:creationId xmlns:a16="http://schemas.microsoft.com/office/drawing/2014/main" id="{CD6DBCFA-D0CE-4358-94FB-E012F1BDB92A}"/>
+              </a:ext>
+            </a:extLst>
+          </p:cNvPr>
+          <p:cNvSpPr/>
+          <p:nvPr/>
+        </p:nvSpPr>
+        <p:spPr>
+          <a:xfrm rot="19024504">
+            <a:off x="1000712" y="5157649"/>
+            <a:ext cx="652188" cy="1316681"/>
+          </a:xfrm>
+          <a:prstGeom prst="downArrow">
+            <a:avLst/>
+          </a:prstGeom>
+        </p:spPr>
+        <p:style>
+          <a:lnRef idx="2">
+            <a:schemeClr val="accent1">
+              <a:shade val="50000"/>
+            </a:schemeClr>
+          </a:lnRef>
+          <a:fillRef idx="1">
+            <a:schemeClr val="accent1"/>
+          </a:fillRef>
+          <a:effectRef idx="0">
+            <a:schemeClr val="accent1"/>
+          </a:effectRef>
+          <a:fontRef idx="minor">
+            <a:schemeClr val="lt1"/>
+          </a:fontRef>
+        </p:style>
+        <p:txBody>
+          <a:bodyPr rtlCol="0" anchor="ctr"/>
+          <a:lstStyle/>
+          <a:p>
+            <a:pPr algn="ctr"/>
+            <a:endParaRPr lang="en-PH"/>
+          </a:p>
+        </p:txBody>
+      </p:sp>
+    </p:spTree>
+    <p:extLst>
+      <p:ext uri="{BB962C8B-B14F-4D97-AF65-F5344CB8AC3E}">
+        <p14:creationId xmlns:p14="http://schemas.microsoft.com/office/powerpoint/2010/main" val="645318664"/>
+      </p:ext>
+    </p:extLst>
+  </p:cSld>
+  <p:clrMapOvr>
+    <a:masterClrMapping/>
+  </p:clrMapOvr>
+</p:sld>
+</file>
+
+<file path=ppt/slides/slide19.xml><?xml version="1.0" encoding="utf-8"?>
+<p:sld xmlns:a="http://schemas.openxmlformats.org/drawingml/2006/main" xmlns:r="http://schemas.openxmlformats.org/officeDocument/2006/relationships" xmlns:p="http://schemas.openxmlformats.org/presentationml/2006/main">
+  <p:cSld>
+    <p:spTree>
+      <p:nvGrpSpPr>
+        <p:cNvPr id="1" name=""/>
+        <p:cNvGrpSpPr/>
+        <p:nvPr/>
+      </p:nvGrpSpPr>
+      <p:grpSpPr>
+        <a:xfrm>
+          <a:off x="0" y="0"/>
+          <a:ext cx="0" cy="0"/>
+          <a:chOff x="0" y="0"/>
+          <a:chExt cx="0" cy="0"/>
+        </a:xfrm>
+      </p:grpSpPr>
+      <p:pic>
+        <p:nvPicPr>
+          <p:cNvPr id="5" name="Picture 4">
+            <a:extLst>
+              <a:ext uri="{FF2B5EF4-FFF2-40B4-BE49-F238E27FC236}">
+                <a16:creationId xmlns:a16="http://schemas.microsoft.com/office/drawing/2014/main" id="{4ACC0D61-D652-418C-9E19-C63B494ADF29}"/>
+              </a:ext>
+            </a:extLst>
+          </p:cNvPr>
+          <p:cNvPicPr>
+            <a:picLocks noChangeAspect="1"/>
+          </p:cNvPicPr>
+          <p:nvPr/>
+        </p:nvPicPr>
+        <p:blipFill>
+          <a:blip r:embed="rId2"/>
+          <a:stretch>
+            <a:fillRect/>
+          </a:stretch>
+        </p:blipFill>
+        <p:spPr>
+          <a:xfrm>
+            <a:off x="3466848" y="1228514"/>
+            <a:ext cx="5258304" cy="4400972"/>
+          </a:xfrm>
+          <a:prstGeom prst="rect">
+            <a:avLst/>
+          </a:prstGeom>
+        </p:spPr>
+      </p:pic>
+    </p:spTree>
+    <p:extLst>
+      <p:ext uri="{BB962C8B-B14F-4D97-AF65-F5344CB8AC3E}">
+        <p14:creationId xmlns:p14="http://schemas.microsoft.com/office/powerpoint/2010/main" val="132495973"/>
+      </p:ext>
+    </p:extLst>
+  </p:cSld>
+  <p:clrMapOvr>
+    <a:masterClrMapping/>
+  </p:clrMapOvr>
 </p:sld>
 </file>
 

--- a/HTML BASICS.pptx
+++ b/HTML BASICS.pptx
@@ -24,6 +24,10 @@
     <p:sldId id="273" r:id="rId18"/>
     <p:sldId id="274" r:id="rId19"/>
     <p:sldId id="272" r:id="rId20"/>
+    <p:sldId id="275" r:id="rId21"/>
+    <p:sldId id="276" r:id="rId22"/>
+    <p:sldId id="277" r:id="rId23"/>
+    <p:sldId id="278" r:id="rId24"/>
   </p:sldIdLst>
   <p:sldSz cx="12192000" cy="6858000"/>
   <p:notesSz cx="6858000" cy="9144000"/>
@@ -300,7 +304,7 @@
             <a:fld id="{87DE6118-2437-4B30-8E3C-4D2BE6020583}" type="datetimeFigureOut">
               <a:rPr lang="en-US" dirty="0"/>
               <a:pPr/>
-              <a:t>8/31/2021</a:t>
+              <a:t>9/2/2021</a:t>
             </a:fld>
             <a:endParaRPr lang="en-US" dirty="0"/>
           </a:p>
@@ -626,7 +630,7 @@
           <a:p>
             <a:fld id="{87DE6118-2437-4B30-8E3C-4D2BE6020583}" type="datetimeFigureOut">
               <a:rPr lang="en-US" dirty="0"/>
-              <a:t>8/31/2021</a:t>
+              <a:t>9/2/2021</a:t>
             </a:fld>
             <a:endParaRPr lang="en-US" dirty="0"/>
           </a:p>
@@ -801,7 +805,7 @@
           <a:p>
             <a:fld id="{87DE6118-2437-4B30-8E3C-4D2BE6020583}" type="datetimeFigureOut">
               <a:rPr lang="en-US" dirty="0"/>
-              <a:t>8/31/2021</a:t>
+              <a:t>9/2/2021</a:t>
             </a:fld>
             <a:endParaRPr lang="en-US" dirty="0"/>
           </a:p>
@@ -966,7 +970,7 @@
           <a:p>
             <a:fld id="{87DE6118-2437-4B30-8E3C-4D2BE6020583}" type="datetimeFigureOut">
               <a:rPr lang="en-US" dirty="0"/>
-              <a:t>8/31/2021</a:t>
+              <a:t>9/2/2021</a:t>
             </a:fld>
             <a:endParaRPr lang="en-US" dirty="0"/>
           </a:p>
@@ -1239,7 +1243,7 @@
             <a:fld id="{87DE6118-2437-4B30-8E3C-4D2BE6020583}" type="datetimeFigureOut">
               <a:rPr lang="en-US" dirty="0"/>
               <a:pPr/>
-              <a:t>8/31/2021</a:t>
+              <a:t>9/2/2021</a:t>
             </a:fld>
             <a:endParaRPr lang="en-US" dirty="0"/>
           </a:p>
@@ -1629,7 +1633,7 @@
           <a:p>
             <a:fld id="{87DE6118-2437-4B30-8E3C-4D2BE6020583}" type="datetimeFigureOut">
               <a:rPr lang="en-US" dirty="0"/>
-              <a:t>8/31/2021</a:t>
+              <a:t>9/2/2021</a:t>
             </a:fld>
             <a:endParaRPr lang="en-US" dirty="0"/>
           </a:p>
@@ -2101,7 +2105,7 @@
           <a:p>
             <a:fld id="{87DE6118-2437-4B30-8E3C-4D2BE6020583}" type="datetimeFigureOut">
               <a:rPr lang="en-US" dirty="0"/>
-              <a:t>8/31/2021</a:t>
+              <a:t>9/2/2021</a:t>
             </a:fld>
             <a:endParaRPr lang="en-US" dirty="0"/>
           </a:p>
@@ -2214,7 +2218,7 @@
           <a:p>
             <a:fld id="{87DE6118-2437-4B30-8E3C-4D2BE6020583}" type="datetimeFigureOut">
               <a:rPr lang="en-US" dirty="0"/>
-              <a:t>8/31/2021</a:t>
+              <a:t>9/2/2021</a:t>
             </a:fld>
             <a:endParaRPr lang="en-US" dirty="0"/>
           </a:p>
@@ -2304,7 +2308,7 @@
           <a:p>
             <a:fld id="{87DE6118-2437-4B30-8E3C-4D2BE6020583}" type="datetimeFigureOut">
               <a:rPr lang="en-US" dirty="0"/>
-              <a:t>8/31/2021</a:t>
+              <a:t>9/2/2021</a:t>
             </a:fld>
             <a:endParaRPr lang="en-US" dirty="0"/>
           </a:p>
@@ -2646,7 +2650,7 @@
             <a:fld id="{87DE6118-2437-4B30-8E3C-4D2BE6020583}" type="datetimeFigureOut">
               <a:rPr lang="en-US" dirty="0"/>
               <a:pPr/>
-              <a:t>8/31/2021</a:t>
+              <a:t>9/2/2021</a:t>
             </a:fld>
             <a:endParaRPr lang="en-US" dirty="0"/>
           </a:p>
@@ -3031,7 +3035,7 @@
             <a:fld id="{87DE6118-2437-4B30-8E3C-4D2BE6020583}" type="datetimeFigureOut">
               <a:rPr lang="en-US" dirty="0"/>
               <a:pPr/>
-              <a:t>8/31/2021</a:t>
+              <a:t>9/2/2021</a:t>
             </a:fld>
             <a:endParaRPr lang="en-US" dirty="0"/>
           </a:p>
@@ -3306,7 +3310,7 @@
             <a:fld id="{87DE6118-2437-4B30-8E3C-4D2BE6020583}" type="datetimeFigureOut">
               <a:rPr lang="en-US" dirty="0"/>
               <a:pPr/>
-              <a:t>8/31/2021</a:t>
+              <a:t>9/2/2021</a:t>
             </a:fld>
             <a:endParaRPr lang="en-US" dirty="0"/>
           </a:p>
@@ -8010,6 +8014,1184 @@
 </p:sld>
 </file>
 
+<file path=ppt/slides/slide20.xml><?xml version="1.0" encoding="utf-8"?>
+<p:sld xmlns:a="http://schemas.openxmlformats.org/drawingml/2006/main" xmlns:r="http://schemas.openxmlformats.org/officeDocument/2006/relationships" xmlns:p="http://schemas.openxmlformats.org/presentationml/2006/main">
+  <p:cSld>
+    <p:spTree>
+      <p:nvGrpSpPr>
+        <p:cNvPr id="1" name=""/>
+        <p:cNvGrpSpPr/>
+        <p:nvPr/>
+      </p:nvGrpSpPr>
+      <p:grpSpPr>
+        <a:xfrm>
+          <a:off x="0" y="0"/>
+          <a:ext cx="0" cy="0"/>
+          <a:chOff x="0" y="0"/>
+          <a:chExt cx="0" cy="0"/>
+        </a:xfrm>
+      </p:grpSpPr>
+      <p:sp>
+        <p:nvSpPr>
+          <p:cNvPr id="2" name="Title 1">
+            <a:extLst>
+              <a:ext uri="{FF2B5EF4-FFF2-40B4-BE49-F238E27FC236}">
+                <a16:creationId xmlns:a16="http://schemas.microsoft.com/office/drawing/2014/main" id="{9B3E5BCA-BB79-4494-943A-99CF5F49102F}"/>
+              </a:ext>
+            </a:extLst>
+          </p:cNvPr>
+          <p:cNvSpPr>
+            <a:spLocks noGrp="1"/>
+          </p:cNvSpPr>
+          <p:nvPr>
+            <p:ph type="ctrTitle"/>
+          </p:nvPr>
+        </p:nvSpPr>
+        <p:spPr>
+          <a:xfrm>
+            <a:off x="1915385" y="1058346"/>
+            <a:ext cx="8361229" cy="2098226"/>
+          </a:xfrm>
+        </p:spPr>
+        <p:txBody>
+          <a:bodyPr/>
+          <a:lstStyle/>
+          <a:p>
+            <a:r>
+              <a:rPr lang="en-PH" dirty="0"/>
+              <a:t>HTML BASICS</a:t>
+            </a:r>
+          </a:p>
+        </p:txBody>
+      </p:sp>
+      <p:sp>
+        <p:nvSpPr>
+          <p:cNvPr id="3" name="Subtitle 2">
+            <a:extLst>
+              <a:ext uri="{FF2B5EF4-FFF2-40B4-BE49-F238E27FC236}">
+                <a16:creationId xmlns:a16="http://schemas.microsoft.com/office/drawing/2014/main" id="{AEC855E7-1E83-4728-BDA9-FB3D80108F3A}"/>
+              </a:ext>
+            </a:extLst>
+          </p:cNvPr>
+          <p:cNvSpPr>
+            <a:spLocks noGrp="1"/>
+          </p:cNvSpPr>
+          <p:nvPr>
+            <p:ph type="subTitle" idx="1"/>
+          </p:nvPr>
+        </p:nvSpPr>
+        <p:spPr>
+          <a:xfrm>
+            <a:off x="6685849" y="5338765"/>
+            <a:ext cx="6831673" cy="1086237"/>
+          </a:xfrm>
+        </p:spPr>
+        <p:txBody>
+          <a:bodyPr/>
+          <a:lstStyle/>
+          <a:p>
+            <a:r>
+              <a:rPr lang="en-PH" dirty="0"/>
+              <a:t>By Ronald Laz</a:t>
+            </a:r>
+          </a:p>
+        </p:txBody>
+      </p:sp>
+      <p:sp>
+        <p:nvSpPr>
+          <p:cNvPr id="4" name="Title 1">
+            <a:extLst>
+              <a:ext uri="{FF2B5EF4-FFF2-40B4-BE49-F238E27FC236}">
+                <a16:creationId xmlns:a16="http://schemas.microsoft.com/office/drawing/2014/main" id="{110DDF52-F283-4292-9D4B-49FAAD7F1EFF}"/>
+              </a:ext>
+            </a:extLst>
+          </p:cNvPr>
+          <p:cNvSpPr txBox="1">
+            <a:spLocks/>
+          </p:cNvSpPr>
+          <p:nvPr/>
+        </p:nvSpPr>
+        <p:spPr>
+          <a:xfrm>
+            <a:off x="1915384" y="3083203"/>
+            <a:ext cx="8361229" cy="544856"/>
+          </a:xfrm>
+          <a:prstGeom prst="rect">
+            <a:avLst/>
+          </a:prstGeom>
+        </p:spPr>
+        <p:txBody>
+          <a:bodyPr vert="horz" lIns="91440" tIns="45720" rIns="91440" bIns="45720" rtlCol="0" anchor="b">
+            <a:noAutofit/>
+          </a:bodyPr>
+          <a:lstStyle>
+            <a:lvl1pPr algn="ctr" defTabSz="914400" rtl="0" eaLnBrk="1" latinLnBrk="0" hangingPunct="1">
+              <a:lnSpc>
+                <a:spcPct val="89000"/>
+              </a:lnSpc>
+              <a:spcBef>
+                <a:spcPct val="0"/>
+              </a:spcBef>
+              <a:buNone/>
+              <a:defRPr sz="7200" kern="1200" cap="all" baseline="0">
+                <a:solidFill>
+                  <a:schemeClr val="tx2"/>
+                </a:solidFill>
+                <a:latin typeface="+mj-lt"/>
+                <a:ea typeface="+mj-ea"/>
+                <a:cs typeface="+mj-cs"/>
+              </a:defRPr>
+            </a:lvl1pPr>
+          </a:lstStyle>
+          <a:p>
+            <a:r>
+              <a:rPr lang="en-PH" sz="2800" dirty="0"/>
+              <a:t>4 Important tags</a:t>
+            </a:r>
+          </a:p>
+        </p:txBody>
+      </p:sp>
+      <p:sp>
+        <p:nvSpPr>
+          <p:cNvPr id="5" name="Title 1">
+            <a:extLst>
+              <a:ext uri="{FF2B5EF4-FFF2-40B4-BE49-F238E27FC236}">
+                <a16:creationId xmlns:a16="http://schemas.microsoft.com/office/drawing/2014/main" id="{7E2D6452-5B08-4DCC-8B59-CDB8325E0C9A}"/>
+              </a:ext>
+            </a:extLst>
+          </p:cNvPr>
+          <p:cNvSpPr txBox="1">
+            <a:spLocks/>
+          </p:cNvSpPr>
+          <p:nvPr/>
+        </p:nvSpPr>
+        <p:spPr>
+          <a:xfrm>
+            <a:off x="1915384" y="3306078"/>
+            <a:ext cx="8361229" cy="544856"/>
+          </a:xfrm>
+          <a:prstGeom prst="rect">
+            <a:avLst/>
+          </a:prstGeom>
+        </p:spPr>
+        <p:txBody>
+          <a:bodyPr vert="horz" lIns="91440" tIns="45720" rIns="91440" bIns="45720" rtlCol="0" anchor="b">
+            <a:noAutofit/>
+          </a:bodyPr>
+          <a:lstStyle>
+            <a:lvl1pPr algn="ctr" defTabSz="914400" rtl="0" eaLnBrk="1" latinLnBrk="0" hangingPunct="1">
+              <a:lnSpc>
+                <a:spcPct val="89000"/>
+              </a:lnSpc>
+              <a:spcBef>
+                <a:spcPct val="0"/>
+              </a:spcBef>
+              <a:buNone/>
+              <a:defRPr sz="7200" kern="1200" cap="all" baseline="0">
+                <a:solidFill>
+                  <a:schemeClr val="tx2"/>
+                </a:solidFill>
+                <a:latin typeface="+mj-lt"/>
+                <a:ea typeface="+mj-ea"/>
+                <a:cs typeface="+mj-cs"/>
+              </a:defRPr>
+            </a:lvl1pPr>
+          </a:lstStyle>
+          <a:p>
+            <a:r>
+              <a:rPr lang="en-PH" sz="1800" dirty="0">
+                <a:solidFill>
+                  <a:srgbClr val="FF0000"/>
+                </a:solidFill>
+              </a:rPr>
+              <a:t>PART 3</a:t>
+            </a:r>
+          </a:p>
+        </p:txBody>
+      </p:sp>
+    </p:spTree>
+    <p:extLst>
+      <p:ext uri="{BB962C8B-B14F-4D97-AF65-F5344CB8AC3E}">
+        <p14:creationId xmlns:p14="http://schemas.microsoft.com/office/powerpoint/2010/main" val="685793981"/>
+      </p:ext>
+    </p:extLst>
+  </p:cSld>
+  <p:clrMapOvr>
+    <a:masterClrMapping/>
+  </p:clrMapOvr>
+</p:sld>
+</file>
+
+<file path=ppt/slides/slide21.xml><?xml version="1.0" encoding="utf-8"?>
+<p:sld xmlns:a="http://schemas.openxmlformats.org/drawingml/2006/main" xmlns:r="http://schemas.openxmlformats.org/officeDocument/2006/relationships" xmlns:p="http://schemas.openxmlformats.org/presentationml/2006/main">
+  <p:cSld>
+    <p:spTree>
+      <p:nvGrpSpPr>
+        <p:cNvPr id="1" name=""/>
+        <p:cNvGrpSpPr/>
+        <p:nvPr/>
+      </p:nvGrpSpPr>
+      <p:grpSpPr>
+        <a:xfrm>
+          <a:off x="0" y="0"/>
+          <a:ext cx="0" cy="0"/>
+          <a:chOff x="0" y="0"/>
+          <a:chExt cx="0" cy="0"/>
+        </a:xfrm>
+      </p:grpSpPr>
+      <p:sp>
+        <p:nvSpPr>
+          <p:cNvPr id="2" name="Title 1">
+            <a:extLst>
+              <a:ext uri="{FF2B5EF4-FFF2-40B4-BE49-F238E27FC236}">
+                <a16:creationId xmlns:a16="http://schemas.microsoft.com/office/drawing/2014/main" id="{93180ED2-2D8F-4A2E-B03C-6EF7F968197B}"/>
+              </a:ext>
+            </a:extLst>
+          </p:cNvPr>
+          <p:cNvSpPr>
+            <a:spLocks noGrp="1"/>
+          </p:cNvSpPr>
+          <p:nvPr>
+            <p:ph type="title"/>
+          </p:nvPr>
+        </p:nvSpPr>
+        <p:spPr>
+          <a:xfrm>
+            <a:off x="1295400" y="2440172"/>
+            <a:ext cx="10251558" cy="536944"/>
+          </a:xfrm>
+        </p:spPr>
+        <p:txBody>
+          <a:bodyPr>
+            <a:noAutofit/>
+          </a:bodyPr>
+          <a:lstStyle/>
+          <a:p>
+            <a:pPr algn="ctr"/>
+            <a:r>
+              <a:rPr lang="en-PH" sz="2800" dirty="0"/>
+              <a:t>Head tag is a container that contains information that describes/style your html project</a:t>
+            </a:r>
+            <a:br>
+              <a:rPr lang="en-PH" sz="2800" dirty="0"/>
+            </a:br>
+            <a:br>
+              <a:rPr lang="en-PH" sz="2800" dirty="0"/>
+            </a:br>
+            <a:endParaRPr lang="en-PH" sz="2800" dirty="0"/>
+          </a:p>
+        </p:txBody>
+      </p:sp>
+      <p:pic>
+        <p:nvPicPr>
+          <p:cNvPr id="5" name="Content Placeholder 4">
+            <a:extLst>
+              <a:ext uri="{FF2B5EF4-FFF2-40B4-BE49-F238E27FC236}">
+                <a16:creationId xmlns:a16="http://schemas.microsoft.com/office/drawing/2014/main" id="{53468619-28E5-4955-899D-01CDB9D23C7B}"/>
+              </a:ext>
+            </a:extLst>
+          </p:cNvPr>
+          <p:cNvPicPr>
+            <a:picLocks noGrp="1" noChangeAspect="1"/>
+          </p:cNvPicPr>
+          <p:nvPr>
+            <p:ph idx="1"/>
+          </p:nvPr>
+        </p:nvPicPr>
+        <p:blipFill>
+          <a:blip r:embed="rId2"/>
+          <a:stretch>
+            <a:fillRect/>
+          </a:stretch>
+        </p:blipFill>
+        <p:spPr>
+          <a:xfrm>
+            <a:off x="3603131" y="476548"/>
+            <a:ext cx="4985738" cy="1695152"/>
+          </a:xfrm>
+        </p:spPr>
+      </p:pic>
+      <p:pic>
+        <p:nvPicPr>
+          <p:cNvPr id="8" name="Picture 7">
+            <a:extLst>
+              <a:ext uri="{FF2B5EF4-FFF2-40B4-BE49-F238E27FC236}">
+                <a16:creationId xmlns:a16="http://schemas.microsoft.com/office/drawing/2014/main" id="{2AAF02B9-4A88-4A15-97EC-44717CB50C17}"/>
+              </a:ext>
+            </a:extLst>
+          </p:cNvPr>
+          <p:cNvPicPr>
+            <a:picLocks noChangeAspect="1"/>
+          </p:cNvPicPr>
+          <p:nvPr/>
+        </p:nvPicPr>
+        <p:blipFill>
+          <a:blip r:embed="rId3"/>
+          <a:stretch>
+            <a:fillRect/>
+          </a:stretch>
+        </p:blipFill>
+        <p:spPr>
+          <a:xfrm>
+            <a:off x="1295400" y="3564102"/>
+            <a:ext cx="3969561" cy="536945"/>
+          </a:xfrm>
+          <a:prstGeom prst="rect">
+            <a:avLst/>
+          </a:prstGeom>
+        </p:spPr>
+      </p:pic>
+      <p:pic>
+        <p:nvPicPr>
+          <p:cNvPr id="10" name="Picture 9">
+            <a:extLst>
+              <a:ext uri="{FF2B5EF4-FFF2-40B4-BE49-F238E27FC236}">
+                <a16:creationId xmlns:a16="http://schemas.microsoft.com/office/drawing/2014/main" id="{C68A3FD4-A501-4D8F-9620-E67AD7FE3587}"/>
+              </a:ext>
+            </a:extLst>
+          </p:cNvPr>
+          <p:cNvPicPr>
+            <a:picLocks noChangeAspect="1"/>
+          </p:cNvPicPr>
+          <p:nvPr/>
+        </p:nvPicPr>
+        <p:blipFill>
+          <a:blip r:embed="rId4"/>
+          <a:stretch>
+            <a:fillRect/>
+          </a:stretch>
+        </p:blipFill>
+        <p:spPr>
+          <a:xfrm>
+            <a:off x="1295400" y="4347772"/>
+            <a:ext cx="5529198" cy="680517"/>
+          </a:xfrm>
+          <a:prstGeom prst="rect">
+            <a:avLst/>
+          </a:prstGeom>
+        </p:spPr>
+      </p:pic>
+      <p:pic>
+        <p:nvPicPr>
+          <p:cNvPr id="12" name="Picture 11">
+            <a:extLst>
+              <a:ext uri="{FF2B5EF4-FFF2-40B4-BE49-F238E27FC236}">
+                <a16:creationId xmlns:a16="http://schemas.microsoft.com/office/drawing/2014/main" id="{BAC1AD70-6C4A-4C3A-B3EB-717A52CF3E2A}"/>
+              </a:ext>
+            </a:extLst>
+          </p:cNvPr>
+          <p:cNvPicPr>
+            <a:picLocks noChangeAspect="1"/>
+          </p:cNvPicPr>
+          <p:nvPr/>
+        </p:nvPicPr>
+        <p:blipFill>
+          <a:blip r:embed="rId5"/>
+          <a:stretch>
+            <a:fillRect/>
+          </a:stretch>
+        </p:blipFill>
+        <p:spPr>
+          <a:xfrm>
+            <a:off x="1295400" y="5357373"/>
+            <a:ext cx="3735744" cy="1014995"/>
+          </a:xfrm>
+          <a:prstGeom prst="rect">
+            <a:avLst/>
+          </a:prstGeom>
+        </p:spPr>
+      </p:pic>
+      <p:pic>
+        <p:nvPicPr>
+          <p:cNvPr id="14" name="Picture 13">
+            <a:extLst>
+              <a:ext uri="{FF2B5EF4-FFF2-40B4-BE49-F238E27FC236}">
+                <a16:creationId xmlns:a16="http://schemas.microsoft.com/office/drawing/2014/main" id="{78EE6F2B-FDB7-4BBB-A638-DFA0E127A613}"/>
+              </a:ext>
+            </a:extLst>
+          </p:cNvPr>
+          <p:cNvPicPr>
+            <a:picLocks noChangeAspect="1"/>
+          </p:cNvPicPr>
+          <p:nvPr/>
+        </p:nvPicPr>
+        <p:blipFill>
+          <a:blip r:embed="rId6"/>
+          <a:stretch>
+            <a:fillRect/>
+          </a:stretch>
+        </p:blipFill>
+        <p:spPr>
+          <a:xfrm>
+            <a:off x="7371907" y="4045156"/>
+            <a:ext cx="2792819" cy="1285751"/>
+          </a:xfrm>
+          <a:prstGeom prst="rect">
+            <a:avLst/>
+          </a:prstGeom>
+        </p:spPr>
+      </p:pic>
+    </p:spTree>
+    <p:extLst>
+      <p:ext uri="{BB962C8B-B14F-4D97-AF65-F5344CB8AC3E}">
+        <p14:creationId xmlns:p14="http://schemas.microsoft.com/office/powerpoint/2010/main" val="944842147"/>
+      </p:ext>
+    </p:extLst>
+  </p:cSld>
+  <p:clrMapOvr>
+    <a:masterClrMapping/>
+  </p:clrMapOvr>
+  <p:timing>
+    <p:tnLst>
+      <p:par>
+        <p:cTn id="1" dur="indefinite" restart="never" nodeType="tmRoot">
+          <p:childTnLst>
+            <p:seq concurrent="1" nextAc="seek">
+              <p:cTn id="2" dur="indefinite" nodeType="mainSeq">
+                <p:childTnLst>
+                  <p:par>
+                    <p:cTn id="3" fill="hold">
+                      <p:stCondLst>
+                        <p:cond delay="indefinite"/>
+                      </p:stCondLst>
+                      <p:childTnLst>
+                        <p:par>
+                          <p:cTn id="4" fill="hold">
+                            <p:stCondLst>
+                              <p:cond delay="0"/>
+                            </p:stCondLst>
+                            <p:childTnLst>
+                              <p:par>
+                                <p:cTn id="5" presetID="1" presetClass="entr" presetSubtype="0" fill="hold" grpId="0" nodeType="clickEffect">
+                                  <p:stCondLst>
+                                    <p:cond delay="0"/>
+                                  </p:stCondLst>
+                                  <p:childTnLst>
+                                    <p:set>
+                                      <p:cBhvr>
+                                        <p:cTn id="6" dur="1" fill="hold">
+                                          <p:stCondLst>
+                                            <p:cond delay="0"/>
+                                          </p:stCondLst>
+                                        </p:cTn>
+                                        <p:tgtEl>
+                                          <p:spTgt spid="2"/>
+                                        </p:tgtEl>
+                                        <p:attrNameLst>
+                                          <p:attrName>style.visibility</p:attrName>
+                                        </p:attrNameLst>
+                                      </p:cBhvr>
+                                      <p:to>
+                                        <p:strVal val="visible"/>
+                                      </p:to>
+                                    </p:set>
+                                  </p:childTnLst>
+                                </p:cTn>
+                              </p:par>
+                            </p:childTnLst>
+                          </p:cTn>
+                        </p:par>
+                      </p:childTnLst>
+                    </p:cTn>
+                  </p:par>
+                  <p:par>
+                    <p:cTn id="7" fill="hold">
+                      <p:stCondLst>
+                        <p:cond delay="indefinite"/>
+                      </p:stCondLst>
+                      <p:childTnLst>
+                        <p:par>
+                          <p:cTn id="8" fill="hold">
+                            <p:stCondLst>
+                              <p:cond delay="0"/>
+                            </p:stCondLst>
+                            <p:childTnLst>
+                              <p:par>
+                                <p:cTn id="9" presetID="10" presetClass="entr" presetSubtype="0" fill="hold" nodeType="clickEffect">
+                                  <p:stCondLst>
+                                    <p:cond delay="0"/>
+                                  </p:stCondLst>
+                                  <p:childTnLst>
+                                    <p:set>
+                                      <p:cBhvr>
+                                        <p:cTn id="10" dur="1" fill="hold">
+                                          <p:stCondLst>
+                                            <p:cond delay="0"/>
+                                          </p:stCondLst>
+                                        </p:cTn>
+                                        <p:tgtEl>
+                                          <p:spTgt spid="8"/>
+                                        </p:tgtEl>
+                                        <p:attrNameLst>
+                                          <p:attrName>style.visibility</p:attrName>
+                                        </p:attrNameLst>
+                                      </p:cBhvr>
+                                      <p:to>
+                                        <p:strVal val="visible"/>
+                                      </p:to>
+                                    </p:set>
+                                    <p:animEffect transition="in" filter="fade">
+                                      <p:cBhvr>
+                                        <p:cTn id="11" dur="500"/>
+                                        <p:tgtEl>
+                                          <p:spTgt spid="8"/>
+                                        </p:tgtEl>
+                                      </p:cBhvr>
+                                    </p:animEffect>
+                                  </p:childTnLst>
+                                </p:cTn>
+                              </p:par>
+                            </p:childTnLst>
+                          </p:cTn>
+                        </p:par>
+                      </p:childTnLst>
+                    </p:cTn>
+                  </p:par>
+                  <p:par>
+                    <p:cTn id="12" fill="hold">
+                      <p:stCondLst>
+                        <p:cond delay="indefinite"/>
+                      </p:stCondLst>
+                      <p:childTnLst>
+                        <p:par>
+                          <p:cTn id="13" fill="hold">
+                            <p:stCondLst>
+                              <p:cond delay="0"/>
+                            </p:stCondLst>
+                            <p:childTnLst>
+                              <p:par>
+                                <p:cTn id="14" presetID="1" presetClass="entr" presetSubtype="0" fill="hold" nodeType="clickEffect">
+                                  <p:stCondLst>
+                                    <p:cond delay="0"/>
+                                  </p:stCondLst>
+                                  <p:childTnLst>
+                                    <p:set>
+                                      <p:cBhvr>
+                                        <p:cTn id="15" dur="1" fill="hold">
+                                          <p:stCondLst>
+                                            <p:cond delay="0"/>
+                                          </p:stCondLst>
+                                        </p:cTn>
+                                        <p:tgtEl>
+                                          <p:spTgt spid="10"/>
+                                        </p:tgtEl>
+                                        <p:attrNameLst>
+                                          <p:attrName>style.visibility</p:attrName>
+                                        </p:attrNameLst>
+                                      </p:cBhvr>
+                                      <p:to>
+                                        <p:strVal val="visible"/>
+                                      </p:to>
+                                    </p:set>
+                                  </p:childTnLst>
+                                </p:cTn>
+                              </p:par>
+                            </p:childTnLst>
+                          </p:cTn>
+                        </p:par>
+                      </p:childTnLst>
+                    </p:cTn>
+                  </p:par>
+                  <p:par>
+                    <p:cTn id="16" fill="hold">
+                      <p:stCondLst>
+                        <p:cond delay="indefinite"/>
+                      </p:stCondLst>
+                      <p:childTnLst>
+                        <p:par>
+                          <p:cTn id="17" fill="hold">
+                            <p:stCondLst>
+                              <p:cond delay="0"/>
+                            </p:stCondLst>
+                            <p:childTnLst>
+                              <p:par>
+                                <p:cTn id="18" presetID="1" presetClass="entr" presetSubtype="0" fill="hold" nodeType="clickEffect">
+                                  <p:stCondLst>
+                                    <p:cond delay="0"/>
+                                  </p:stCondLst>
+                                  <p:childTnLst>
+                                    <p:set>
+                                      <p:cBhvr>
+                                        <p:cTn id="19" dur="1" fill="hold">
+                                          <p:stCondLst>
+                                            <p:cond delay="0"/>
+                                          </p:stCondLst>
+                                        </p:cTn>
+                                        <p:tgtEl>
+                                          <p:spTgt spid="14"/>
+                                        </p:tgtEl>
+                                        <p:attrNameLst>
+                                          <p:attrName>style.visibility</p:attrName>
+                                        </p:attrNameLst>
+                                      </p:cBhvr>
+                                      <p:to>
+                                        <p:strVal val="visible"/>
+                                      </p:to>
+                                    </p:set>
+                                  </p:childTnLst>
+                                </p:cTn>
+                              </p:par>
+                            </p:childTnLst>
+                          </p:cTn>
+                        </p:par>
+                      </p:childTnLst>
+                    </p:cTn>
+                  </p:par>
+                  <p:par>
+                    <p:cTn id="20" fill="hold">
+                      <p:stCondLst>
+                        <p:cond delay="indefinite"/>
+                      </p:stCondLst>
+                      <p:childTnLst>
+                        <p:par>
+                          <p:cTn id="21" fill="hold">
+                            <p:stCondLst>
+                              <p:cond delay="0"/>
+                            </p:stCondLst>
+                            <p:childTnLst>
+                              <p:par>
+                                <p:cTn id="22" presetID="1" presetClass="entr" presetSubtype="0" fill="hold" nodeType="clickEffect">
+                                  <p:stCondLst>
+                                    <p:cond delay="0"/>
+                                  </p:stCondLst>
+                                  <p:childTnLst>
+                                    <p:set>
+                                      <p:cBhvr>
+                                        <p:cTn id="23" dur="1" fill="hold">
+                                          <p:stCondLst>
+                                            <p:cond delay="0"/>
+                                          </p:stCondLst>
+                                        </p:cTn>
+                                        <p:tgtEl>
+                                          <p:spTgt spid="12"/>
+                                        </p:tgtEl>
+                                        <p:attrNameLst>
+                                          <p:attrName>style.visibility</p:attrName>
+                                        </p:attrNameLst>
+                                      </p:cBhvr>
+                                      <p:to>
+                                        <p:strVal val="visible"/>
+                                      </p:to>
+                                    </p:set>
+                                  </p:childTnLst>
+                                </p:cTn>
+                              </p:par>
+                            </p:childTnLst>
+                          </p:cTn>
+                        </p:par>
+                      </p:childTnLst>
+                    </p:cTn>
+                  </p:par>
+                </p:childTnLst>
+              </p:cTn>
+              <p:prevCondLst>
+                <p:cond evt="onPrev" delay="0">
+                  <p:tgtEl>
+                    <p:sldTgt/>
+                  </p:tgtEl>
+                </p:cond>
+              </p:prevCondLst>
+              <p:nextCondLst>
+                <p:cond evt="onNext" delay="0">
+                  <p:tgtEl>
+                    <p:sldTgt/>
+                  </p:tgtEl>
+                </p:cond>
+              </p:nextCondLst>
+            </p:seq>
+          </p:childTnLst>
+        </p:cTn>
+      </p:par>
+    </p:tnLst>
+    <p:bldLst>
+      <p:bldP spid="2" grpId="0"/>
+    </p:bldLst>
+  </p:timing>
+</p:sld>
+</file>
+
+<file path=ppt/slides/slide22.xml><?xml version="1.0" encoding="utf-8"?>
+<p:sld xmlns:a="http://schemas.openxmlformats.org/drawingml/2006/main" xmlns:r="http://schemas.openxmlformats.org/officeDocument/2006/relationships" xmlns:p="http://schemas.openxmlformats.org/presentationml/2006/main">
+  <p:cSld>
+    <p:spTree>
+      <p:nvGrpSpPr>
+        <p:cNvPr id="1" name=""/>
+        <p:cNvGrpSpPr/>
+        <p:nvPr/>
+      </p:nvGrpSpPr>
+      <p:grpSpPr>
+        <a:xfrm>
+          <a:off x="0" y="0"/>
+          <a:ext cx="0" cy="0"/>
+          <a:chOff x="0" y="0"/>
+          <a:chExt cx="0" cy="0"/>
+        </a:xfrm>
+      </p:grpSpPr>
+      <p:sp>
+        <p:nvSpPr>
+          <p:cNvPr id="2" name="Title 1">
+            <a:extLst>
+              <a:ext uri="{FF2B5EF4-FFF2-40B4-BE49-F238E27FC236}">
+                <a16:creationId xmlns:a16="http://schemas.microsoft.com/office/drawing/2014/main" id="{AD6EF150-7103-4BC1-B990-896315C42F74}"/>
+              </a:ext>
+            </a:extLst>
+          </p:cNvPr>
+          <p:cNvSpPr>
+            <a:spLocks noGrp="1"/>
+          </p:cNvSpPr>
+          <p:nvPr>
+            <p:ph type="title"/>
+          </p:nvPr>
+        </p:nvSpPr>
+        <p:spPr/>
+        <p:txBody>
+          <a:bodyPr/>
+          <a:lstStyle/>
+          <a:p>
+            <a:endParaRPr lang="en-PH" dirty="0"/>
+          </a:p>
+        </p:txBody>
+      </p:sp>
+      <p:sp>
+        <p:nvSpPr>
+          <p:cNvPr id="3" name="Content Placeholder 2">
+            <a:extLst>
+              <a:ext uri="{FF2B5EF4-FFF2-40B4-BE49-F238E27FC236}">
+                <a16:creationId xmlns:a16="http://schemas.microsoft.com/office/drawing/2014/main" id="{E53D8C08-15E9-43A2-8ACC-604BE60DD5E6}"/>
+              </a:ext>
+            </a:extLst>
+          </p:cNvPr>
+          <p:cNvSpPr>
+            <a:spLocks noGrp="1"/>
+          </p:cNvSpPr>
+          <p:nvPr>
+            <p:ph idx="1"/>
+          </p:nvPr>
+        </p:nvSpPr>
+        <p:spPr/>
+        <p:txBody>
+          <a:bodyPr/>
+          <a:lstStyle/>
+          <a:p>
+            <a:endParaRPr lang="en-PH"/>
+          </a:p>
+        </p:txBody>
+      </p:sp>
+      <p:pic>
+        <p:nvPicPr>
+          <p:cNvPr id="5" name="Picture 4">
+            <a:extLst>
+              <a:ext uri="{FF2B5EF4-FFF2-40B4-BE49-F238E27FC236}">
+                <a16:creationId xmlns:a16="http://schemas.microsoft.com/office/drawing/2014/main" id="{5B575711-4F1C-48BB-87E0-DFF8264EE3D7}"/>
+              </a:ext>
+            </a:extLst>
+          </p:cNvPr>
+          <p:cNvPicPr>
+            <a:picLocks noChangeAspect="1"/>
+          </p:cNvPicPr>
+          <p:nvPr/>
+        </p:nvPicPr>
+        <p:blipFill>
+          <a:blip r:embed="rId2"/>
+          <a:stretch>
+            <a:fillRect/>
+          </a:stretch>
+        </p:blipFill>
+        <p:spPr>
+          <a:xfrm>
+            <a:off x="1350854" y="255181"/>
+            <a:ext cx="9642692" cy="5217828"/>
+          </a:xfrm>
+          <a:prstGeom prst="rect">
+            <a:avLst/>
+          </a:prstGeom>
+        </p:spPr>
+      </p:pic>
+      <p:sp>
+        <p:nvSpPr>
+          <p:cNvPr id="6" name="Rectangle 5">
+            <a:extLst>
+              <a:ext uri="{FF2B5EF4-FFF2-40B4-BE49-F238E27FC236}">
+                <a16:creationId xmlns:a16="http://schemas.microsoft.com/office/drawing/2014/main" id="{46A8A974-1DA4-4CE7-B998-6E0D9D28FBF3}"/>
+              </a:ext>
+            </a:extLst>
+          </p:cNvPr>
+          <p:cNvSpPr/>
+          <p:nvPr/>
+        </p:nvSpPr>
+        <p:spPr>
+          <a:xfrm>
+            <a:off x="1467293" y="1428750"/>
+            <a:ext cx="5943600" cy="3409064"/>
+          </a:xfrm>
+          <a:prstGeom prst="rect">
+            <a:avLst/>
+          </a:prstGeom>
+          <a:noFill/>
+          <a:ln>
+            <a:solidFill>
+              <a:schemeClr val="accent6">
+                <a:lumMod val="75000"/>
+              </a:schemeClr>
+            </a:solidFill>
+          </a:ln>
+        </p:spPr>
+        <p:style>
+          <a:lnRef idx="2">
+            <a:schemeClr val="accent1">
+              <a:shade val="50000"/>
+            </a:schemeClr>
+          </a:lnRef>
+          <a:fillRef idx="1">
+            <a:schemeClr val="accent1"/>
+          </a:fillRef>
+          <a:effectRef idx="0">
+            <a:schemeClr val="accent1"/>
+          </a:effectRef>
+          <a:fontRef idx="minor">
+            <a:schemeClr val="lt1"/>
+          </a:fontRef>
+        </p:style>
+        <p:txBody>
+          <a:bodyPr rtlCol="0" anchor="ctr"/>
+          <a:lstStyle/>
+          <a:p>
+            <a:pPr algn="ctr"/>
+            <a:endParaRPr lang="en-PH">
+              <a:noFill/>
+            </a:endParaRPr>
+          </a:p>
+        </p:txBody>
+      </p:sp>
+      <p:sp>
+        <p:nvSpPr>
+          <p:cNvPr id="7" name="Arrow: Right 6">
+            <a:extLst>
+              <a:ext uri="{FF2B5EF4-FFF2-40B4-BE49-F238E27FC236}">
+                <a16:creationId xmlns:a16="http://schemas.microsoft.com/office/drawing/2014/main" id="{67C5EED7-EEF4-4F22-A700-6673277A8F05}"/>
+              </a:ext>
+            </a:extLst>
+          </p:cNvPr>
+          <p:cNvSpPr/>
+          <p:nvPr/>
+        </p:nvSpPr>
+        <p:spPr>
+          <a:xfrm rot="5400000">
+            <a:off x="3402418" y="5112191"/>
+            <a:ext cx="1010093" cy="500326"/>
+          </a:xfrm>
+          <a:prstGeom prst="rightArrow">
+            <a:avLst/>
+          </a:prstGeom>
+        </p:spPr>
+        <p:style>
+          <a:lnRef idx="2">
+            <a:schemeClr val="accent1">
+              <a:shade val="50000"/>
+            </a:schemeClr>
+          </a:lnRef>
+          <a:fillRef idx="1">
+            <a:schemeClr val="accent1"/>
+          </a:fillRef>
+          <a:effectRef idx="0">
+            <a:schemeClr val="accent1"/>
+          </a:effectRef>
+          <a:fontRef idx="minor">
+            <a:schemeClr val="lt1"/>
+          </a:fontRef>
+        </p:style>
+        <p:txBody>
+          <a:bodyPr rtlCol="0" anchor="ctr"/>
+          <a:lstStyle/>
+          <a:p>
+            <a:pPr algn="ctr"/>
+            <a:endParaRPr lang="en-PH"/>
+          </a:p>
+        </p:txBody>
+      </p:sp>
+      <p:sp>
+        <p:nvSpPr>
+          <p:cNvPr id="8" name="Title 1">
+            <a:extLst>
+              <a:ext uri="{FF2B5EF4-FFF2-40B4-BE49-F238E27FC236}">
+                <a16:creationId xmlns:a16="http://schemas.microsoft.com/office/drawing/2014/main" id="{4AA1AD9D-0DFC-4B39-9326-799B5A41B0A2}"/>
+              </a:ext>
+            </a:extLst>
+          </p:cNvPr>
+          <p:cNvSpPr txBox="1">
+            <a:spLocks/>
+          </p:cNvSpPr>
+          <p:nvPr/>
+        </p:nvSpPr>
+        <p:spPr>
+          <a:xfrm>
+            <a:off x="3183564" y="5904614"/>
+            <a:ext cx="1447800" cy="536944"/>
+          </a:xfrm>
+          <a:prstGeom prst="rect">
+            <a:avLst/>
+          </a:prstGeom>
+        </p:spPr>
+        <p:txBody>
+          <a:bodyPr vert="horz" lIns="91440" tIns="45720" rIns="91440" bIns="45720" rtlCol="0" anchor="t">
+            <a:noAutofit/>
+          </a:bodyPr>
+          <a:lstStyle>
+            <a:lvl1pPr algn="l" defTabSz="914400" rtl="0" eaLnBrk="1" latinLnBrk="0" hangingPunct="1">
+              <a:lnSpc>
+                <a:spcPct val="89000"/>
+              </a:lnSpc>
+              <a:spcBef>
+                <a:spcPct val="0"/>
+              </a:spcBef>
+              <a:buNone/>
+              <a:defRPr sz="4400" kern="1200" baseline="0">
+                <a:solidFill>
+                  <a:schemeClr val="tx2"/>
+                </a:solidFill>
+                <a:latin typeface="+mj-lt"/>
+                <a:ea typeface="+mj-ea"/>
+                <a:cs typeface="+mj-cs"/>
+              </a:defRPr>
+            </a:lvl1pPr>
+          </a:lstStyle>
+          <a:p>
+            <a:pPr algn="ctr"/>
+            <a:r>
+              <a:rPr lang="en-PH" sz="2800" dirty="0"/>
+              <a:t>BODY</a:t>
+            </a:r>
+          </a:p>
+        </p:txBody>
+      </p:sp>
+      <p:sp>
+        <p:nvSpPr>
+          <p:cNvPr id="9" name="Title 1">
+            <a:extLst>
+              <a:ext uri="{FF2B5EF4-FFF2-40B4-BE49-F238E27FC236}">
+                <a16:creationId xmlns:a16="http://schemas.microsoft.com/office/drawing/2014/main" id="{E51BBC99-7641-4B3B-8728-231912296E82}"/>
+              </a:ext>
+            </a:extLst>
+          </p:cNvPr>
+          <p:cNvSpPr txBox="1">
+            <a:spLocks/>
+          </p:cNvSpPr>
+          <p:nvPr/>
+        </p:nvSpPr>
+        <p:spPr>
+          <a:xfrm>
+            <a:off x="8843629" y="5850466"/>
+            <a:ext cx="1447800" cy="536944"/>
+          </a:xfrm>
+          <a:prstGeom prst="rect">
+            <a:avLst/>
+          </a:prstGeom>
+        </p:spPr>
+        <p:txBody>
+          <a:bodyPr vert="horz" lIns="91440" tIns="45720" rIns="91440" bIns="45720" rtlCol="0" anchor="t">
+            <a:noAutofit/>
+          </a:bodyPr>
+          <a:lstStyle>
+            <a:lvl1pPr algn="l" defTabSz="914400" rtl="0" eaLnBrk="1" latinLnBrk="0" hangingPunct="1">
+              <a:lnSpc>
+                <a:spcPct val="89000"/>
+              </a:lnSpc>
+              <a:spcBef>
+                <a:spcPct val="0"/>
+              </a:spcBef>
+              <a:buNone/>
+              <a:defRPr sz="4400" kern="1200" baseline="0">
+                <a:solidFill>
+                  <a:schemeClr val="tx2"/>
+                </a:solidFill>
+                <a:latin typeface="+mj-lt"/>
+                <a:ea typeface="+mj-ea"/>
+                <a:cs typeface="+mj-cs"/>
+              </a:defRPr>
+            </a:lvl1pPr>
+          </a:lstStyle>
+          <a:p>
+            <a:pPr algn="ctr"/>
+            <a:r>
+              <a:rPr lang="en-PH" sz="2800" dirty="0"/>
+              <a:t>HEAD</a:t>
+            </a:r>
+          </a:p>
+        </p:txBody>
+      </p:sp>
+      <p:sp>
+        <p:nvSpPr>
+          <p:cNvPr id="10" name="Arrow: Right 9">
+            <a:extLst>
+              <a:ext uri="{FF2B5EF4-FFF2-40B4-BE49-F238E27FC236}">
+                <a16:creationId xmlns:a16="http://schemas.microsoft.com/office/drawing/2014/main" id="{6811AEC3-27CF-4FA5-B275-A919300E1AAD}"/>
+              </a:ext>
+            </a:extLst>
+          </p:cNvPr>
+          <p:cNvSpPr/>
+          <p:nvPr/>
+        </p:nvSpPr>
+        <p:spPr>
+          <a:xfrm rot="5400000">
+            <a:off x="8957929" y="4990703"/>
+            <a:ext cx="1219200" cy="500326"/>
+          </a:xfrm>
+          <a:prstGeom prst="rightArrow">
+            <a:avLst/>
+          </a:prstGeom>
+        </p:spPr>
+        <p:style>
+          <a:lnRef idx="2">
+            <a:schemeClr val="accent1">
+              <a:shade val="50000"/>
+            </a:schemeClr>
+          </a:lnRef>
+          <a:fillRef idx="1">
+            <a:schemeClr val="accent1"/>
+          </a:fillRef>
+          <a:effectRef idx="0">
+            <a:schemeClr val="accent1"/>
+          </a:effectRef>
+          <a:fontRef idx="minor">
+            <a:schemeClr val="lt1"/>
+          </a:fontRef>
+        </p:style>
+        <p:txBody>
+          <a:bodyPr rtlCol="0" anchor="ctr"/>
+          <a:lstStyle/>
+          <a:p>
+            <a:pPr algn="ctr"/>
+            <a:endParaRPr lang="en-PH"/>
+          </a:p>
+        </p:txBody>
+      </p:sp>
+      <p:sp>
+        <p:nvSpPr>
+          <p:cNvPr id="12" name="Rectangle 11">
+            <a:extLst>
+              <a:ext uri="{FF2B5EF4-FFF2-40B4-BE49-F238E27FC236}">
+                <a16:creationId xmlns:a16="http://schemas.microsoft.com/office/drawing/2014/main" id="{0A121C28-1D42-48BF-9450-AE7424E2B7F1}"/>
+              </a:ext>
+            </a:extLst>
+          </p:cNvPr>
+          <p:cNvSpPr/>
+          <p:nvPr/>
+        </p:nvSpPr>
+        <p:spPr>
+          <a:xfrm>
+            <a:off x="7410892" y="793556"/>
+            <a:ext cx="3561907" cy="3837710"/>
+          </a:xfrm>
+          <a:prstGeom prst="rect">
+            <a:avLst/>
+          </a:prstGeom>
+          <a:noFill/>
+          <a:ln>
+            <a:solidFill>
+              <a:srgbClr val="FFFF00"/>
+            </a:solidFill>
+          </a:ln>
+        </p:spPr>
+        <p:style>
+          <a:lnRef idx="2">
+            <a:schemeClr val="accent1">
+              <a:shade val="50000"/>
+            </a:schemeClr>
+          </a:lnRef>
+          <a:fillRef idx="1">
+            <a:schemeClr val="accent1"/>
+          </a:fillRef>
+          <a:effectRef idx="0">
+            <a:schemeClr val="accent1"/>
+          </a:effectRef>
+          <a:fontRef idx="minor">
+            <a:schemeClr val="lt1"/>
+          </a:fontRef>
+        </p:style>
+        <p:txBody>
+          <a:bodyPr rtlCol="0" anchor="ctr"/>
+          <a:lstStyle/>
+          <a:p>
+            <a:pPr algn="ctr"/>
+            <a:endParaRPr lang="en-PH">
+              <a:noFill/>
+            </a:endParaRPr>
+          </a:p>
+        </p:txBody>
+      </p:sp>
+    </p:spTree>
+    <p:extLst>
+      <p:ext uri="{BB962C8B-B14F-4D97-AF65-F5344CB8AC3E}">
+        <p14:creationId xmlns:p14="http://schemas.microsoft.com/office/powerpoint/2010/main" val="3096172980"/>
+      </p:ext>
+    </p:extLst>
+  </p:cSld>
+  <p:clrMapOvr>
+    <a:masterClrMapping/>
+  </p:clrMapOvr>
+</p:sld>
+</file>
+
+<file path=ppt/slides/slide23.xml><?xml version="1.0" encoding="utf-8"?>
+<p:sld xmlns:a="http://schemas.openxmlformats.org/drawingml/2006/main" xmlns:r="http://schemas.openxmlformats.org/officeDocument/2006/relationships" xmlns:p="http://schemas.openxmlformats.org/presentationml/2006/main">
+  <p:cSld>
+    <p:spTree>
+      <p:nvGrpSpPr>
+        <p:cNvPr id="1" name=""/>
+        <p:cNvGrpSpPr/>
+        <p:nvPr/>
+      </p:nvGrpSpPr>
+      <p:grpSpPr>
+        <a:xfrm>
+          <a:off x="0" y="0"/>
+          <a:ext cx="0" cy="0"/>
+          <a:chOff x="0" y="0"/>
+          <a:chExt cx="0" cy="0"/>
+        </a:xfrm>
+      </p:grpSpPr>
+      <p:pic>
+        <p:nvPicPr>
+          <p:cNvPr id="5" name="Picture 4">
+            <a:extLst>
+              <a:ext uri="{FF2B5EF4-FFF2-40B4-BE49-F238E27FC236}">
+                <a16:creationId xmlns:a16="http://schemas.microsoft.com/office/drawing/2014/main" id="{05A2D1F8-3DCB-413A-A43B-209815BB634B}"/>
+              </a:ext>
+            </a:extLst>
+          </p:cNvPr>
+          <p:cNvPicPr>
+            <a:picLocks noChangeAspect="1"/>
+          </p:cNvPicPr>
+          <p:nvPr/>
+        </p:nvPicPr>
+        <p:blipFill>
+          <a:blip r:embed="rId2"/>
+          <a:stretch>
+            <a:fillRect/>
+          </a:stretch>
+        </p:blipFill>
+        <p:spPr>
+          <a:xfrm>
+            <a:off x="3430291" y="2639962"/>
+            <a:ext cx="5483818" cy="1578076"/>
+          </a:xfrm>
+          <a:prstGeom prst="rect">
+            <a:avLst/>
+          </a:prstGeom>
+        </p:spPr>
+      </p:pic>
+    </p:spTree>
+    <p:extLst>
+      <p:ext uri="{BB962C8B-B14F-4D97-AF65-F5344CB8AC3E}">
+        <p14:creationId xmlns:p14="http://schemas.microsoft.com/office/powerpoint/2010/main" val="2775549102"/>
+      </p:ext>
+    </p:extLst>
+  </p:cSld>
+  <p:clrMapOvr>
+    <a:masterClrMapping/>
+  </p:clrMapOvr>
+</p:sld>
+</file>
+
 <file path=ppt/slides/slide3.xml><?xml version="1.0" encoding="utf-8"?>
 <p:sld xmlns:a="http://schemas.openxmlformats.org/drawingml/2006/main" xmlns:r="http://schemas.openxmlformats.org/officeDocument/2006/relationships" xmlns:p="http://schemas.openxmlformats.org/presentationml/2006/main">
   <p:cSld>

--- a/HTML BASICS.pptx
+++ b/HTML BASICS.pptx
@@ -28,6 +28,14 @@
     <p:sldId id="276" r:id="rId22"/>
     <p:sldId id="277" r:id="rId23"/>
     <p:sldId id="278" r:id="rId24"/>
+    <p:sldId id="279" r:id="rId25"/>
+    <p:sldId id="280" r:id="rId26"/>
+    <p:sldId id="281" r:id="rId27"/>
+    <p:sldId id="282" r:id="rId28"/>
+    <p:sldId id="283" r:id="rId29"/>
+    <p:sldId id="284" r:id="rId30"/>
+    <p:sldId id="285" r:id="rId31"/>
+    <p:sldId id="286" r:id="rId32"/>
   </p:sldIdLst>
   <p:sldSz cx="12192000" cy="6858000"/>
   <p:notesSz cx="6858000" cy="9144000"/>
@@ -304,7 +312,7 @@
             <a:fld id="{87DE6118-2437-4B30-8E3C-4D2BE6020583}" type="datetimeFigureOut">
               <a:rPr lang="en-US" dirty="0"/>
               <a:pPr/>
-              <a:t>9/2/2021</a:t>
+              <a:t>9/5/2021</a:t>
             </a:fld>
             <a:endParaRPr lang="en-US" dirty="0"/>
           </a:p>
@@ -630,7 +638,7 @@
           <a:p>
             <a:fld id="{87DE6118-2437-4B30-8E3C-4D2BE6020583}" type="datetimeFigureOut">
               <a:rPr lang="en-US" dirty="0"/>
-              <a:t>9/2/2021</a:t>
+              <a:t>9/5/2021</a:t>
             </a:fld>
             <a:endParaRPr lang="en-US" dirty="0"/>
           </a:p>
@@ -805,7 +813,7 @@
           <a:p>
             <a:fld id="{87DE6118-2437-4B30-8E3C-4D2BE6020583}" type="datetimeFigureOut">
               <a:rPr lang="en-US" dirty="0"/>
-              <a:t>9/2/2021</a:t>
+              <a:t>9/5/2021</a:t>
             </a:fld>
             <a:endParaRPr lang="en-US" dirty="0"/>
           </a:p>
@@ -970,7 +978,7 @@
           <a:p>
             <a:fld id="{87DE6118-2437-4B30-8E3C-4D2BE6020583}" type="datetimeFigureOut">
               <a:rPr lang="en-US" dirty="0"/>
-              <a:t>9/2/2021</a:t>
+              <a:t>9/5/2021</a:t>
             </a:fld>
             <a:endParaRPr lang="en-US" dirty="0"/>
           </a:p>
@@ -1243,7 +1251,7 @@
             <a:fld id="{87DE6118-2437-4B30-8E3C-4D2BE6020583}" type="datetimeFigureOut">
               <a:rPr lang="en-US" dirty="0"/>
               <a:pPr/>
-              <a:t>9/2/2021</a:t>
+              <a:t>9/5/2021</a:t>
             </a:fld>
             <a:endParaRPr lang="en-US" dirty="0"/>
           </a:p>
@@ -1633,7 +1641,7 @@
           <a:p>
             <a:fld id="{87DE6118-2437-4B30-8E3C-4D2BE6020583}" type="datetimeFigureOut">
               <a:rPr lang="en-US" dirty="0"/>
-              <a:t>9/2/2021</a:t>
+              <a:t>9/5/2021</a:t>
             </a:fld>
             <a:endParaRPr lang="en-US" dirty="0"/>
           </a:p>
@@ -2105,7 +2113,7 @@
           <a:p>
             <a:fld id="{87DE6118-2437-4B30-8E3C-4D2BE6020583}" type="datetimeFigureOut">
               <a:rPr lang="en-US" dirty="0"/>
-              <a:t>9/2/2021</a:t>
+              <a:t>9/5/2021</a:t>
             </a:fld>
             <a:endParaRPr lang="en-US" dirty="0"/>
           </a:p>
@@ -2218,7 +2226,7 @@
           <a:p>
             <a:fld id="{87DE6118-2437-4B30-8E3C-4D2BE6020583}" type="datetimeFigureOut">
               <a:rPr lang="en-US" dirty="0"/>
-              <a:t>9/2/2021</a:t>
+              <a:t>9/5/2021</a:t>
             </a:fld>
             <a:endParaRPr lang="en-US" dirty="0"/>
           </a:p>
@@ -2308,7 +2316,7 @@
           <a:p>
             <a:fld id="{87DE6118-2437-4B30-8E3C-4D2BE6020583}" type="datetimeFigureOut">
               <a:rPr lang="en-US" dirty="0"/>
-              <a:t>9/2/2021</a:t>
+              <a:t>9/5/2021</a:t>
             </a:fld>
             <a:endParaRPr lang="en-US" dirty="0"/>
           </a:p>
@@ -2650,7 +2658,7 @@
             <a:fld id="{87DE6118-2437-4B30-8E3C-4D2BE6020583}" type="datetimeFigureOut">
               <a:rPr lang="en-US" dirty="0"/>
               <a:pPr/>
-              <a:t>9/2/2021</a:t>
+              <a:t>9/5/2021</a:t>
             </a:fld>
             <a:endParaRPr lang="en-US" dirty="0"/>
           </a:p>
@@ -3035,7 +3043,7 @@
             <a:fld id="{87DE6118-2437-4B30-8E3C-4D2BE6020583}" type="datetimeFigureOut">
               <a:rPr lang="en-US" dirty="0"/>
               <a:pPr/>
-              <a:t>9/2/2021</a:t>
+              <a:t>9/5/2021</a:t>
             </a:fld>
             <a:endParaRPr lang="en-US" dirty="0"/>
           </a:p>
@@ -3310,7 +3318,7 @@
             <a:fld id="{87DE6118-2437-4B30-8E3C-4D2BE6020583}" type="datetimeFigureOut">
               <a:rPr lang="en-US" dirty="0"/>
               <a:pPr/>
-              <a:t>9/2/2021</a:t>
+              <a:t>9/5/2021</a:t>
             </a:fld>
             <a:endParaRPr lang="en-US" dirty="0"/>
           </a:p>
@@ -9192,6 +9200,774 @@
 </p:sld>
 </file>
 
+<file path=ppt/slides/slide24.xml><?xml version="1.0" encoding="utf-8"?>
+<p:sld xmlns:a="http://schemas.openxmlformats.org/drawingml/2006/main" xmlns:r="http://schemas.openxmlformats.org/officeDocument/2006/relationships" xmlns:p="http://schemas.openxmlformats.org/presentationml/2006/main">
+  <p:cSld>
+    <p:spTree>
+      <p:nvGrpSpPr>
+        <p:cNvPr id="1" name=""/>
+        <p:cNvGrpSpPr/>
+        <p:nvPr/>
+      </p:nvGrpSpPr>
+      <p:grpSpPr>
+        <a:xfrm>
+          <a:off x="0" y="0"/>
+          <a:ext cx="0" cy="0"/>
+          <a:chOff x="0" y="0"/>
+          <a:chExt cx="0" cy="0"/>
+        </a:xfrm>
+      </p:grpSpPr>
+      <p:sp>
+        <p:nvSpPr>
+          <p:cNvPr id="2" name="Title 1">
+            <a:extLst>
+              <a:ext uri="{FF2B5EF4-FFF2-40B4-BE49-F238E27FC236}">
+                <a16:creationId xmlns:a16="http://schemas.microsoft.com/office/drawing/2014/main" id="{9B3E5BCA-BB79-4494-943A-99CF5F49102F}"/>
+              </a:ext>
+            </a:extLst>
+          </p:cNvPr>
+          <p:cNvSpPr>
+            <a:spLocks noGrp="1"/>
+          </p:cNvSpPr>
+          <p:nvPr>
+            <p:ph type="ctrTitle"/>
+          </p:nvPr>
+        </p:nvSpPr>
+        <p:spPr>
+          <a:xfrm>
+            <a:off x="1915385" y="1058346"/>
+            <a:ext cx="8361229" cy="2098226"/>
+          </a:xfrm>
+        </p:spPr>
+        <p:txBody>
+          <a:bodyPr/>
+          <a:lstStyle/>
+          <a:p>
+            <a:r>
+              <a:rPr lang="en-PH" dirty="0"/>
+              <a:t>HTML BASICS</a:t>
+            </a:r>
+          </a:p>
+        </p:txBody>
+      </p:sp>
+      <p:sp>
+        <p:nvSpPr>
+          <p:cNvPr id="3" name="Subtitle 2">
+            <a:extLst>
+              <a:ext uri="{FF2B5EF4-FFF2-40B4-BE49-F238E27FC236}">
+                <a16:creationId xmlns:a16="http://schemas.microsoft.com/office/drawing/2014/main" id="{AEC855E7-1E83-4728-BDA9-FB3D80108F3A}"/>
+              </a:ext>
+            </a:extLst>
+          </p:cNvPr>
+          <p:cNvSpPr>
+            <a:spLocks noGrp="1"/>
+          </p:cNvSpPr>
+          <p:nvPr>
+            <p:ph type="subTitle" idx="1"/>
+          </p:nvPr>
+        </p:nvSpPr>
+        <p:spPr>
+          <a:xfrm>
+            <a:off x="6685849" y="5338765"/>
+            <a:ext cx="6831673" cy="1086237"/>
+          </a:xfrm>
+        </p:spPr>
+        <p:txBody>
+          <a:bodyPr/>
+          <a:lstStyle/>
+          <a:p>
+            <a:r>
+              <a:rPr lang="en-PH" dirty="0"/>
+              <a:t>By Ronald Laz</a:t>
+            </a:r>
+          </a:p>
+        </p:txBody>
+      </p:sp>
+      <p:sp>
+        <p:nvSpPr>
+          <p:cNvPr id="4" name="Title 1">
+            <a:extLst>
+              <a:ext uri="{FF2B5EF4-FFF2-40B4-BE49-F238E27FC236}">
+                <a16:creationId xmlns:a16="http://schemas.microsoft.com/office/drawing/2014/main" id="{110DDF52-F283-4292-9D4B-49FAAD7F1EFF}"/>
+              </a:ext>
+            </a:extLst>
+          </p:cNvPr>
+          <p:cNvSpPr txBox="1">
+            <a:spLocks/>
+          </p:cNvSpPr>
+          <p:nvPr/>
+        </p:nvSpPr>
+        <p:spPr>
+          <a:xfrm>
+            <a:off x="1915384" y="3083203"/>
+            <a:ext cx="8361229" cy="544856"/>
+          </a:xfrm>
+          <a:prstGeom prst="rect">
+            <a:avLst/>
+          </a:prstGeom>
+        </p:spPr>
+        <p:txBody>
+          <a:bodyPr vert="horz" lIns="91440" tIns="45720" rIns="91440" bIns="45720" rtlCol="0" anchor="b">
+            <a:noAutofit/>
+          </a:bodyPr>
+          <a:lstStyle>
+            <a:lvl1pPr algn="ctr" defTabSz="914400" rtl="0" eaLnBrk="1" latinLnBrk="0" hangingPunct="1">
+              <a:lnSpc>
+                <a:spcPct val="89000"/>
+              </a:lnSpc>
+              <a:spcBef>
+                <a:spcPct val="0"/>
+              </a:spcBef>
+              <a:buNone/>
+              <a:defRPr sz="7200" kern="1200" cap="all" baseline="0">
+                <a:solidFill>
+                  <a:schemeClr val="tx2"/>
+                </a:solidFill>
+                <a:latin typeface="+mj-lt"/>
+                <a:ea typeface="+mj-ea"/>
+                <a:cs typeface="+mj-cs"/>
+              </a:defRPr>
+            </a:lvl1pPr>
+          </a:lstStyle>
+          <a:p>
+            <a:r>
+              <a:rPr lang="en-PH" sz="2800" dirty="0"/>
+              <a:t>Tags you can find inside the html body</a:t>
+            </a:r>
+          </a:p>
+        </p:txBody>
+      </p:sp>
+      <p:sp>
+        <p:nvSpPr>
+          <p:cNvPr id="5" name="Title 1">
+            <a:extLst>
+              <a:ext uri="{FF2B5EF4-FFF2-40B4-BE49-F238E27FC236}">
+                <a16:creationId xmlns:a16="http://schemas.microsoft.com/office/drawing/2014/main" id="{7E2D6452-5B08-4DCC-8B59-CDB8325E0C9A}"/>
+              </a:ext>
+            </a:extLst>
+          </p:cNvPr>
+          <p:cNvSpPr txBox="1">
+            <a:spLocks/>
+          </p:cNvSpPr>
+          <p:nvPr/>
+        </p:nvSpPr>
+        <p:spPr>
+          <a:xfrm>
+            <a:off x="1915384" y="3306078"/>
+            <a:ext cx="8361229" cy="544856"/>
+          </a:xfrm>
+          <a:prstGeom prst="rect">
+            <a:avLst/>
+          </a:prstGeom>
+        </p:spPr>
+        <p:txBody>
+          <a:bodyPr vert="horz" lIns="91440" tIns="45720" rIns="91440" bIns="45720" rtlCol="0" anchor="b">
+            <a:noAutofit/>
+          </a:bodyPr>
+          <a:lstStyle>
+            <a:lvl1pPr algn="ctr" defTabSz="914400" rtl="0" eaLnBrk="1" latinLnBrk="0" hangingPunct="1">
+              <a:lnSpc>
+                <a:spcPct val="89000"/>
+              </a:lnSpc>
+              <a:spcBef>
+                <a:spcPct val="0"/>
+              </a:spcBef>
+              <a:buNone/>
+              <a:defRPr sz="7200" kern="1200" cap="all" baseline="0">
+                <a:solidFill>
+                  <a:schemeClr val="tx2"/>
+                </a:solidFill>
+                <a:latin typeface="+mj-lt"/>
+                <a:ea typeface="+mj-ea"/>
+                <a:cs typeface="+mj-cs"/>
+              </a:defRPr>
+            </a:lvl1pPr>
+          </a:lstStyle>
+          <a:p>
+            <a:r>
+              <a:rPr lang="en-PH" sz="1800" dirty="0">
+                <a:solidFill>
+                  <a:srgbClr val="FF0000"/>
+                </a:solidFill>
+              </a:rPr>
+              <a:t>PART 1</a:t>
+            </a:r>
+          </a:p>
+        </p:txBody>
+      </p:sp>
+    </p:spTree>
+    <p:extLst>
+      <p:ext uri="{BB962C8B-B14F-4D97-AF65-F5344CB8AC3E}">
+        <p14:creationId xmlns:p14="http://schemas.microsoft.com/office/powerpoint/2010/main" val="2586506770"/>
+      </p:ext>
+    </p:extLst>
+  </p:cSld>
+  <p:clrMapOvr>
+    <a:masterClrMapping/>
+  </p:clrMapOvr>
+</p:sld>
+</file>
+
+<file path=ppt/slides/slide25.xml><?xml version="1.0" encoding="utf-8"?>
+<p:sld xmlns:a="http://schemas.openxmlformats.org/drawingml/2006/main" xmlns:r="http://schemas.openxmlformats.org/officeDocument/2006/relationships" xmlns:p="http://schemas.openxmlformats.org/presentationml/2006/main">
+  <p:cSld>
+    <p:spTree>
+      <p:nvGrpSpPr>
+        <p:cNvPr id="1" name=""/>
+        <p:cNvGrpSpPr/>
+        <p:nvPr/>
+      </p:nvGrpSpPr>
+      <p:grpSpPr>
+        <a:xfrm>
+          <a:off x="0" y="0"/>
+          <a:ext cx="0" cy="0"/>
+          <a:chOff x="0" y="0"/>
+          <a:chExt cx="0" cy="0"/>
+        </a:xfrm>
+      </p:grpSpPr>
+      <p:sp>
+        <p:nvSpPr>
+          <p:cNvPr id="2" name="Title 1">
+            <a:extLst>
+              <a:ext uri="{FF2B5EF4-FFF2-40B4-BE49-F238E27FC236}">
+                <a16:creationId xmlns:a16="http://schemas.microsoft.com/office/drawing/2014/main" id="{1D944047-79F1-4C8A-8190-4DAE317E7E2B}"/>
+              </a:ext>
+            </a:extLst>
+          </p:cNvPr>
+          <p:cNvSpPr>
+            <a:spLocks noGrp="1"/>
+          </p:cNvSpPr>
+          <p:nvPr>
+            <p:ph type="title"/>
+          </p:nvPr>
+        </p:nvSpPr>
+        <p:spPr>
+          <a:xfrm>
+            <a:off x="3825948" y="4735655"/>
+            <a:ext cx="4743893" cy="792126"/>
+          </a:xfrm>
+        </p:spPr>
+        <p:txBody>
+          <a:bodyPr/>
+          <a:lstStyle/>
+          <a:p>
+            <a:r>
+              <a:rPr lang="en-PH" sz="2400" dirty="0"/>
+              <a:t>1 is the biggest – 6 is the smallest </a:t>
+            </a:r>
+            <a:endParaRPr lang="en-PH" dirty="0"/>
+          </a:p>
+        </p:txBody>
+      </p:sp>
+      <p:sp>
+        <p:nvSpPr>
+          <p:cNvPr id="6" name="Title 1">
+            <a:extLst>
+              <a:ext uri="{FF2B5EF4-FFF2-40B4-BE49-F238E27FC236}">
+                <a16:creationId xmlns:a16="http://schemas.microsoft.com/office/drawing/2014/main" id="{0389ED01-1ECF-4B02-BCA0-58952D5E39F4}"/>
+              </a:ext>
+            </a:extLst>
+          </p:cNvPr>
+          <p:cNvSpPr txBox="1">
+            <a:spLocks/>
+          </p:cNvSpPr>
+          <p:nvPr/>
+        </p:nvSpPr>
+        <p:spPr>
+          <a:xfrm>
+            <a:off x="1524000" y="838200"/>
+            <a:ext cx="9601200" cy="792126"/>
+          </a:xfrm>
+          <a:prstGeom prst="rect">
+            <a:avLst/>
+          </a:prstGeom>
+        </p:spPr>
+        <p:txBody>
+          <a:bodyPr vert="horz" lIns="91440" tIns="45720" rIns="91440" bIns="45720" rtlCol="0" anchor="t">
+            <a:normAutofit/>
+          </a:bodyPr>
+          <a:lstStyle>
+            <a:lvl1pPr algn="l" defTabSz="914400" rtl="0" eaLnBrk="1" latinLnBrk="0" hangingPunct="1">
+              <a:lnSpc>
+                <a:spcPct val="89000"/>
+              </a:lnSpc>
+              <a:spcBef>
+                <a:spcPct val="0"/>
+              </a:spcBef>
+              <a:buNone/>
+              <a:defRPr sz="4400" kern="1200" baseline="0">
+                <a:solidFill>
+                  <a:schemeClr val="tx2"/>
+                </a:solidFill>
+                <a:latin typeface="+mj-lt"/>
+                <a:ea typeface="+mj-ea"/>
+                <a:cs typeface="+mj-cs"/>
+              </a:defRPr>
+            </a:lvl1pPr>
+          </a:lstStyle>
+          <a:p>
+            <a:r>
+              <a:rPr lang="en-PH" dirty="0"/>
+              <a:t>Headers</a:t>
+            </a:r>
+          </a:p>
+        </p:txBody>
+      </p:sp>
+      <p:pic>
+        <p:nvPicPr>
+          <p:cNvPr id="12" name="Picture 11">
+            <a:extLst>
+              <a:ext uri="{FF2B5EF4-FFF2-40B4-BE49-F238E27FC236}">
+                <a16:creationId xmlns:a16="http://schemas.microsoft.com/office/drawing/2014/main" id="{D3C4FA59-9BF6-4F85-95ED-8CEB30F15330}"/>
+              </a:ext>
+            </a:extLst>
+          </p:cNvPr>
+          <p:cNvPicPr>
+            <a:picLocks noChangeAspect="1"/>
+          </p:cNvPicPr>
+          <p:nvPr/>
+        </p:nvPicPr>
+        <p:blipFill>
+          <a:blip r:embed="rId2"/>
+          <a:stretch>
+            <a:fillRect/>
+          </a:stretch>
+        </p:blipFill>
+        <p:spPr>
+          <a:xfrm>
+            <a:off x="3646780" y="1585674"/>
+            <a:ext cx="4898440" cy="3194634"/>
+          </a:xfrm>
+          <a:prstGeom prst="rect">
+            <a:avLst/>
+          </a:prstGeom>
+        </p:spPr>
+      </p:pic>
+    </p:spTree>
+    <p:extLst>
+      <p:ext uri="{BB962C8B-B14F-4D97-AF65-F5344CB8AC3E}">
+        <p14:creationId xmlns:p14="http://schemas.microsoft.com/office/powerpoint/2010/main" val="2790860877"/>
+      </p:ext>
+    </p:extLst>
+  </p:cSld>
+  <p:clrMapOvr>
+    <a:masterClrMapping/>
+  </p:clrMapOvr>
+</p:sld>
+</file>
+
+<file path=ppt/slides/slide26.xml><?xml version="1.0" encoding="utf-8"?>
+<p:sld xmlns:a="http://schemas.openxmlformats.org/drawingml/2006/main" xmlns:r="http://schemas.openxmlformats.org/officeDocument/2006/relationships" xmlns:p="http://schemas.openxmlformats.org/presentationml/2006/main">
+  <p:cSld>
+    <p:spTree>
+      <p:nvGrpSpPr>
+        <p:cNvPr id="1" name=""/>
+        <p:cNvGrpSpPr/>
+        <p:nvPr/>
+      </p:nvGrpSpPr>
+      <p:grpSpPr>
+        <a:xfrm>
+          <a:off x="0" y="0"/>
+          <a:ext cx="0" cy="0"/>
+          <a:chOff x="0" y="0"/>
+          <a:chExt cx="0" cy="0"/>
+        </a:xfrm>
+      </p:grpSpPr>
+      <p:sp>
+        <p:nvSpPr>
+          <p:cNvPr id="2" name="Title 1">
+            <a:extLst>
+              <a:ext uri="{FF2B5EF4-FFF2-40B4-BE49-F238E27FC236}">
+                <a16:creationId xmlns:a16="http://schemas.microsoft.com/office/drawing/2014/main" id="{97038DD9-6958-4FFC-A9DA-C4EF73F6487C}"/>
+              </a:ext>
+            </a:extLst>
+          </p:cNvPr>
+          <p:cNvSpPr>
+            <a:spLocks noGrp="1"/>
+          </p:cNvSpPr>
+          <p:nvPr>
+            <p:ph type="title"/>
+          </p:nvPr>
+        </p:nvSpPr>
+        <p:spPr/>
+        <p:txBody>
+          <a:bodyPr/>
+          <a:lstStyle/>
+          <a:p>
+            <a:r>
+              <a:rPr lang="en-PH" dirty="0"/>
+              <a:t>In the browser it looks like this</a:t>
+            </a:r>
+          </a:p>
+        </p:txBody>
+      </p:sp>
+      <p:pic>
+        <p:nvPicPr>
+          <p:cNvPr id="5" name="Picture 4">
+            <a:extLst>
+              <a:ext uri="{FF2B5EF4-FFF2-40B4-BE49-F238E27FC236}">
+                <a16:creationId xmlns:a16="http://schemas.microsoft.com/office/drawing/2014/main" id="{BB6AA715-8BDB-4EF9-ABC2-1B0E3644ED2C}"/>
+              </a:ext>
+            </a:extLst>
+          </p:cNvPr>
+          <p:cNvPicPr>
+            <a:picLocks noChangeAspect="1"/>
+          </p:cNvPicPr>
+          <p:nvPr/>
+        </p:nvPicPr>
+        <p:blipFill>
+          <a:blip r:embed="rId2"/>
+          <a:stretch>
+            <a:fillRect/>
+          </a:stretch>
+        </p:blipFill>
+        <p:spPr>
+          <a:xfrm>
+            <a:off x="1551008" y="1708936"/>
+            <a:ext cx="9421792" cy="4599267"/>
+          </a:xfrm>
+          <a:prstGeom prst="rect">
+            <a:avLst/>
+          </a:prstGeom>
+        </p:spPr>
+      </p:pic>
+    </p:spTree>
+    <p:extLst>
+      <p:ext uri="{BB962C8B-B14F-4D97-AF65-F5344CB8AC3E}">
+        <p14:creationId xmlns:p14="http://schemas.microsoft.com/office/powerpoint/2010/main" val="1526651936"/>
+      </p:ext>
+    </p:extLst>
+  </p:cSld>
+  <p:clrMapOvr>
+    <a:masterClrMapping/>
+  </p:clrMapOvr>
+</p:sld>
+</file>
+
+<file path=ppt/slides/slide27.xml><?xml version="1.0" encoding="utf-8"?>
+<p:sld xmlns:a="http://schemas.openxmlformats.org/drawingml/2006/main" xmlns:r="http://schemas.openxmlformats.org/officeDocument/2006/relationships" xmlns:p="http://schemas.openxmlformats.org/presentationml/2006/main">
+  <p:cSld>
+    <p:spTree>
+      <p:nvGrpSpPr>
+        <p:cNvPr id="1" name=""/>
+        <p:cNvGrpSpPr/>
+        <p:nvPr/>
+      </p:nvGrpSpPr>
+      <p:grpSpPr>
+        <a:xfrm>
+          <a:off x="0" y="0"/>
+          <a:ext cx="0" cy="0"/>
+          <a:chOff x="0" y="0"/>
+          <a:chExt cx="0" cy="0"/>
+        </a:xfrm>
+      </p:grpSpPr>
+      <p:sp>
+        <p:nvSpPr>
+          <p:cNvPr id="2" name="Title 1">
+            <a:extLst>
+              <a:ext uri="{FF2B5EF4-FFF2-40B4-BE49-F238E27FC236}">
+                <a16:creationId xmlns:a16="http://schemas.microsoft.com/office/drawing/2014/main" id="{1D944047-79F1-4C8A-8190-4DAE317E7E2B}"/>
+              </a:ext>
+            </a:extLst>
+          </p:cNvPr>
+          <p:cNvSpPr>
+            <a:spLocks noGrp="1"/>
+          </p:cNvSpPr>
+          <p:nvPr>
+            <p:ph type="title"/>
+          </p:nvPr>
+        </p:nvSpPr>
+        <p:spPr>
+          <a:xfrm>
+            <a:off x="5159448" y="4491108"/>
+            <a:ext cx="2330304" cy="792126"/>
+          </a:xfrm>
+        </p:spPr>
+        <p:txBody>
+          <a:bodyPr/>
+          <a:lstStyle/>
+          <a:p>
+            <a:r>
+              <a:rPr lang="en-PH" sz="2400" dirty="0"/>
+              <a:t>Fix size in HTML </a:t>
+            </a:r>
+            <a:endParaRPr lang="en-PH" dirty="0"/>
+          </a:p>
+        </p:txBody>
+      </p:sp>
+      <p:sp>
+        <p:nvSpPr>
+          <p:cNvPr id="6" name="Title 1">
+            <a:extLst>
+              <a:ext uri="{FF2B5EF4-FFF2-40B4-BE49-F238E27FC236}">
+                <a16:creationId xmlns:a16="http://schemas.microsoft.com/office/drawing/2014/main" id="{0389ED01-1ECF-4B02-BCA0-58952D5E39F4}"/>
+              </a:ext>
+            </a:extLst>
+          </p:cNvPr>
+          <p:cNvSpPr txBox="1">
+            <a:spLocks/>
+          </p:cNvSpPr>
+          <p:nvPr/>
+        </p:nvSpPr>
+        <p:spPr>
+          <a:xfrm>
+            <a:off x="1524000" y="838200"/>
+            <a:ext cx="9601200" cy="792126"/>
+          </a:xfrm>
+          <a:prstGeom prst="rect">
+            <a:avLst/>
+          </a:prstGeom>
+        </p:spPr>
+        <p:txBody>
+          <a:bodyPr vert="horz" lIns="91440" tIns="45720" rIns="91440" bIns="45720" rtlCol="0" anchor="t">
+            <a:normAutofit/>
+          </a:bodyPr>
+          <a:lstStyle>
+            <a:lvl1pPr algn="l" defTabSz="914400" rtl="0" eaLnBrk="1" latinLnBrk="0" hangingPunct="1">
+              <a:lnSpc>
+                <a:spcPct val="89000"/>
+              </a:lnSpc>
+              <a:spcBef>
+                <a:spcPct val="0"/>
+              </a:spcBef>
+              <a:buNone/>
+              <a:defRPr sz="4400" kern="1200" baseline="0">
+                <a:solidFill>
+                  <a:schemeClr val="tx2"/>
+                </a:solidFill>
+                <a:latin typeface="+mj-lt"/>
+                <a:ea typeface="+mj-ea"/>
+                <a:cs typeface="+mj-cs"/>
+              </a:defRPr>
+            </a:lvl1pPr>
+          </a:lstStyle>
+          <a:p>
+            <a:r>
+              <a:rPr lang="en-PH" dirty="0"/>
+              <a:t>Paragraph</a:t>
+            </a:r>
+          </a:p>
+        </p:txBody>
+      </p:sp>
+      <p:pic>
+        <p:nvPicPr>
+          <p:cNvPr id="10" name="Picture 9">
+            <a:extLst>
+              <a:ext uri="{FF2B5EF4-FFF2-40B4-BE49-F238E27FC236}">
+                <a16:creationId xmlns:a16="http://schemas.microsoft.com/office/drawing/2014/main" id="{63134F31-5D9D-4F47-A30C-411F1A975484}"/>
+              </a:ext>
+            </a:extLst>
+          </p:cNvPr>
+          <p:cNvPicPr>
+            <a:picLocks noChangeAspect="1"/>
+          </p:cNvPicPr>
+          <p:nvPr/>
+        </p:nvPicPr>
+        <p:blipFill>
+          <a:blip r:embed="rId2"/>
+          <a:stretch>
+            <a:fillRect/>
+          </a:stretch>
+        </p:blipFill>
+        <p:spPr>
+          <a:xfrm>
+            <a:off x="1885003" y="2041101"/>
+            <a:ext cx="8421994" cy="2318249"/>
+          </a:xfrm>
+          <a:prstGeom prst="rect">
+            <a:avLst/>
+          </a:prstGeom>
+        </p:spPr>
+      </p:pic>
+    </p:spTree>
+    <p:extLst>
+      <p:ext uri="{BB962C8B-B14F-4D97-AF65-F5344CB8AC3E}">
+        <p14:creationId xmlns:p14="http://schemas.microsoft.com/office/powerpoint/2010/main" val="2411022077"/>
+      </p:ext>
+    </p:extLst>
+  </p:cSld>
+  <p:clrMapOvr>
+    <a:masterClrMapping/>
+  </p:clrMapOvr>
+</p:sld>
+</file>
+
+<file path=ppt/slides/slide28.xml><?xml version="1.0" encoding="utf-8"?>
+<p:sld xmlns:a="http://schemas.openxmlformats.org/drawingml/2006/main" xmlns:r="http://schemas.openxmlformats.org/officeDocument/2006/relationships" xmlns:p="http://schemas.openxmlformats.org/presentationml/2006/main">
+  <p:cSld>
+    <p:spTree>
+      <p:nvGrpSpPr>
+        <p:cNvPr id="1" name=""/>
+        <p:cNvGrpSpPr/>
+        <p:nvPr/>
+      </p:nvGrpSpPr>
+      <p:grpSpPr>
+        <a:xfrm>
+          <a:off x="0" y="0"/>
+          <a:ext cx="0" cy="0"/>
+          <a:chOff x="0" y="0"/>
+          <a:chExt cx="0" cy="0"/>
+        </a:xfrm>
+      </p:grpSpPr>
+      <p:sp>
+        <p:nvSpPr>
+          <p:cNvPr id="2" name="Title 1">
+            <a:extLst>
+              <a:ext uri="{FF2B5EF4-FFF2-40B4-BE49-F238E27FC236}">
+                <a16:creationId xmlns:a16="http://schemas.microsoft.com/office/drawing/2014/main" id="{97038DD9-6958-4FFC-A9DA-C4EF73F6487C}"/>
+              </a:ext>
+            </a:extLst>
+          </p:cNvPr>
+          <p:cNvSpPr>
+            <a:spLocks noGrp="1"/>
+          </p:cNvSpPr>
+          <p:nvPr>
+            <p:ph type="title"/>
+          </p:nvPr>
+        </p:nvSpPr>
+        <p:spPr/>
+        <p:txBody>
+          <a:bodyPr/>
+          <a:lstStyle/>
+          <a:p>
+            <a:r>
+              <a:rPr lang="en-PH" dirty="0"/>
+              <a:t>In the browser it looks like this</a:t>
+            </a:r>
+          </a:p>
+        </p:txBody>
+      </p:sp>
+      <p:pic>
+        <p:nvPicPr>
+          <p:cNvPr id="4" name="Picture 3">
+            <a:extLst>
+              <a:ext uri="{FF2B5EF4-FFF2-40B4-BE49-F238E27FC236}">
+                <a16:creationId xmlns:a16="http://schemas.microsoft.com/office/drawing/2014/main" id="{853ABD72-7FBB-47BE-A0FF-167449C2EEA7}"/>
+              </a:ext>
+            </a:extLst>
+          </p:cNvPr>
+          <p:cNvPicPr>
+            <a:picLocks noChangeAspect="1"/>
+          </p:cNvPicPr>
+          <p:nvPr/>
+        </p:nvPicPr>
+        <p:blipFill>
+          <a:blip r:embed="rId2"/>
+          <a:stretch>
+            <a:fillRect/>
+          </a:stretch>
+        </p:blipFill>
+        <p:spPr>
+          <a:xfrm>
+            <a:off x="1659452" y="1948229"/>
+            <a:ext cx="8873095" cy="2961542"/>
+          </a:xfrm>
+          <a:prstGeom prst="rect">
+            <a:avLst/>
+          </a:prstGeom>
+        </p:spPr>
+      </p:pic>
+    </p:spTree>
+    <p:extLst>
+      <p:ext uri="{BB962C8B-B14F-4D97-AF65-F5344CB8AC3E}">
+        <p14:creationId xmlns:p14="http://schemas.microsoft.com/office/powerpoint/2010/main" val="2318908670"/>
+      </p:ext>
+    </p:extLst>
+  </p:cSld>
+  <p:clrMapOvr>
+    <a:masterClrMapping/>
+  </p:clrMapOvr>
+</p:sld>
+</file>
+
+<file path=ppt/slides/slide29.xml><?xml version="1.0" encoding="utf-8"?>
+<p:sld xmlns:a="http://schemas.openxmlformats.org/drawingml/2006/main" xmlns:r="http://schemas.openxmlformats.org/officeDocument/2006/relationships" xmlns:p="http://schemas.openxmlformats.org/presentationml/2006/main">
+  <p:cSld>
+    <p:spTree>
+      <p:nvGrpSpPr>
+        <p:cNvPr id="1" name=""/>
+        <p:cNvGrpSpPr/>
+        <p:nvPr/>
+      </p:nvGrpSpPr>
+      <p:grpSpPr>
+        <a:xfrm>
+          <a:off x="0" y="0"/>
+          <a:ext cx="0" cy="0"/>
+          <a:chOff x="0" y="0"/>
+          <a:chExt cx="0" cy="0"/>
+        </a:xfrm>
+      </p:grpSpPr>
+      <p:sp>
+        <p:nvSpPr>
+          <p:cNvPr id="2" name="Title 1">
+            <a:extLst>
+              <a:ext uri="{FF2B5EF4-FFF2-40B4-BE49-F238E27FC236}">
+                <a16:creationId xmlns:a16="http://schemas.microsoft.com/office/drawing/2014/main" id="{CF734871-093B-46AF-82DA-C0E1DC7ED3EC}"/>
+              </a:ext>
+            </a:extLst>
+          </p:cNvPr>
+          <p:cNvSpPr>
+            <a:spLocks noGrp="1"/>
+          </p:cNvSpPr>
+          <p:nvPr>
+            <p:ph type="title"/>
+          </p:nvPr>
+        </p:nvSpPr>
+        <p:spPr/>
+        <p:txBody>
+          <a:bodyPr/>
+          <a:lstStyle/>
+          <a:p>
+            <a:r>
+              <a:rPr lang="en-PH" dirty="0"/>
+              <a:t>Combination</a:t>
+            </a:r>
+          </a:p>
+        </p:txBody>
+      </p:sp>
+      <p:pic>
+        <p:nvPicPr>
+          <p:cNvPr id="9" name="Picture 8">
+            <a:extLst>
+              <a:ext uri="{FF2B5EF4-FFF2-40B4-BE49-F238E27FC236}">
+                <a16:creationId xmlns:a16="http://schemas.microsoft.com/office/drawing/2014/main" id="{A8948908-0BD5-4D18-BBFE-BABDBADC7B6C}"/>
+              </a:ext>
+            </a:extLst>
+          </p:cNvPr>
+          <p:cNvPicPr>
+            <a:picLocks noChangeAspect="1"/>
+          </p:cNvPicPr>
+          <p:nvPr/>
+        </p:nvPicPr>
+        <p:blipFill>
+          <a:blip r:embed="rId2"/>
+          <a:stretch>
+            <a:fillRect/>
+          </a:stretch>
+        </p:blipFill>
+        <p:spPr>
+          <a:xfrm>
+            <a:off x="1768549" y="1773666"/>
+            <a:ext cx="8807302" cy="3149208"/>
+          </a:xfrm>
+          <a:prstGeom prst="rect">
+            <a:avLst/>
+          </a:prstGeom>
+        </p:spPr>
+      </p:pic>
+    </p:spTree>
+    <p:extLst>
+      <p:ext uri="{BB962C8B-B14F-4D97-AF65-F5344CB8AC3E}">
+        <p14:creationId xmlns:p14="http://schemas.microsoft.com/office/powerpoint/2010/main" val="4273572065"/>
+      </p:ext>
+    </p:extLst>
+  </p:cSld>
+  <p:clrMapOvr>
+    <a:masterClrMapping/>
+  </p:clrMapOvr>
+</p:sld>
+</file>
+
 <file path=ppt/slides/slide3.xml><?xml version="1.0" encoding="utf-8"?>
 <p:sld xmlns:a="http://schemas.openxmlformats.org/drawingml/2006/main" xmlns:r="http://schemas.openxmlformats.org/officeDocument/2006/relationships" xmlns:p="http://schemas.openxmlformats.org/presentationml/2006/main">
   <p:cSld>
@@ -9557,6 +10333,124 @@
       <p:bldP spid="3" grpId="0" build="p"/>
     </p:bldLst>
   </p:timing>
+</p:sld>
+</file>
+
+<file path=ppt/slides/slide30.xml><?xml version="1.0" encoding="utf-8"?>
+<p:sld xmlns:a="http://schemas.openxmlformats.org/drawingml/2006/main" xmlns:r="http://schemas.openxmlformats.org/officeDocument/2006/relationships" xmlns:p="http://schemas.openxmlformats.org/presentationml/2006/main">
+  <p:cSld>
+    <p:spTree>
+      <p:nvGrpSpPr>
+        <p:cNvPr id="1" name=""/>
+        <p:cNvGrpSpPr/>
+        <p:nvPr/>
+      </p:nvGrpSpPr>
+      <p:grpSpPr>
+        <a:xfrm>
+          <a:off x="0" y="0"/>
+          <a:ext cx="0" cy="0"/>
+          <a:chOff x="0" y="0"/>
+          <a:chExt cx="0" cy="0"/>
+        </a:xfrm>
+      </p:grpSpPr>
+      <p:pic>
+        <p:nvPicPr>
+          <p:cNvPr id="5" name="Content Placeholder 4">
+            <a:extLst>
+              <a:ext uri="{FF2B5EF4-FFF2-40B4-BE49-F238E27FC236}">
+                <a16:creationId xmlns:a16="http://schemas.microsoft.com/office/drawing/2014/main" id="{AFFA9B9A-8444-4E68-8BD3-077598859D0E}"/>
+              </a:ext>
+            </a:extLst>
+          </p:cNvPr>
+          <p:cNvPicPr>
+            <a:picLocks noGrp="1" noChangeAspect="1"/>
+          </p:cNvPicPr>
+          <p:nvPr>
+            <p:ph idx="1"/>
+          </p:nvPr>
+        </p:nvPicPr>
+        <p:blipFill>
+          <a:blip r:embed="rId2"/>
+          <a:stretch>
+            <a:fillRect/>
+          </a:stretch>
+        </p:blipFill>
+        <p:spPr>
+          <a:xfrm>
+            <a:off x="1584183" y="1551277"/>
+            <a:ext cx="9388617" cy="3755446"/>
+          </a:xfrm>
+        </p:spPr>
+      </p:pic>
+    </p:spTree>
+    <p:extLst>
+      <p:ext uri="{BB962C8B-B14F-4D97-AF65-F5344CB8AC3E}">
+        <p14:creationId xmlns:p14="http://schemas.microsoft.com/office/powerpoint/2010/main" val="3547925868"/>
+      </p:ext>
+    </p:extLst>
+  </p:cSld>
+  <p:clrMapOvr>
+    <a:masterClrMapping/>
+  </p:clrMapOvr>
+</p:sld>
+</file>
+
+<file path=ppt/slides/slide31.xml><?xml version="1.0" encoding="utf-8"?>
+<p:sld xmlns:a="http://schemas.openxmlformats.org/drawingml/2006/main" xmlns:r="http://schemas.openxmlformats.org/officeDocument/2006/relationships" xmlns:p="http://schemas.openxmlformats.org/presentationml/2006/main">
+  <p:cSld>
+    <p:spTree>
+      <p:nvGrpSpPr>
+        <p:cNvPr id="1" name=""/>
+        <p:cNvGrpSpPr/>
+        <p:nvPr/>
+      </p:nvGrpSpPr>
+      <p:grpSpPr>
+        <a:xfrm>
+          <a:off x="0" y="0"/>
+          <a:ext cx="0" cy="0"/>
+          <a:chOff x="0" y="0"/>
+          <a:chExt cx="0" cy="0"/>
+        </a:xfrm>
+      </p:grpSpPr>
+      <p:pic>
+        <p:nvPicPr>
+          <p:cNvPr id="5" name="Content Placeholder 4">
+            <a:extLst>
+              <a:ext uri="{FF2B5EF4-FFF2-40B4-BE49-F238E27FC236}">
+                <a16:creationId xmlns:a16="http://schemas.microsoft.com/office/drawing/2014/main" id="{2B7DE2C2-508C-4D7E-8476-0AFF9DC0C69C}"/>
+              </a:ext>
+            </a:extLst>
+          </p:cNvPr>
+          <p:cNvPicPr>
+            <a:picLocks noGrp="1" noChangeAspect="1"/>
+          </p:cNvPicPr>
+          <p:nvPr>
+            <p:ph idx="1"/>
+          </p:nvPr>
+        </p:nvPicPr>
+        <p:blipFill>
+          <a:blip r:embed="rId2"/>
+          <a:stretch>
+            <a:fillRect/>
+          </a:stretch>
+        </p:blipFill>
+        <p:spPr>
+          <a:xfrm>
+            <a:off x="3187631" y="2099382"/>
+            <a:ext cx="5816737" cy="2908369"/>
+          </a:xfrm>
+        </p:spPr>
+      </p:pic>
+    </p:spTree>
+    <p:extLst>
+      <p:ext uri="{BB962C8B-B14F-4D97-AF65-F5344CB8AC3E}">
+        <p14:creationId xmlns:p14="http://schemas.microsoft.com/office/powerpoint/2010/main" val="3025563283"/>
+      </p:ext>
+    </p:extLst>
+  </p:cSld>
+  <p:clrMapOvr>
+    <a:masterClrMapping/>
+  </p:clrMapOvr>
 </p:sld>
 </file>
 

--- a/HTML BASICS.pptx
+++ b/HTML BASICS.pptx
@@ -36,6 +36,12 @@
     <p:sldId id="284" r:id="rId30"/>
     <p:sldId id="285" r:id="rId31"/>
     <p:sldId id="286" r:id="rId32"/>
+    <p:sldId id="288" r:id="rId33"/>
+    <p:sldId id="289" r:id="rId34"/>
+    <p:sldId id="290" r:id="rId35"/>
+    <p:sldId id="291" r:id="rId36"/>
+    <p:sldId id="292" r:id="rId37"/>
+    <p:sldId id="293" r:id="rId38"/>
   </p:sldIdLst>
   <p:sldSz cx="12192000" cy="6858000"/>
   <p:notesSz cx="6858000" cy="9144000"/>
@@ -312,7 +318,7 @@
             <a:fld id="{87DE6118-2437-4B30-8E3C-4D2BE6020583}" type="datetimeFigureOut">
               <a:rPr lang="en-US" dirty="0"/>
               <a:pPr/>
-              <a:t>9/5/2021</a:t>
+              <a:t>9/6/2021</a:t>
             </a:fld>
             <a:endParaRPr lang="en-US" dirty="0"/>
           </a:p>
@@ -638,7 +644,7 @@
           <a:p>
             <a:fld id="{87DE6118-2437-4B30-8E3C-4D2BE6020583}" type="datetimeFigureOut">
               <a:rPr lang="en-US" dirty="0"/>
-              <a:t>9/5/2021</a:t>
+              <a:t>9/6/2021</a:t>
             </a:fld>
             <a:endParaRPr lang="en-US" dirty="0"/>
           </a:p>
@@ -813,7 +819,7 @@
           <a:p>
             <a:fld id="{87DE6118-2437-4B30-8E3C-4D2BE6020583}" type="datetimeFigureOut">
               <a:rPr lang="en-US" dirty="0"/>
-              <a:t>9/5/2021</a:t>
+              <a:t>9/6/2021</a:t>
             </a:fld>
             <a:endParaRPr lang="en-US" dirty="0"/>
           </a:p>
@@ -978,7 +984,7 @@
           <a:p>
             <a:fld id="{87DE6118-2437-4B30-8E3C-4D2BE6020583}" type="datetimeFigureOut">
               <a:rPr lang="en-US" dirty="0"/>
-              <a:t>9/5/2021</a:t>
+              <a:t>9/6/2021</a:t>
             </a:fld>
             <a:endParaRPr lang="en-US" dirty="0"/>
           </a:p>
@@ -1251,7 +1257,7 @@
             <a:fld id="{87DE6118-2437-4B30-8E3C-4D2BE6020583}" type="datetimeFigureOut">
               <a:rPr lang="en-US" dirty="0"/>
               <a:pPr/>
-              <a:t>9/5/2021</a:t>
+              <a:t>9/6/2021</a:t>
             </a:fld>
             <a:endParaRPr lang="en-US" dirty="0"/>
           </a:p>
@@ -1641,7 +1647,7 @@
           <a:p>
             <a:fld id="{87DE6118-2437-4B30-8E3C-4D2BE6020583}" type="datetimeFigureOut">
               <a:rPr lang="en-US" dirty="0"/>
-              <a:t>9/5/2021</a:t>
+              <a:t>9/6/2021</a:t>
             </a:fld>
             <a:endParaRPr lang="en-US" dirty="0"/>
           </a:p>
@@ -2113,7 +2119,7 @@
           <a:p>
             <a:fld id="{87DE6118-2437-4B30-8E3C-4D2BE6020583}" type="datetimeFigureOut">
               <a:rPr lang="en-US" dirty="0"/>
-              <a:t>9/5/2021</a:t>
+              <a:t>9/6/2021</a:t>
             </a:fld>
             <a:endParaRPr lang="en-US" dirty="0"/>
           </a:p>
@@ -2226,7 +2232,7 @@
           <a:p>
             <a:fld id="{87DE6118-2437-4B30-8E3C-4D2BE6020583}" type="datetimeFigureOut">
               <a:rPr lang="en-US" dirty="0"/>
-              <a:t>9/5/2021</a:t>
+              <a:t>9/6/2021</a:t>
             </a:fld>
             <a:endParaRPr lang="en-US" dirty="0"/>
           </a:p>
@@ -2316,7 +2322,7 @@
           <a:p>
             <a:fld id="{87DE6118-2437-4B30-8E3C-4D2BE6020583}" type="datetimeFigureOut">
               <a:rPr lang="en-US" dirty="0"/>
-              <a:t>9/5/2021</a:t>
+              <a:t>9/6/2021</a:t>
             </a:fld>
             <a:endParaRPr lang="en-US" dirty="0"/>
           </a:p>
@@ -2658,7 +2664,7 @@
             <a:fld id="{87DE6118-2437-4B30-8E3C-4D2BE6020583}" type="datetimeFigureOut">
               <a:rPr lang="en-US" dirty="0"/>
               <a:pPr/>
-              <a:t>9/5/2021</a:t>
+              <a:t>9/6/2021</a:t>
             </a:fld>
             <a:endParaRPr lang="en-US" dirty="0"/>
           </a:p>
@@ -3043,7 +3049,7 @@
             <a:fld id="{87DE6118-2437-4B30-8E3C-4D2BE6020583}" type="datetimeFigureOut">
               <a:rPr lang="en-US" dirty="0"/>
               <a:pPr/>
-              <a:t>9/5/2021</a:t>
+              <a:t>9/6/2021</a:t>
             </a:fld>
             <a:endParaRPr lang="en-US" dirty="0"/>
           </a:p>
@@ -3318,7 +3324,7 @@
             <a:fld id="{87DE6118-2437-4B30-8E3C-4D2BE6020583}" type="datetimeFigureOut">
               <a:rPr lang="en-US" dirty="0"/>
               <a:pPr/>
-              <a:t>9/5/2021</a:t>
+              <a:t>9/6/2021</a:t>
             </a:fld>
             <a:endParaRPr lang="en-US" dirty="0"/>
           </a:p>
@@ -10454,6 +10460,2286 @@
 </p:sld>
 </file>
 
+<file path=ppt/slides/slide32.xml><?xml version="1.0" encoding="utf-8"?>
+<p:sld xmlns:a="http://schemas.openxmlformats.org/drawingml/2006/main" xmlns:r="http://schemas.openxmlformats.org/officeDocument/2006/relationships" xmlns:p="http://schemas.openxmlformats.org/presentationml/2006/main">
+  <p:cSld>
+    <p:spTree>
+      <p:nvGrpSpPr>
+        <p:cNvPr id="1" name=""/>
+        <p:cNvGrpSpPr/>
+        <p:nvPr/>
+      </p:nvGrpSpPr>
+      <p:grpSpPr>
+        <a:xfrm>
+          <a:off x="0" y="0"/>
+          <a:ext cx="0" cy="0"/>
+          <a:chOff x="0" y="0"/>
+          <a:chExt cx="0" cy="0"/>
+        </a:xfrm>
+      </p:grpSpPr>
+      <p:sp>
+        <p:nvSpPr>
+          <p:cNvPr id="2" name="Title 1">
+            <a:extLst>
+              <a:ext uri="{FF2B5EF4-FFF2-40B4-BE49-F238E27FC236}">
+                <a16:creationId xmlns:a16="http://schemas.microsoft.com/office/drawing/2014/main" id="{9B3E5BCA-BB79-4494-943A-99CF5F49102F}"/>
+              </a:ext>
+            </a:extLst>
+          </p:cNvPr>
+          <p:cNvSpPr>
+            <a:spLocks noGrp="1"/>
+          </p:cNvSpPr>
+          <p:nvPr>
+            <p:ph type="ctrTitle"/>
+          </p:nvPr>
+        </p:nvSpPr>
+        <p:spPr>
+          <a:xfrm>
+            <a:off x="1915385" y="1058346"/>
+            <a:ext cx="8361229" cy="2098226"/>
+          </a:xfrm>
+        </p:spPr>
+        <p:txBody>
+          <a:bodyPr/>
+          <a:lstStyle/>
+          <a:p>
+            <a:r>
+              <a:rPr lang="en-PH" dirty="0"/>
+              <a:t>HTML BASICS</a:t>
+            </a:r>
+          </a:p>
+        </p:txBody>
+      </p:sp>
+      <p:sp>
+        <p:nvSpPr>
+          <p:cNvPr id="3" name="Subtitle 2">
+            <a:extLst>
+              <a:ext uri="{FF2B5EF4-FFF2-40B4-BE49-F238E27FC236}">
+                <a16:creationId xmlns:a16="http://schemas.microsoft.com/office/drawing/2014/main" id="{AEC855E7-1E83-4728-BDA9-FB3D80108F3A}"/>
+              </a:ext>
+            </a:extLst>
+          </p:cNvPr>
+          <p:cNvSpPr>
+            <a:spLocks noGrp="1"/>
+          </p:cNvSpPr>
+          <p:nvPr>
+            <p:ph type="subTitle" idx="1"/>
+          </p:nvPr>
+        </p:nvSpPr>
+        <p:spPr>
+          <a:xfrm>
+            <a:off x="6685849" y="5338765"/>
+            <a:ext cx="6831673" cy="1086237"/>
+          </a:xfrm>
+        </p:spPr>
+        <p:txBody>
+          <a:bodyPr/>
+          <a:lstStyle/>
+          <a:p>
+            <a:r>
+              <a:rPr lang="en-PH" dirty="0"/>
+              <a:t>By Ronald Laz</a:t>
+            </a:r>
+          </a:p>
+        </p:txBody>
+      </p:sp>
+      <p:sp>
+        <p:nvSpPr>
+          <p:cNvPr id="4" name="Title 1">
+            <a:extLst>
+              <a:ext uri="{FF2B5EF4-FFF2-40B4-BE49-F238E27FC236}">
+                <a16:creationId xmlns:a16="http://schemas.microsoft.com/office/drawing/2014/main" id="{110DDF52-F283-4292-9D4B-49FAAD7F1EFF}"/>
+              </a:ext>
+            </a:extLst>
+          </p:cNvPr>
+          <p:cNvSpPr txBox="1">
+            <a:spLocks/>
+          </p:cNvSpPr>
+          <p:nvPr/>
+        </p:nvSpPr>
+        <p:spPr>
+          <a:xfrm>
+            <a:off x="1915384" y="3083203"/>
+            <a:ext cx="8361229" cy="544856"/>
+          </a:xfrm>
+          <a:prstGeom prst="rect">
+            <a:avLst/>
+          </a:prstGeom>
+        </p:spPr>
+        <p:txBody>
+          <a:bodyPr vert="horz" lIns="91440" tIns="45720" rIns="91440" bIns="45720" rtlCol="0" anchor="b">
+            <a:noAutofit/>
+          </a:bodyPr>
+          <a:lstStyle>
+            <a:lvl1pPr algn="ctr" defTabSz="914400" rtl="0" eaLnBrk="1" latinLnBrk="0" hangingPunct="1">
+              <a:lnSpc>
+                <a:spcPct val="89000"/>
+              </a:lnSpc>
+              <a:spcBef>
+                <a:spcPct val="0"/>
+              </a:spcBef>
+              <a:buNone/>
+              <a:defRPr sz="7200" kern="1200" cap="all" baseline="0">
+                <a:solidFill>
+                  <a:schemeClr val="tx2"/>
+                </a:solidFill>
+                <a:latin typeface="+mj-lt"/>
+                <a:ea typeface="+mj-ea"/>
+                <a:cs typeface="+mj-cs"/>
+              </a:defRPr>
+            </a:lvl1pPr>
+          </a:lstStyle>
+          <a:p>
+            <a:r>
+              <a:rPr lang="en-PH" sz="2800" dirty="0"/>
+              <a:t>Tags you can find inside the html body</a:t>
+            </a:r>
+          </a:p>
+        </p:txBody>
+      </p:sp>
+      <p:sp>
+        <p:nvSpPr>
+          <p:cNvPr id="5" name="Title 1">
+            <a:extLst>
+              <a:ext uri="{FF2B5EF4-FFF2-40B4-BE49-F238E27FC236}">
+                <a16:creationId xmlns:a16="http://schemas.microsoft.com/office/drawing/2014/main" id="{7E2D6452-5B08-4DCC-8B59-CDB8325E0C9A}"/>
+              </a:ext>
+            </a:extLst>
+          </p:cNvPr>
+          <p:cNvSpPr txBox="1">
+            <a:spLocks/>
+          </p:cNvSpPr>
+          <p:nvPr/>
+        </p:nvSpPr>
+        <p:spPr>
+          <a:xfrm>
+            <a:off x="1915384" y="3306078"/>
+            <a:ext cx="8361229" cy="544856"/>
+          </a:xfrm>
+          <a:prstGeom prst="rect">
+            <a:avLst/>
+          </a:prstGeom>
+        </p:spPr>
+        <p:txBody>
+          <a:bodyPr vert="horz" lIns="91440" tIns="45720" rIns="91440" bIns="45720" rtlCol="0" anchor="b">
+            <a:noAutofit/>
+          </a:bodyPr>
+          <a:lstStyle>
+            <a:lvl1pPr algn="ctr" defTabSz="914400" rtl="0" eaLnBrk="1" latinLnBrk="0" hangingPunct="1">
+              <a:lnSpc>
+                <a:spcPct val="89000"/>
+              </a:lnSpc>
+              <a:spcBef>
+                <a:spcPct val="0"/>
+              </a:spcBef>
+              <a:buNone/>
+              <a:defRPr sz="7200" kern="1200" cap="all" baseline="0">
+                <a:solidFill>
+                  <a:schemeClr val="tx2"/>
+                </a:solidFill>
+                <a:latin typeface="+mj-lt"/>
+                <a:ea typeface="+mj-ea"/>
+                <a:cs typeface="+mj-cs"/>
+              </a:defRPr>
+            </a:lvl1pPr>
+          </a:lstStyle>
+          <a:p>
+            <a:r>
+              <a:rPr lang="en-PH" sz="1800" dirty="0">
+                <a:solidFill>
+                  <a:srgbClr val="FF0000"/>
+                </a:solidFill>
+              </a:rPr>
+              <a:t>PART 2</a:t>
+            </a:r>
+          </a:p>
+        </p:txBody>
+      </p:sp>
+    </p:spTree>
+    <p:extLst>
+      <p:ext uri="{BB962C8B-B14F-4D97-AF65-F5344CB8AC3E}">
+        <p14:creationId xmlns:p14="http://schemas.microsoft.com/office/powerpoint/2010/main" val="2060792712"/>
+      </p:ext>
+    </p:extLst>
+  </p:cSld>
+  <p:clrMapOvr>
+    <a:masterClrMapping/>
+  </p:clrMapOvr>
+</p:sld>
+</file>
+
+<file path=ppt/slides/slide33.xml><?xml version="1.0" encoding="utf-8"?>
+<p:sld xmlns:a="http://schemas.openxmlformats.org/drawingml/2006/main" xmlns:r="http://schemas.openxmlformats.org/officeDocument/2006/relationships" xmlns:p="http://schemas.openxmlformats.org/presentationml/2006/main">
+  <p:cSld>
+    <p:spTree>
+      <p:nvGrpSpPr>
+        <p:cNvPr id="1" name=""/>
+        <p:cNvGrpSpPr/>
+        <p:nvPr/>
+      </p:nvGrpSpPr>
+      <p:grpSpPr>
+        <a:xfrm>
+          <a:off x="0" y="0"/>
+          <a:ext cx="0" cy="0"/>
+          <a:chOff x="0" y="0"/>
+          <a:chExt cx="0" cy="0"/>
+        </a:xfrm>
+      </p:grpSpPr>
+      <p:pic>
+        <p:nvPicPr>
+          <p:cNvPr id="4" name="Content Placeholder 4">
+            <a:extLst>
+              <a:ext uri="{FF2B5EF4-FFF2-40B4-BE49-F238E27FC236}">
+                <a16:creationId xmlns:a16="http://schemas.microsoft.com/office/drawing/2014/main" id="{5D21015A-EC64-4383-866B-317AE18587B2}"/>
+              </a:ext>
+            </a:extLst>
+          </p:cNvPr>
+          <p:cNvPicPr>
+            <a:picLocks noGrp="1" noChangeAspect="1"/>
+          </p:cNvPicPr>
+          <p:nvPr>
+            <p:ph idx="1"/>
+          </p:nvPr>
+        </p:nvPicPr>
+        <p:blipFill>
+          <a:blip r:embed="rId2"/>
+          <a:stretch>
+            <a:fillRect/>
+          </a:stretch>
+        </p:blipFill>
+        <p:spPr>
+          <a:xfrm>
+            <a:off x="3887607" y="324553"/>
+            <a:ext cx="4416785" cy="2208393"/>
+          </a:xfrm>
+        </p:spPr>
+      </p:pic>
+      <p:sp>
+        <p:nvSpPr>
+          <p:cNvPr id="5" name="TextBox 4">
+            <a:extLst>
+              <a:ext uri="{FF2B5EF4-FFF2-40B4-BE49-F238E27FC236}">
+                <a16:creationId xmlns:a16="http://schemas.microsoft.com/office/drawing/2014/main" id="{E62ECF6C-AE9D-4DCE-87CC-C0C2F7EFB5E2}"/>
+              </a:ext>
+            </a:extLst>
+          </p:cNvPr>
+          <p:cNvSpPr txBox="1"/>
+          <p:nvPr/>
+        </p:nvSpPr>
+        <p:spPr>
+          <a:xfrm>
+            <a:off x="1165861" y="3062177"/>
+            <a:ext cx="10012677" cy="584775"/>
+          </a:xfrm>
+          <a:prstGeom prst="rect">
+            <a:avLst/>
+          </a:prstGeom>
+          <a:noFill/>
+        </p:spPr>
+        <p:txBody>
+          <a:bodyPr wrap="none" rtlCol="0">
+            <a:spAutoFit/>
+          </a:bodyPr>
+          <a:lstStyle/>
+          <a:p>
+            <a:pPr marL="285750" indent="-285750">
+              <a:buFont typeface="Arial" panose="020B0604020202020204" pitchFamily="34" charset="0"/>
+              <a:buChar char="•"/>
+            </a:pPr>
+            <a:r>
+              <a:rPr lang="en-PH" sz="3200" dirty="0" err="1"/>
+              <a:t>Divs</a:t>
+            </a:r>
+            <a:r>
+              <a:rPr lang="en-PH" sz="3200" dirty="0"/>
+              <a:t> and Span are the most common container in html.</a:t>
+            </a:r>
+          </a:p>
+        </p:txBody>
+      </p:sp>
+      <p:sp>
+        <p:nvSpPr>
+          <p:cNvPr id="7" name="TextBox 6">
+            <a:extLst>
+              <a:ext uri="{FF2B5EF4-FFF2-40B4-BE49-F238E27FC236}">
+                <a16:creationId xmlns:a16="http://schemas.microsoft.com/office/drawing/2014/main" id="{7AB01FC0-E9A0-40AE-8EDB-F3C2BD4EAEA0}"/>
+              </a:ext>
+            </a:extLst>
+          </p:cNvPr>
+          <p:cNvSpPr txBox="1"/>
+          <p:nvPr/>
+        </p:nvSpPr>
+        <p:spPr>
+          <a:xfrm>
+            <a:off x="1165861" y="3576018"/>
+            <a:ext cx="6097772" cy="2308324"/>
+          </a:xfrm>
+          <a:prstGeom prst="rect">
+            <a:avLst/>
+          </a:prstGeom>
+          <a:noFill/>
+        </p:spPr>
+        <p:txBody>
+          <a:bodyPr wrap="square">
+            <a:spAutoFit/>
+          </a:bodyPr>
+          <a:lstStyle/>
+          <a:p>
+            <a:pPr marL="285750" indent="-285750">
+              <a:buFont typeface="Arial" panose="020B0604020202020204" pitchFamily="34" charset="0"/>
+              <a:buChar char="•"/>
+            </a:pPr>
+            <a:endParaRPr lang="en-PH" sz="3600" dirty="0"/>
+          </a:p>
+          <a:p>
+            <a:pPr marL="285750" indent="-285750">
+              <a:buFont typeface="Arial" panose="020B0604020202020204" pitchFamily="34" charset="0"/>
+              <a:buChar char="•"/>
+            </a:pPr>
+            <a:r>
+              <a:rPr lang="en-PH" sz="3600" dirty="0" err="1"/>
+              <a:t>Divs</a:t>
+            </a:r>
+            <a:r>
+              <a:rPr lang="en-PH" sz="3600" dirty="0"/>
+              <a:t> are block element</a:t>
+            </a:r>
+          </a:p>
+          <a:p>
+            <a:pPr marL="285750" indent="-285750">
+              <a:buFont typeface="Arial" panose="020B0604020202020204" pitchFamily="34" charset="0"/>
+              <a:buChar char="•"/>
+            </a:pPr>
+            <a:endParaRPr lang="en-PH" sz="3600" dirty="0"/>
+          </a:p>
+          <a:p>
+            <a:pPr marL="285750" indent="-285750">
+              <a:buFont typeface="Arial" panose="020B0604020202020204" pitchFamily="34" charset="0"/>
+              <a:buChar char="•"/>
+            </a:pPr>
+            <a:r>
+              <a:rPr lang="en-PH" sz="3600" dirty="0"/>
+              <a:t>Span are inline element </a:t>
+            </a:r>
+          </a:p>
+        </p:txBody>
+      </p:sp>
+    </p:spTree>
+    <p:extLst>
+      <p:ext uri="{BB962C8B-B14F-4D97-AF65-F5344CB8AC3E}">
+        <p14:creationId xmlns:p14="http://schemas.microsoft.com/office/powerpoint/2010/main" val="141115170"/>
+      </p:ext>
+    </p:extLst>
+  </p:cSld>
+  <p:clrMapOvr>
+    <a:masterClrMapping/>
+  </p:clrMapOvr>
+  <p:timing>
+    <p:tnLst>
+      <p:par>
+        <p:cTn id="1" dur="indefinite" restart="never" nodeType="tmRoot">
+          <p:childTnLst>
+            <p:seq concurrent="1" nextAc="seek">
+              <p:cTn id="2" dur="indefinite" nodeType="mainSeq">
+                <p:childTnLst>
+                  <p:par>
+                    <p:cTn id="3" fill="hold">
+                      <p:stCondLst>
+                        <p:cond delay="indefinite"/>
+                      </p:stCondLst>
+                      <p:childTnLst>
+                        <p:par>
+                          <p:cTn id="4" fill="hold">
+                            <p:stCondLst>
+                              <p:cond delay="0"/>
+                            </p:stCondLst>
+                            <p:childTnLst>
+                              <p:par>
+                                <p:cTn id="5" presetID="1" presetClass="entr" presetSubtype="0" fill="hold" grpId="0" nodeType="clickEffect">
+                                  <p:stCondLst>
+                                    <p:cond delay="0"/>
+                                  </p:stCondLst>
+                                  <p:childTnLst>
+                                    <p:set>
+                                      <p:cBhvr>
+                                        <p:cTn id="6" dur="1" fill="hold">
+                                          <p:stCondLst>
+                                            <p:cond delay="0"/>
+                                          </p:stCondLst>
+                                        </p:cTn>
+                                        <p:tgtEl>
+                                          <p:spTgt spid="5"/>
+                                        </p:tgtEl>
+                                        <p:attrNameLst>
+                                          <p:attrName>style.visibility</p:attrName>
+                                        </p:attrNameLst>
+                                      </p:cBhvr>
+                                      <p:to>
+                                        <p:strVal val="visible"/>
+                                      </p:to>
+                                    </p:set>
+                                  </p:childTnLst>
+                                </p:cTn>
+                              </p:par>
+                            </p:childTnLst>
+                          </p:cTn>
+                        </p:par>
+                      </p:childTnLst>
+                    </p:cTn>
+                  </p:par>
+                  <p:par>
+                    <p:cTn id="7" fill="hold">
+                      <p:stCondLst>
+                        <p:cond delay="indefinite"/>
+                      </p:stCondLst>
+                      <p:childTnLst>
+                        <p:par>
+                          <p:cTn id="8" fill="hold">
+                            <p:stCondLst>
+                              <p:cond delay="0"/>
+                            </p:stCondLst>
+                            <p:childTnLst>
+                              <p:par>
+                                <p:cTn id="9" presetID="1" presetClass="entr" presetSubtype="0" fill="hold" grpId="0" nodeType="clickEffect">
+                                  <p:stCondLst>
+                                    <p:cond delay="0"/>
+                                  </p:stCondLst>
+                                  <p:childTnLst>
+                                    <p:set>
+                                      <p:cBhvr>
+                                        <p:cTn id="10" dur="1" fill="hold">
+                                          <p:stCondLst>
+                                            <p:cond delay="0"/>
+                                          </p:stCondLst>
+                                        </p:cTn>
+                                        <p:tgtEl>
+                                          <p:spTgt spid="7"/>
+                                        </p:tgtEl>
+                                        <p:attrNameLst>
+                                          <p:attrName>style.visibility</p:attrName>
+                                        </p:attrNameLst>
+                                      </p:cBhvr>
+                                      <p:to>
+                                        <p:strVal val="visible"/>
+                                      </p:to>
+                                    </p:set>
+                                  </p:childTnLst>
+                                </p:cTn>
+                              </p:par>
+                            </p:childTnLst>
+                          </p:cTn>
+                        </p:par>
+                      </p:childTnLst>
+                    </p:cTn>
+                  </p:par>
+                </p:childTnLst>
+              </p:cTn>
+              <p:prevCondLst>
+                <p:cond evt="onPrev" delay="0">
+                  <p:tgtEl>
+                    <p:sldTgt/>
+                  </p:tgtEl>
+                </p:cond>
+              </p:prevCondLst>
+              <p:nextCondLst>
+                <p:cond evt="onNext" delay="0">
+                  <p:tgtEl>
+                    <p:sldTgt/>
+                  </p:tgtEl>
+                </p:cond>
+              </p:nextCondLst>
+            </p:seq>
+          </p:childTnLst>
+        </p:cTn>
+      </p:par>
+    </p:tnLst>
+    <p:bldLst>
+      <p:bldP spid="5" grpId="0"/>
+      <p:bldP spid="7" grpId="0"/>
+    </p:bldLst>
+  </p:timing>
+</p:sld>
+</file>
+
+<file path=ppt/slides/slide34.xml><?xml version="1.0" encoding="utf-8"?>
+<p:sld xmlns:a="http://schemas.openxmlformats.org/drawingml/2006/main" xmlns:r="http://schemas.openxmlformats.org/officeDocument/2006/relationships" xmlns:p="http://schemas.openxmlformats.org/presentationml/2006/main">
+  <p:cSld>
+    <p:spTree>
+      <p:nvGrpSpPr>
+        <p:cNvPr id="1" name=""/>
+        <p:cNvGrpSpPr/>
+        <p:nvPr/>
+      </p:nvGrpSpPr>
+      <p:grpSpPr>
+        <a:xfrm>
+          <a:off x="0" y="0"/>
+          <a:ext cx="0" cy="0"/>
+          <a:chOff x="0" y="0"/>
+          <a:chExt cx="0" cy="0"/>
+        </a:xfrm>
+      </p:grpSpPr>
+      <p:sp>
+        <p:nvSpPr>
+          <p:cNvPr id="2" name="Title 1">
+            <a:extLst>
+              <a:ext uri="{FF2B5EF4-FFF2-40B4-BE49-F238E27FC236}">
+                <a16:creationId xmlns:a16="http://schemas.microsoft.com/office/drawing/2014/main" id="{6D6C252D-952B-4473-A676-99B64DC8E06B}"/>
+              </a:ext>
+            </a:extLst>
+          </p:cNvPr>
+          <p:cNvSpPr>
+            <a:spLocks noGrp="1"/>
+          </p:cNvSpPr>
+          <p:nvPr>
+            <p:ph type="title"/>
+          </p:nvPr>
+        </p:nvSpPr>
+        <p:spPr>
+          <a:xfrm>
+            <a:off x="1007177" y="697319"/>
+            <a:ext cx="3763926" cy="1485900"/>
+          </a:xfrm>
+        </p:spPr>
+        <p:txBody>
+          <a:bodyPr/>
+          <a:lstStyle/>
+          <a:p>
+            <a:r>
+              <a:rPr lang="en-PH" dirty="0"/>
+              <a:t>Block element</a:t>
+            </a:r>
+          </a:p>
+        </p:txBody>
+      </p:sp>
+      <p:pic>
+        <p:nvPicPr>
+          <p:cNvPr id="5" name="Picture 4">
+            <a:extLst>
+              <a:ext uri="{FF2B5EF4-FFF2-40B4-BE49-F238E27FC236}">
+                <a16:creationId xmlns:a16="http://schemas.microsoft.com/office/drawing/2014/main" id="{554641E5-0305-4779-991F-3C3E5E4B9B7A}"/>
+              </a:ext>
+            </a:extLst>
+          </p:cNvPr>
+          <p:cNvPicPr>
+            <a:picLocks noChangeAspect="1"/>
+          </p:cNvPicPr>
+          <p:nvPr/>
+        </p:nvPicPr>
+        <p:blipFill>
+          <a:blip r:embed="rId2"/>
+          <a:stretch>
+            <a:fillRect/>
+          </a:stretch>
+        </p:blipFill>
+        <p:spPr>
+          <a:xfrm>
+            <a:off x="1371600" y="4091139"/>
+            <a:ext cx="9376648" cy="2221916"/>
+          </a:xfrm>
+          <a:prstGeom prst="rect">
+            <a:avLst/>
+          </a:prstGeom>
+        </p:spPr>
+      </p:pic>
+      <p:sp>
+        <p:nvSpPr>
+          <p:cNvPr id="6" name="Rectangle 5">
+            <a:extLst>
+              <a:ext uri="{FF2B5EF4-FFF2-40B4-BE49-F238E27FC236}">
+                <a16:creationId xmlns:a16="http://schemas.microsoft.com/office/drawing/2014/main" id="{378A7F8F-7DBF-447F-869B-E897AC0457B6}"/>
+              </a:ext>
+            </a:extLst>
+          </p:cNvPr>
+          <p:cNvSpPr/>
+          <p:nvPr/>
+        </p:nvSpPr>
+        <p:spPr>
+          <a:xfrm>
+            <a:off x="1371600" y="1416197"/>
+            <a:ext cx="2453833" cy="1006997"/>
+          </a:xfrm>
+          <a:prstGeom prst="rect">
+            <a:avLst/>
+          </a:prstGeom>
+        </p:spPr>
+        <p:style>
+          <a:lnRef idx="2">
+            <a:schemeClr val="accent1">
+              <a:shade val="50000"/>
+            </a:schemeClr>
+          </a:lnRef>
+          <a:fillRef idx="1">
+            <a:schemeClr val="accent1"/>
+          </a:fillRef>
+          <a:effectRef idx="0">
+            <a:schemeClr val="accent1"/>
+          </a:effectRef>
+          <a:fontRef idx="minor">
+            <a:schemeClr val="lt1"/>
+          </a:fontRef>
+        </p:style>
+        <p:txBody>
+          <a:bodyPr rtlCol="0" anchor="ctr"/>
+          <a:lstStyle/>
+          <a:p>
+            <a:pPr algn="ctr"/>
+            <a:endParaRPr lang="en-PH"/>
+          </a:p>
+        </p:txBody>
+      </p:sp>
+      <p:sp>
+        <p:nvSpPr>
+          <p:cNvPr id="7" name="Rectangle 6">
+            <a:extLst>
+              <a:ext uri="{FF2B5EF4-FFF2-40B4-BE49-F238E27FC236}">
+                <a16:creationId xmlns:a16="http://schemas.microsoft.com/office/drawing/2014/main" id="{F97C4599-7B10-4A98-81B2-82DDCF0E85B3}"/>
+              </a:ext>
+            </a:extLst>
+          </p:cNvPr>
+          <p:cNvSpPr/>
+          <p:nvPr/>
+        </p:nvSpPr>
+        <p:spPr>
+          <a:xfrm>
+            <a:off x="1371599" y="2422003"/>
+            <a:ext cx="2453833" cy="1006997"/>
+          </a:xfrm>
+          <a:prstGeom prst="rect">
+            <a:avLst/>
+          </a:prstGeom>
+        </p:spPr>
+        <p:style>
+          <a:lnRef idx="2">
+            <a:schemeClr val="accent2">
+              <a:shade val="50000"/>
+            </a:schemeClr>
+          </a:lnRef>
+          <a:fillRef idx="1">
+            <a:schemeClr val="accent2"/>
+          </a:fillRef>
+          <a:effectRef idx="0">
+            <a:schemeClr val="accent2"/>
+          </a:effectRef>
+          <a:fontRef idx="minor">
+            <a:schemeClr val="lt1"/>
+          </a:fontRef>
+        </p:style>
+        <p:txBody>
+          <a:bodyPr rtlCol="0" anchor="ctr"/>
+          <a:lstStyle/>
+          <a:p>
+            <a:pPr algn="ctr"/>
+            <a:endParaRPr lang="en-PH"/>
+          </a:p>
+        </p:txBody>
+      </p:sp>
+      <p:sp>
+        <p:nvSpPr>
+          <p:cNvPr id="12" name="Title 1">
+            <a:extLst>
+              <a:ext uri="{FF2B5EF4-FFF2-40B4-BE49-F238E27FC236}">
+                <a16:creationId xmlns:a16="http://schemas.microsoft.com/office/drawing/2014/main" id="{2BACA1BC-2CD4-45B8-8D6A-860533A1F062}"/>
+              </a:ext>
+            </a:extLst>
+          </p:cNvPr>
+          <p:cNvSpPr txBox="1">
+            <a:spLocks/>
+          </p:cNvSpPr>
+          <p:nvPr/>
+        </p:nvSpPr>
+        <p:spPr>
+          <a:xfrm>
+            <a:off x="1700063" y="1703125"/>
+            <a:ext cx="1796904" cy="690433"/>
+          </a:xfrm>
+          <a:prstGeom prst="rect">
+            <a:avLst/>
+          </a:prstGeom>
+        </p:spPr>
+        <p:txBody>
+          <a:bodyPr vert="horz" lIns="91440" tIns="45720" rIns="91440" bIns="45720" rtlCol="0" anchor="t">
+            <a:normAutofit/>
+          </a:bodyPr>
+          <a:lstStyle>
+            <a:lvl1pPr algn="l" defTabSz="914400" rtl="0" eaLnBrk="1" latinLnBrk="0" hangingPunct="1">
+              <a:lnSpc>
+                <a:spcPct val="89000"/>
+              </a:lnSpc>
+              <a:spcBef>
+                <a:spcPct val="0"/>
+              </a:spcBef>
+              <a:buNone/>
+              <a:defRPr sz="4400" kern="1200" baseline="0">
+                <a:solidFill>
+                  <a:schemeClr val="tx2"/>
+                </a:solidFill>
+                <a:latin typeface="+mj-lt"/>
+                <a:ea typeface="+mj-ea"/>
+                <a:cs typeface="+mj-cs"/>
+              </a:defRPr>
+            </a:lvl1pPr>
+          </a:lstStyle>
+          <a:p>
+            <a:r>
+              <a:rPr lang="en-PH" sz="2800" dirty="0"/>
+              <a:t>Element 1</a:t>
+            </a:r>
+          </a:p>
+        </p:txBody>
+      </p:sp>
+      <p:sp>
+        <p:nvSpPr>
+          <p:cNvPr id="13" name="Title 1">
+            <a:extLst>
+              <a:ext uri="{FF2B5EF4-FFF2-40B4-BE49-F238E27FC236}">
+                <a16:creationId xmlns:a16="http://schemas.microsoft.com/office/drawing/2014/main" id="{5FAA2843-3F9A-4D2E-9D78-C36CC516D9B5}"/>
+              </a:ext>
+            </a:extLst>
+          </p:cNvPr>
+          <p:cNvSpPr txBox="1">
+            <a:spLocks/>
+          </p:cNvSpPr>
+          <p:nvPr/>
+        </p:nvSpPr>
+        <p:spPr>
+          <a:xfrm>
+            <a:off x="1700063" y="2710480"/>
+            <a:ext cx="1796904" cy="690433"/>
+          </a:xfrm>
+          <a:prstGeom prst="rect">
+            <a:avLst/>
+          </a:prstGeom>
+        </p:spPr>
+        <p:txBody>
+          <a:bodyPr vert="horz" lIns="91440" tIns="45720" rIns="91440" bIns="45720" rtlCol="0" anchor="t">
+            <a:normAutofit/>
+          </a:bodyPr>
+          <a:lstStyle>
+            <a:lvl1pPr algn="l" defTabSz="914400" rtl="0" eaLnBrk="1" latinLnBrk="0" hangingPunct="1">
+              <a:lnSpc>
+                <a:spcPct val="89000"/>
+              </a:lnSpc>
+              <a:spcBef>
+                <a:spcPct val="0"/>
+              </a:spcBef>
+              <a:buNone/>
+              <a:defRPr sz="4400" kern="1200" baseline="0">
+                <a:solidFill>
+                  <a:schemeClr val="tx2"/>
+                </a:solidFill>
+                <a:latin typeface="+mj-lt"/>
+                <a:ea typeface="+mj-ea"/>
+                <a:cs typeface="+mj-cs"/>
+              </a:defRPr>
+            </a:lvl1pPr>
+          </a:lstStyle>
+          <a:p>
+            <a:r>
+              <a:rPr lang="en-PH" sz="2800" dirty="0"/>
+              <a:t>Element 2</a:t>
+            </a:r>
+          </a:p>
+        </p:txBody>
+      </p:sp>
+      <p:sp>
+        <p:nvSpPr>
+          <p:cNvPr id="17" name="Title 1">
+            <a:extLst>
+              <a:ext uri="{FF2B5EF4-FFF2-40B4-BE49-F238E27FC236}">
+                <a16:creationId xmlns:a16="http://schemas.microsoft.com/office/drawing/2014/main" id="{77DE36FC-9EAA-4749-A2E9-3ACA9B657117}"/>
+              </a:ext>
+            </a:extLst>
+          </p:cNvPr>
+          <p:cNvSpPr txBox="1">
+            <a:spLocks/>
+          </p:cNvSpPr>
+          <p:nvPr/>
+        </p:nvSpPr>
+        <p:spPr>
+          <a:xfrm>
+            <a:off x="6319283" y="845081"/>
+            <a:ext cx="3763926" cy="1485900"/>
+          </a:xfrm>
+          <a:prstGeom prst="rect">
+            <a:avLst/>
+          </a:prstGeom>
+        </p:spPr>
+        <p:txBody>
+          <a:bodyPr vert="horz" lIns="91440" tIns="45720" rIns="91440" bIns="45720" rtlCol="0" anchor="t">
+            <a:normAutofit/>
+          </a:bodyPr>
+          <a:lstStyle>
+            <a:lvl1pPr algn="l" defTabSz="914400" rtl="0" eaLnBrk="1" latinLnBrk="0" hangingPunct="1">
+              <a:lnSpc>
+                <a:spcPct val="89000"/>
+              </a:lnSpc>
+              <a:spcBef>
+                <a:spcPct val="0"/>
+              </a:spcBef>
+              <a:buNone/>
+              <a:defRPr sz="4400" kern="1200" baseline="0">
+                <a:solidFill>
+                  <a:schemeClr val="tx2"/>
+                </a:solidFill>
+                <a:latin typeface="+mj-lt"/>
+                <a:ea typeface="+mj-ea"/>
+                <a:cs typeface="+mj-cs"/>
+              </a:defRPr>
+            </a:lvl1pPr>
+          </a:lstStyle>
+          <a:p>
+            <a:r>
+              <a:rPr lang="en-PH" dirty="0"/>
+              <a:t>Inline element</a:t>
+            </a:r>
+          </a:p>
+        </p:txBody>
+      </p:sp>
+      <p:sp>
+        <p:nvSpPr>
+          <p:cNvPr id="18" name="Rectangle 17">
+            <a:extLst>
+              <a:ext uri="{FF2B5EF4-FFF2-40B4-BE49-F238E27FC236}">
+                <a16:creationId xmlns:a16="http://schemas.microsoft.com/office/drawing/2014/main" id="{BE9A7DB5-14B4-4468-84F4-B1B9ACB97BBE}"/>
+              </a:ext>
+            </a:extLst>
+          </p:cNvPr>
+          <p:cNvSpPr/>
+          <p:nvPr/>
+        </p:nvSpPr>
+        <p:spPr>
+          <a:xfrm>
+            <a:off x="5426151" y="1655053"/>
+            <a:ext cx="2453833" cy="1006997"/>
+          </a:xfrm>
+          <a:prstGeom prst="rect">
+            <a:avLst/>
+          </a:prstGeom>
+        </p:spPr>
+        <p:style>
+          <a:lnRef idx="2">
+            <a:schemeClr val="accent1">
+              <a:shade val="50000"/>
+            </a:schemeClr>
+          </a:lnRef>
+          <a:fillRef idx="1">
+            <a:schemeClr val="accent1"/>
+          </a:fillRef>
+          <a:effectRef idx="0">
+            <a:schemeClr val="accent1"/>
+          </a:effectRef>
+          <a:fontRef idx="minor">
+            <a:schemeClr val="lt1"/>
+          </a:fontRef>
+        </p:style>
+        <p:txBody>
+          <a:bodyPr rtlCol="0" anchor="ctr"/>
+          <a:lstStyle/>
+          <a:p>
+            <a:pPr algn="ctr"/>
+            <a:endParaRPr lang="en-PH"/>
+          </a:p>
+        </p:txBody>
+      </p:sp>
+      <p:sp>
+        <p:nvSpPr>
+          <p:cNvPr id="19" name="Rectangle 18">
+            <a:extLst>
+              <a:ext uri="{FF2B5EF4-FFF2-40B4-BE49-F238E27FC236}">
+                <a16:creationId xmlns:a16="http://schemas.microsoft.com/office/drawing/2014/main" id="{554DA602-23F0-478A-A9CB-568AE9176E03}"/>
+              </a:ext>
+            </a:extLst>
+          </p:cNvPr>
+          <p:cNvSpPr/>
+          <p:nvPr/>
+        </p:nvSpPr>
+        <p:spPr>
+          <a:xfrm>
+            <a:off x="7879981" y="1661225"/>
+            <a:ext cx="2453833" cy="1006997"/>
+          </a:xfrm>
+          <a:prstGeom prst="rect">
+            <a:avLst/>
+          </a:prstGeom>
+        </p:spPr>
+        <p:style>
+          <a:lnRef idx="2">
+            <a:schemeClr val="accent2">
+              <a:shade val="50000"/>
+            </a:schemeClr>
+          </a:lnRef>
+          <a:fillRef idx="1">
+            <a:schemeClr val="accent2"/>
+          </a:fillRef>
+          <a:effectRef idx="0">
+            <a:schemeClr val="accent2"/>
+          </a:effectRef>
+          <a:fontRef idx="minor">
+            <a:schemeClr val="lt1"/>
+          </a:fontRef>
+        </p:style>
+        <p:txBody>
+          <a:bodyPr rtlCol="0" anchor="ctr"/>
+          <a:lstStyle/>
+          <a:p>
+            <a:pPr algn="ctr"/>
+            <a:endParaRPr lang="en-PH"/>
+          </a:p>
+        </p:txBody>
+      </p:sp>
+      <p:sp>
+        <p:nvSpPr>
+          <p:cNvPr id="20" name="Title 1">
+            <a:extLst>
+              <a:ext uri="{FF2B5EF4-FFF2-40B4-BE49-F238E27FC236}">
+                <a16:creationId xmlns:a16="http://schemas.microsoft.com/office/drawing/2014/main" id="{3B418824-3717-4DDE-B4C9-398180F32A56}"/>
+              </a:ext>
+            </a:extLst>
+          </p:cNvPr>
+          <p:cNvSpPr txBox="1">
+            <a:spLocks/>
+          </p:cNvSpPr>
+          <p:nvPr/>
+        </p:nvSpPr>
+        <p:spPr>
+          <a:xfrm>
+            <a:off x="5754614" y="1941981"/>
+            <a:ext cx="1796904" cy="690433"/>
+          </a:xfrm>
+          <a:prstGeom prst="rect">
+            <a:avLst/>
+          </a:prstGeom>
+        </p:spPr>
+        <p:txBody>
+          <a:bodyPr vert="horz" lIns="91440" tIns="45720" rIns="91440" bIns="45720" rtlCol="0" anchor="t">
+            <a:normAutofit/>
+          </a:bodyPr>
+          <a:lstStyle>
+            <a:lvl1pPr algn="l" defTabSz="914400" rtl="0" eaLnBrk="1" latinLnBrk="0" hangingPunct="1">
+              <a:lnSpc>
+                <a:spcPct val="89000"/>
+              </a:lnSpc>
+              <a:spcBef>
+                <a:spcPct val="0"/>
+              </a:spcBef>
+              <a:buNone/>
+              <a:defRPr sz="4400" kern="1200" baseline="0">
+                <a:solidFill>
+                  <a:schemeClr val="tx2"/>
+                </a:solidFill>
+                <a:latin typeface="+mj-lt"/>
+                <a:ea typeface="+mj-ea"/>
+                <a:cs typeface="+mj-cs"/>
+              </a:defRPr>
+            </a:lvl1pPr>
+          </a:lstStyle>
+          <a:p>
+            <a:r>
+              <a:rPr lang="en-PH" sz="2800" dirty="0"/>
+              <a:t>Element 1</a:t>
+            </a:r>
+          </a:p>
+        </p:txBody>
+      </p:sp>
+      <p:sp>
+        <p:nvSpPr>
+          <p:cNvPr id="21" name="Title 1">
+            <a:extLst>
+              <a:ext uri="{FF2B5EF4-FFF2-40B4-BE49-F238E27FC236}">
+                <a16:creationId xmlns:a16="http://schemas.microsoft.com/office/drawing/2014/main" id="{07B17FCF-3E88-4676-8459-80D41B5DD1F3}"/>
+              </a:ext>
+            </a:extLst>
+          </p:cNvPr>
+          <p:cNvSpPr txBox="1">
+            <a:spLocks/>
+          </p:cNvSpPr>
+          <p:nvPr/>
+        </p:nvSpPr>
+        <p:spPr>
+          <a:xfrm>
+            <a:off x="8208445" y="1949702"/>
+            <a:ext cx="1796904" cy="690433"/>
+          </a:xfrm>
+          <a:prstGeom prst="rect">
+            <a:avLst/>
+          </a:prstGeom>
+        </p:spPr>
+        <p:txBody>
+          <a:bodyPr vert="horz" lIns="91440" tIns="45720" rIns="91440" bIns="45720" rtlCol="0" anchor="t">
+            <a:normAutofit/>
+          </a:bodyPr>
+          <a:lstStyle>
+            <a:lvl1pPr algn="l" defTabSz="914400" rtl="0" eaLnBrk="1" latinLnBrk="0" hangingPunct="1">
+              <a:lnSpc>
+                <a:spcPct val="89000"/>
+              </a:lnSpc>
+              <a:spcBef>
+                <a:spcPct val="0"/>
+              </a:spcBef>
+              <a:buNone/>
+              <a:defRPr sz="4400" kern="1200" baseline="0">
+                <a:solidFill>
+                  <a:schemeClr val="tx2"/>
+                </a:solidFill>
+                <a:latin typeface="+mj-lt"/>
+                <a:ea typeface="+mj-ea"/>
+                <a:cs typeface="+mj-cs"/>
+              </a:defRPr>
+            </a:lvl1pPr>
+          </a:lstStyle>
+          <a:p>
+            <a:r>
+              <a:rPr lang="en-PH" sz="2800" dirty="0"/>
+              <a:t>Element 2</a:t>
+            </a:r>
+          </a:p>
+        </p:txBody>
+      </p:sp>
+    </p:spTree>
+    <p:extLst>
+      <p:ext uri="{BB962C8B-B14F-4D97-AF65-F5344CB8AC3E}">
+        <p14:creationId xmlns:p14="http://schemas.microsoft.com/office/powerpoint/2010/main" val="1025618152"/>
+      </p:ext>
+    </p:extLst>
+  </p:cSld>
+  <p:clrMapOvr>
+    <a:masterClrMapping/>
+  </p:clrMapOvr>
+  <p:timing>
+    <p:tnLst>
+      <p:par>
+        <p:cTn id="1" dur="indefinite" restart="never" nodeType="tmRoot">
+          <p:childTnLst>
+            <p:seq concurrent="1" nextAc="seek">
+              <p:cTn id="2" dur="indefinite" nodeType="mainSeq">
+                <p:childTnLst>
+                  <p:par>
+                    <p:cTn id="3" fill="hold">
+                      <p:stCondLst>
+                        <p:cond delay="indefinite"/>
+                      </p:stCondLst>
+                      <p:childTnLst>
+                        <p:par>
+                          <p:cTn id="4" fill="hold">
+                            <p:stCondLst>
+                              <p:cond delay="0"/>
+                            </p:stCondLst>
+                            <p:childTnLst>
+                              <p:par>
+                                <p:cTn id="5" presetID="1" presetClass="entr" presetSubtype="0" fill="hold" grpId="0" nodeType="clickEffect">
+                                  <p:stCondLst>
+                                    <p:cond delay="0"/>
+                                  </p:stCondLst>
+                                  <p:childTnLst>
+                                    <p:set>
+                                      <p:cBhvr>
+                                        <p:cTn id="6" dur="1" fill="hold">
+                                          <p:stCondLst>
+                                            <p:cond delay="0"/>
+                                          </p:stCondLst>
+                                        </p:cTn>
+                                        <p:tgtEl>
+                                          <p:spTgt spid="2"/>
+                                        </p:tgtEl>
+                                        <p:attrNameLst>
+                                          <p:attrName>style.visibility</p:attrName>
+                                        </p:attrNameLst>
+                                      </p:cBhvr>
+                                      <p:to>
+                                        <p:strVal val="visible"/>
+                                      </p:to>
+                                    </p:set>
+                                  </p:childTnLst>
+                                </p:cTn>
+                              </p:par>
+                              <p:par>
+                                <p:cTn id="7" presetID="1" presetClass="entr" presetSubtype="0" fill="hold" grpId="0" nodeType="withEffect">
+                                  <p:stCondLst>
+                                    <p:cond delay="0"/>
+                                  </p:stCondLst>
+                                  <p:childTnLst>
+                                    <p:set>
+                                      <p:cBhvr>
+                                        <p:cTn id="8" dur="1" fill="hold">
+                                          <p:stCondLst>
+                                            <p:cond delay="0"/>
+                                          </p:stCondLst>
+                                        </p:cTn>
+                                        <p:tgtEl>
+                                          <p:spTgt spid="6"/>
+                                        </p:tgtEl>
+                                        <p:attrNameLst>
+                                          <p:attrName>style.visibility</p:attrName>
+                                        </p:attrNameLst>
+                                      </p:cBhvr>
+                                      <p:to>
+                                        <p:strVal val="visible"/>
+                                      </p:to>
+                                    </p:set>
+                                  </p:childTnLst>
+                                </p:cTn>
+                              </p:par>
+                              <p:par>
+                                <p:cTn id="9" presetID="1" presetClass="entr" presetSubtype="0" fill="hold" grpId="0" nodeType="withEffect">
+                                  <p:stCondLst>
+                                    <p:cond delay="0"/>
+                                  </p:stCondLst>
+                                  <p:childTnLst>
+                                    <p:set>
+                                      <p:cBhvr>
+                                        <p:cTn id="10" dur="1" fill="hold">
+                                          <p:stCondLst>
+                                            <p:cond delay="0"/>
+                                          </p:stCondLst>
+                                        </p:cTn>
+                                        <p:tgtEl>
+                                          <p:spTgt spid="7"/>
+                                        </p:tgtEl>
+                                        <p:attrNameLst>
+                                          <p:attrName>style.visibility</p:attrName>
+                                        </p:attrNameLst>
+                                      </p:cBhvr>
+                                      <p:to>
+                                        <p:strVal val="visible"/>
+                                      </p:to>
+                                    </p:set>
+                                  </p:childTnLst>
+                                </p:cTn>
+                              </p:par>
+                              <p:par>
+                                <p:cTn id="11" presetID="1" presetClass="entr" presetSubtype="0" fill="hold" grpId="0" nodeType="withEffect">
+                                  <p:stCondLst>
+                                    <p:cond delay="0"/>
+                                  </p:stCondLst>
+                                  <p:childTnLst>
+                                    <p:set>
+                                      <p:cBhvr>
+                                        <p:cTn id="12" dur="1" fill="hold">
+                                          <p:stCondLst>
+                                            <p:cond delay="0"/>
+                                          </p:stCondLst>
+                                        </p:cTn>
+                                        <p:tgtEl>
+                                          <p:spTgt spid="12"/>
+                                        </p:tgtEl>
+                                        <p:attrNameLst>
+                                          <p:attrName>style.visibility</p:attrName>
+                                        </p:attrNameLst>
+                                      </p:cBhvr>
+                                      <p:to>
+                                        <p:strVal val="visible"/>
+                                      </p:to>
+                                    </p:set>
+                                  </p:childTnLst>
+                                </p:cTn>
+                              </p:par>
+                              <p:par>
+                                <p:cTn id="13" presetID="1" presetClass="entr" presetSubtype="0" fill="hold" grpId="0" nodeType="withEffect">
+                                  <p:stCondLst>
+                                    <p:cond delay="0"/>
+                                  </p:stCondLst>
+                                  <p:childTnLst>
+                                    <p:set>
+                                      <p:cBhvr>
+                                        <p:cTn id="14" dur="1" fill="hold">
+                                          <p:stCondLst>
+                                            <p:cond delay="0"/>
+                                          </p:stCondLst>
+                                        </p:cTn>
+                                        <p:tgtEl>
+                                          <p:spTgt spid="13"/>
+                                        </p:tgtEl>
+                                        <p:attrNameLst>
+                                          <p:attrName>style.visibility</p:attrName>
+                                        </p:attrNameLst>
+                                      </p:cBhvr>
+                                      <p:to>
+                                        <p:strVal val="visible"/>
+                                      </p:to>
+                                    </p:set>
+                                  </p:childTnLst>
+                                </p:cTn>
+                              </p:par>
+                            </p:childTnLst>
+                          </p:cTn>
+                        </p:par>
+                      </p:childTnLst>
+                    </p:cTn>
+                  </p:par>
+                  <p:par>
+                    <p:cTn id="15" fill="hold">
+                      <p:stCondLst>
+                        <p:cond delay="indefinite"/>
+                      </p:stCondLst>
+                      <p:childTnLst>
+                        <p:par>
+                          <p:cTn id="16" fill="hold">
+                            <p:stCondLst>
+                              <p:cond delay="0"/>
+                            </p:stCondLst>
+                            <p:childTnLst>
+                              <p:par>
+                                <p:cTn id="17" presetID="1" presetClass="entr" presetSubtype="0" fill="hold" grpId="0" nodeType="clickEffect">
+                                  <p:stCondLst>
+                                    <p:cond delay="0"/>
+                                  </p:stCondLst>
+                                  <p:childTnLst>
+                                    <p:set>
+                                      <p:cBhvr>
+                                        <p:cTn id="18" dur="1" fill="hold">
+                                          <p:stCondLst>
+                                            <p:cond delay="0"/>
+                                          </p:stCondLst>
+                                        </p:cTn>
+                                        <p:tgtEl>
+                                          <p:spTgt spid="17"/>
+                                        </p:tgtEl>
+                                        <p:attrNameLst>
+                                          <p:attrName>style.visibility</p:attrName>
+                                        </p:attrNameLst>
+                                      </p:cBhvr>
+                                      <p:to>
+                                        <p:strVal val="visible"/>
+                                      </p:to>
+                                    </p:set>
+                                  </p:childTnLst>
+                                </p:cTn>
+                              </p:par>
+                              <p:par>
+                                <p:cTn id="19" presetID="1" presetClass="entr" presetSubtype="0" fill="hold" grpId="0" nodeType="withEffect">
+                                  <p:stCondLst>
+                                    <p:cond delay="0"/>
+                                  </p:stCondLst>
+                                  <p:childTnLst>
+                                    <p:set>
+                                      <p:cBhvr>
+                                        <p:cTn id="20" dur="1" fill="hold">
+                                          <p:stCondLst>
+                                            <p:cond delay="0"/>
+                                          </p:stCondLst>
+                                        </p:cTn>
+                                        <p:tgtEl>
+                                          <p:spTgt spid="18"/>
+                                        </p:tgtEl>
+                                        <p:attrNameLst>
+                                          <p:attrName>style.visibility</p:attrName>
+                                        </p:attrNameLst>
+                                      </p:cBhvr>
+                                      <p:to>
+                                        <p:strVal val="visible"/>
+                                      </p:to>
+                                    </p:set>
+                                  </p:childTnLst>
+                                </p:cTn>
+                              </p:par>
+                              <p:par>
+                                <p:cTn id="21" presetID="1" presetClass="entr" presetSubtype="0" fill="hold" grpId="0" nodeType="withEffect">
+                                  <p:stCondLst>
+                                    <p:cond delay="0"/>
+                                  </p:stCondLst>
+                                  <p:childTnLst>
+                                    <p:set>
+                                      <p:cBhvr>
+                                        <p:cTn id="22" dur="1" fill="hold">
+                                          <p:stCondLst>
+                                            <p:cond delay="0"/>
+                                          </p:stCondLst>
+                                        </p:cTn>
+                                        <p:tgtEl>
+                                          <p:spTgt spid="19"/>
+                                        </p:tgtEl>
+                                        <p:attrNameLst>
+                                          <p:attrName>style.visibility</p:attrName>
+                                        </p:attrNameLst>
+                                      </p:cBhvr>
+                                      <p:to>
+                                        <p:strVal val="visible"/>
+                                      </p:to>
+                                    </p:set>
+                                  </p:childTnLst>
+                                </p:cTn>
+                              </p:par>
+                              <p:par>
+                                <p:cTn id="23" presetID="1" presetClass="entr" presetSubtype="0" fill="hold" grpId="0" nodeType="withEffect">
+                                  <p:stCondLst>
+                                    <p:cond delay="0"/>
+                                  </p:stCondLst>
+                                  <p:childTnLst>
+                                    <p:set>
+                                      <p:cBhvr>
+                                        <p:cTn id="24" dur="1" fill="hold">
+                                          <p:stCondLst>
+                                            <p:cond delay="0"/>
+                                          </p:stCondLst>
+                                        </p:cTn>
+                                        <p:tgtEl>
+                                          <p:spTgt spid="20"/>
+                                        </p:tgtEl>
+                                        <p:attrNameLst>
+                                          <p:attrName>style.visibility</p:attrName>
+                                        </p:attrNameLst>
+                                      </p:cBhvr>
+                                      <p:to>
+                                        <p:strVal val="visible"/>
+                                      </p:to>
+                                    </p:set>
+                                  </p:childTnLst>
+                                </p:cTn>
+                              </p:par>
+                              <p:par>
+                                <p:cTn id="25" presetID="1" presetClass="entr" presetSubtype="0" fill="hold" grpId="0" nodeType="withEffect">
+                                  <p:stCondLst>
+                                    <p:cond delay="0"/>
+                                  </p:stCondLst>
+                                  <p:childTnLst>
+                                    <p:set>
+                                      <p:cBhvr>
+                                        <p:cTn id="26" dur="1" fill="hold">
+                                          <p:stCondLst>
+                                            <p:cond delay="0"/>
+                                          </p:stCondLst>
+                                        </p:cTn>
+                                        <p:tgtEl>
+                                          <p:spTgt spid="21"/>
+                                        </p:tgtEl>
+                                        <p:attrNameLst>
+                                          <p:attrName>style.visibility</p:attrName>
+                                        </p:attrNameLst>
+                                      </p:cBhvr>
+                                      <p:to>
+                                        <p:strVal val="visible"/>
+                                      </p:to>
+                                    </p:set>
+                                  </p:childTnLst>
+                                </p:cTn>
+                              </p:par>
+                            </p:childTnLst>
+                          </p:cTn>
+                        </p:par>
+                      </p:childTnLst>
+                    </p:cTn>
+                  </p:par>
+                  <p:par>
+                    <p:cTn id="27" fill="hold">
+                      <p:stCondLst>
+                        <p:cond delay="indefinite"/>
+                      </p:stCondLst>
+                      <p:childTnLst>
+                        <p:par>
+                          <p:cTn id="28" fill="hold">
+                            <p:stCondLst>
+                              <p:cond delay="0"/>
+                            </p:stCondLst>
+                            <p:childTnLst>
+                              <p:par>
+                                <p:cTn id="29" presetID="1" presetClass="entr" presetSubtype="0" fill="hold" nodeType="clickEffect">
+                                  <p:stCondLst>
+                                    <p:cond delay="0"/>
+                                  </p:stCondLst>
+                                  <p:childTnLst>
+                                    <p:set>
+                                      <p:cBhvr>
+                                        <p:cTn id="30" dur="1" fill="hold">
+                                          <p:stCondLst>
+                                            <p:cond delay="0"/>
+                                          </p:stCondLst>
+                                        </p:cTn>
+                                        <p:tgtEl>
+                                          <p:spTgt spid="5"/>
+                                        </p:tgtEl>
+                                        <p:attrNameLst>
+                                          <p:attrName>style.visibility</p:attrName>
+                                        </p:attrNameLst>
+                                      </p:cBhvr>
+                                      <p:to>
+                                        <p:strVal val="visible"/>
+                                      </p:to>
+                                    </p:set>
+                                  </p:childTnLst>
+                                </p:cTn>
+                              </p:par>
+                            </p:childTnLst>
+                          </p:cTn>
+                        </p:par>
+                      </p:childTnLst>
+                    </p:cTn>
+                  </p:par>
+                </p:childTnLst>
+              </p:cTn>
+              <p:prevCondLst>
+                <p:cond evt="onPrev" delay="0">
+                  <p:tgtEl>
+                    <p:sldTgt/>
+                  </p:tgtEl>
+                </p:cond>
+              </p:prevCondLst>
+              <p:nextCondLst>
+                <p:cond evt="onNext" delay="0">
+                  <p:tgtEl>
+                    <p:sldTgt/>
+                  </p:tgtEl>
+                </p:cond>
+              </p:nextCondLst>
+            </p:seq>
+          </p:childTnLst>
+        </p:cTn>
+      </p:par>
+    </p:tnLst>
+    <p:bldLst>
+      <p:bldP spid="2" grpId="0"/>
+      <p:bldP spid="6" grpId="0" animBg="1"/>
+      <p:bldP spid="7" grpId="0" animBg="1"/>
+      <p:bldP spid="12" grpId="0"/>
+      <p:bldP spid="13" grpId="0"/>
+      <p:bldP spid="17" grpId="0"/>
+      <p:bldP spid="18" grpId="0" animBg="1"/>
+      <p:bldP spid="19" grpId="0" animBg="1"/>
+      <p:bldP spid="20" grpId="0"/>
+      <p:bldP spid="21" grpId="0"/>
+    </p:bldLst>
+  </p:timing>
+</p:sld>
+</file>
+
+<file path=ppt/slides/slide35.xml><?xml version="1.0" encoding="utf-8"?>
+<p:sld xmlns:a="http://schemas.openxmlformats.org/drawingml/2006/main" xmlns:r="http://schemas.openxmlformats.org/officeDocument/2006/relationships" xmlns:p="http://schemas.openxmlformats.org/presentationml/2006/main">
+  <p:cSld>
+    <p:spTree>
+      <p:nvGrpSpPr>
+        <p:cNvPr id="1" name=""/>
+        <p:cNvGrpSpPr/>
+        <p:nvPr/>
+      </p:nvGrpSpPr>
+      <p:grpSpPr>
+        <a:xfrm>
+          <a:off x="0" y="0"/>
+          <a:ext cx="0" cy="0"/>
+          <a:chOff x="0" y="0"/>
+          <a:chExt cx="0" cy="0"/>
+        </a:xfrm>
+      </p:grpSpPr>
+      <p:pic>
+        <p:nvPicPr>
+          <p:cNvPr id="7" name="Content Placeholder 6">
+            <a:extLst>
+              <a:ext uri="{FF2B5EF4-FFF2-40B4-BE49-F238E27FC236}">
+                <a16:creationId xmlns:a16="http://schemas.microsoft.com/office/drawing/2014/main" id="{9BD151F9-F071-4255-B950-B9C24CD56597}"/>
+              </a:ext>
+            </a:extLst>
+          </p:cNvPr>
+          <p:cNvPicPr>
+            <a:picLocks noGrp="1" noChangeAspect="1"/>
+          </p:cNvPicPr>
+          <p:nvPr>
+            <p:ph idx="1"/>
+          </p:nvPr>
+        </p:nvPicPr>
+        <p:blipFill>
+          <a:blip r:embed="rId2"/>
+          <a:stretch>
+            <a:fillRect/>
+          </a:stretch>
+        </p:blipFill>
+        <p:spPr>
+          <a:xfrm>
+            <a:off x="5318700" y="4535070"/>
+            <a:ext cx="5897168" cy="1865815"/>
+          </a:xfrm>
+        </p:spPr>
+      </p:pic>
+      <p:pic>
+        <p:nvPicPr>
+          <p:cNvPr id="5" name="Picture 4">
+            <a:extLst>
+              <a:ext uri="{FF2B5EF4-FFF2-40B4-BE49-F238E27FC236}">
+                <a16:creationId xmlns:a16="http://schemas.microsoft.com/office/drawing/2014/main" id="{834183A9-F9D7-47C7-856F-502EC1F756F9}"/>
+              </a:ext>
+            </a:extLst>
+          </p:cNvPr>
+          <p:cNvPicPr>
+            <a:picLocks noChangeAspect="1"/>
+          </p:cNvPicPr>
+          <p:nvPr/>
+        </p:nvPicPr>
+        <p:blipFill>
+          <a:blip r:embed="rId3"/>
+          <a:stretch>
+            <a:fillRect/>
+          </a:stretch>
+        </p:blipFill>
+        <p:spPr>
+          <a:xfrm>
+            <a:off x="1219200" y="1563185"/>
+            <a:ext cx="5536591" cy="1865815"/>
+          </a:xfrm>
+          <a:prstGeom prst="rect">
+            <a:avLst/>
+          </a:prstGeom>
+        </p:spPr>
+      </p:pic>
+      <p:sp>
+        <p:nvSpPr>
+          <p:cNvPr id="8" name="Title 1">
+            <a:extLst>
+              <a:ext uri="{FF2B5EF4-FFF2-40B4-BE49-F238E27FC236}">
+                <a16:creationId xmlns:a16="http://schemas.microsoft.com/office/drawing/2014/main" id="{DE286C3D-5F07-4D8F-98CE-7AF3CBD2E0A5}"/>
+              </a:ext>
+            </a:extLst>
+          </p:cNvPr>
+          <p:cNvSpPr>
+            <a:spLocks noGrp="1"/>
+          </p:cNvSpPr>
+          <p:nvPr>
+            <p:ph type="title"/>
+          </p:nvPr>
+        </p:nvSpPr>
+        <p:spPr>
+          <a:xfrm>
+            <a:off x="1887279" y="1010192"/>
+            <a:ext cx="3763926" cy="1485900"/>
+          </a:xfrm>
+        </p:spPr>
+        <p:txBody>
+          <a:bodyPr/>
+          <a:lstStyle/>
+          <a:p>
+            <a:r>
+              <a:rPr lang="en-PH" dirty="0"/>
+              <a:t>Block element</a:t>
+            </a:r>
+          </a:p>
+        </p:txBody>
+      </p:sp>
+      <p:sp>
+        <p:nvSpPr>
+          <p:cNvPr id="9" name="Title 1">
+            <a:extLst>
+              <a:ext uri="{FF2B5EF4-FFF2-40B4-BE49-F238E27FC236}">
+                <a16:creationId xmlns:a16="http://schemas.microsoft.com/office/drawing/2014/main" id="{E1AC9072-8C6F-40D8-BB3B-236AF280D490}"/>
+              </a:ext>
+            </a:extLst>
+          </p:cNvPr>
+          <p:cNvSpPr txBox="1">
+            <a:spLocks/>
+          </p:cNvSpPr>
+          <p:nvPr/>
+        </p:nvSpPr>
+        <p:spPr>
+          <a:xfrm>
+            <a:off x="6755791" y="3808915"/>
+            <a:ext cx="3763926" cy="1485900"/>
+          </a:xfrm>
+          <a:prstGeom prst="rect">
+            <a:avLst/>
+          </a:prstGeom>
+        </p:spPr>
+        <p:txBody>
+          <a:bodyPr vert="horz" lIns="91440" tIns="45720" rIns="91440" bIns="45720" rtlCol="0" anchor="t">
+            <a:normAutofit/>
+          </a:bodyPr>
+          <a:lstStyle>
+            <a:lvl1pPr algn="l" defTabSz="914400" rtl="0" eaLnBrk="1" latinLnBrk="0" hangingPunct="1">
+              <a:lnSpc>
+                <a:spcPct val="89000"/>
+              </a:lnSpc>
+              <a:spcBef>
+                <a:spcPct val="0"/>
+              </a:spcBef>
+              <a:buNone/>
+              <a:defRPr sz="4400" kern="1200" baseline="0">
+                <a:solidFill>
+                  <a:schemeClr val="tx2"/>
+                </a:solidFill>
+                <a:latin typeface="+mj-lt"/>
+                <a:ea typeface="+mj-ea"/>
+                <a:cs typeface="+mj-cs"/>
+              </a:defRPr>
+            </a:lvl1pPr>
+          </a:lstStyle>
+          <a:p>
+            <a:r>
+              <a:rPr lang="en-PH" dirty="0"/>
+              <a:t>Inline element</a:t>
+            </a:r>
+          </a:p>
+        </p:txBody>
+      </p:sp>
+    </p:spTree>
+    <p:extLst>
+      <p:ext uri="{BB962C8B-B14F-4D97-AF65-F5344CB8AC3E}">
+        <p14:creationId xmlns:p14="http://schemas.microsoft.com/office/powerpoint/2010/main" val="943433666"/>
+      </p:ext>
+    </p:extLst>
+  </p:cSld>
+  <p:clrMapOvr>
+    <a:masterClrMapping/>
+  </p:clrMapOvr>
+  <p:timing>
+    <p:tnLst>
+      <p:par>
+        <p:cTn id="1" dur="indefinite" restart="never" nodeType="tmRoot">
+          <p:childTnLst>
+            <p:seq concurrent="1" nextAc="seek">
+              <p:cTn id="2" dur="indefinite" nodeType="mainSeq">
+                <p:childTnLst>
+                  <p:par>
+                    <p:cTn id="3" fill="hold">
+                      <p:stCondLst>
+                        <p:cond delay="indefinite"/>
+                      </p:stCondLst>
+                      <p:childTnLst>
+                        <p:par>
+                          <p:cTn id="4" fill="hold">
+                            <p:stCondLst>
+                              <p:cond delay="0"/>
+                            </p:stCondLst>
+                            <p:childTnLst>
+                              <p:par>
+                                <p:cTn id="5" presetID="1" presetClass="entr" presetSubtype="0" fill="hold" nodeType="clickEffect">
+                                  <p:stCondLst>
+                                    <p:cond delay="0"/>
+                                  </p:stCondLst>
+                                  <p:childTnLst>
+                                    <p:set>
+                                      <p:cBhvr>
+                                        <p:cTn id="6" dur="1" fill="hold">
+                                          <p:stCondLst>
+                                            <p:cond delay="0"/>
+                                          </p:stCondLst>
+                                        </p:cTn>
+                                        <p:tgtEl>
+                                          <p:spTgt spid="5"/>
+                                        </p:tgtEl>
+                                        <p:attrNameLst>
+                                          <p:attrName>style.visibility</p:attrName>
+                                        </p:attrNameLst>
+                                      </p:cBhvr>
+                                      <p:to>
+                                        <p:strVal val="visible"/>
+                                      </p:to>
+                                    </p:set>
+                                  </p:childTnLst>
+                                </p:cTn>
+                              </p:par>
+                              <p:par>
+                                <p:cTn id="7" presetID="1" presetClass="entr" presetSubtype="0" fill="hold" grpId="0" nodeType="withEffect">
+                                  <p:stCondLst>
+                                    <p:cond delay="0"/>
+                                  </p:stCondLst>
+                                  <p:childTnLst>
+                                    <p:set>
+                                      <p:cBhvr>
+                                        <p:cTn id="8" dur="1" fill="hold">
+                                          <p:stCondLst>
+                                            <p:cond delay="0"/>
+                                          </p:stCondLst>
+                                        </p:cTn>
+                                        <p:tgtEl>
+                                          <p:spTgt spid="8"/>
+                                        </p:tgtEl>
+                                        <p:attrNameLst>
+                                          <p:attrName>style.visibility</p:attrName>
+                                        </p:attrNameLst>
+                                      </p:cBhvr>
+                                      <p:to>
+                                        <p:strVal val="visible"/>
+                                      </p:to>
+                                    </p:set>
+                                  </p:childTnLst>
+                                </p:cTn>
+                              </p:par>
+                            </p:childTnLst>
+                          </p:cTn>
+                        </p:par>
+                      </p:childTnLst>
+                    </p:cTn>
+                  </p:par>
+                  <p:par>
+                    <p:cTn id="9" fill="hold">
+                      <p:stCondLst>
+                        <p:cond delay="indefinite"/>
+                      </p:stCondLst>
+                      <p:childTnLst>
+                        <p:par>
+                          <p:cTn id="10" fill="hold">
+                            <p:stCondLst>
+                              <p:cond delay="0"/>
+                            </p:stCondLst>
+                            <p:childTnLst>
+                              <p:par>
+                                <p:cTn id="11" presetID="1" presetClass="entr" presetSubtype="0" fill="hold" grpId="0" nodeType="clickEffect">
+                                  <p:stCondLst>
+                                    <p:cond delay="0"/>
+                                  </p:stCondLst>
+                                  <p:childTnLst>
+                                    <p:set>
+                                      <p:cBhvr>
+                                        <p:cTn id="12" dur="1" fill="hold">
+                                          <p:stCondLst>
+                                            <p:cond delay="0"/>
+                                          </p:stCondLst>
+                                        </p:cTn>
+                                        <p:tgtEl>
+                                          <p:spTgt spid="9"/>
+                                        </p:tgtEl>
+                                        <p:attrNameLst>
+                                          <p:attrName>style.visibility</p:attrName>
+                                        </p:attrNameLst>
+                                      </p:cBhvr>
+                                      <p:to>
+                                        <p:strVal val="visible"/>
+                                      </p:to>
+                                    </p:set>
+                                  </p:childTnLst>
+                                </p:cTn>
+                              </p:par>
+                              <p:par>
+                                <p:cTn id="13" presetID="1" presetClass="entr" presetSubtype="0" fill="hold" nodeType="withEffect">
+                                  <p:stCondLst>
+                                    <p:cond delay="0"/>
+                                  </p:stCondLst>
+                                  <p:childTnLst>
+                                    <p:set>
+                                      <p:cBhvr>
+                                        <p:cTn id="14" dur="1" fill="hold">
+                                          <p:stCondLst>
+                                            <p:cond delay="0"/>
+                                          </p:stCondLst>
+                                        </p:cTn>
+                                        <p:tgtEl>
+                                          <p:spTgt spid="7"/>
+                                        </p:tgtEl>
+                                        <p:attrNameLst>
+                                          <p:attrName>style.visibility</p:attrName>
+                                        </p:attrNameLst>
+                                      </p:cBhvr>
+                                      <p:to>
+                                        <p:strVal val="visible"/>
+                                      </p:to>
+                                    </p:set>
+                                  </p:childTnLst>
+                                </p:cTn>
+                              </p:par>
+                            </p:childTnLst>
+                          </p:cTn>
+                        </p:par>
+                      </p:childTnLst>
+                    </p:cTn>
+                  </p:par>
+                </p:childTnLst>
+              </p:cTn>
+              <p:prevCondLst>
+                <p:cond evt="onPrev" delay="0">
+                  <p:tgtEl>
+                    <p:sldTgt/>
+                  </p:tgtEl>
+                </p:cond>
+              </p:prevCondLst>
+              <p:nextCondLst>
+                <p:cond evt="onNext" delay="0">
+                  <p:tgtEl>
+                    <p:sldTgt/>
+                  </p:tgtEl>
+                </p:cond>
+              </p:nextCondLst>
+            </p:seq>
+          </p:childTnLst>
+        </p:cTn>
+      </p:par>
+    </p:tnLst>
+    <p:bldLst>
+      <p:bldP spid="8" grpId="0"/>
+      <p:bldP spid="9" grpId="0"/>
+    </p:bldLst>
+  </p:timing>
+</p:sld>
+</file>
+
+<file path=ppt/slides/slide36.xml><?xml version="1.0" encoding="utf-8"?>
+<p:sld xmlns:a="http://schemas.openxmlformats.org/drawingml/2006/main" xmlns:r="http://schemas.openxmlformats.org/officeDocument/2006/relationships" xmlns:p="http://schemas.openxmlformats.org/presentationml/2006/main">
+  <p:cSld>
+    <p:spTree>
+      <p:nvGrpSpPr>
+        <p:cNvPr id="1" name=""/>
+        <p:cNvGrpSpPr/>
+        <p:nvPr/>
+      </p:nvGrpSpPr>
+      <p:grpSpPr>
+        <a:xfrm>
+          <a:off x="0" y="0"/>
+          <a:ext cx="0" cy="0"/>
+          <a:chOff x="0" y="0"/>
+          <a:chExt cx="0" cy="0"/>
+        </a:xfrm>
+      </p:grpSpPr>
+      <p:sp>
+        <p:nvSpPr>
+          <p:cNvPr id="2" name="Title 1">
+            <a:extLst>
+              <a:ext uri="{FF2B5EF4-FFF2-40B4-BE49-F238E27FC236}">
+                <a16:creationId xmlns:a16="http://schemas.microsoft.com/office/drawing/2014/main" id="{C6FB5D7D-78DD-469A-9066-2A50190AA947}"/>
+              </a:ext>
+            </a:extLst>
+          </p:cNvPr>
+          <p:cNvSpPr>
+            <a:spLocks noGrp="1"/>
+          </p:cNvSpPr>
+          <p:nvPr>
+            <p:ph type="title"/>
+          </p:nvPr>
+        </p:nvSpPr>
+        <p:spPr/>
+        <p:txBody>
+          <a:bodyPr/>
+          <a:lstStyle/>
+          <a:p>
+            <a:r>
+              <a:rPr lang="en-PH" dirty="0"/>
+              <a:t>Common use</a:t>
+            </a:r>
+          </a:p>
+        </p:txBody>
+      </p:sp>
+      <p:sp>
+        <p:nvSpPr>
+          <p:cNvPr id="3" name="Content Placeholder 2">
+            <a:extLst>
+              <a:ext uri="{FF2B5EF4-FFF2-40B4-BE49-F238E27FC236}">
+                <a16:creationId xmlns:a16="http://schemas.microsoft.com/office/drawing/2014/main" id="{55E83207-436A-4D98-BB58-891BC0B17D4C}"/>
+              </a:ext>
+            </a:extLst>
+          </p:cNvPr>
+          <p:cNvSpPr>
+            <a:spLocks noGrp="1"/>
+          </p:cNvSpPr>
+          <p:nvPr>
+            <p:ph idx="1"/>
+          </p:nvPr>
+        </p:nvSpPr>
+        <p:spPr>
+          <a:xfrm>
+            <a:off x="1995377" y="1428750"/>
+            <a:ext cx="8825023" cy="1318437"/>
+          </a:xfrm>
+        </p:spPr>
+        <p:txBody>
+          <a:bodyPr>
+            <a:normAutofit/>
+          </a:bodyPr>
+          <a:lstStyle/>
+          <a:p>
+            <a:r>
+              <a:rPr lang="en-PH" sz="3200" dirty="0" err="1"/>
+              <a:t>Divs</a:t>
+            </a:r>
+            <a:r>
+              <a:rPr lang="en-PH" sz="3200" dirty="0"/>
+              <a:t> are used in the layout, articles, grid </a:t>
+            </a:r>
+            <a:r>
+              <a:rPr lang="en-PH" sz="3200" dirty="0" err="1"/>
+              <a:t>etc</a:t>
+            </a:r>
+            <a:endParaRPr lang="en-PH" sz="3200" dirty="0"/>
+          </a:p>
+          <a:p>
+            <a:r>
+              <a:rPr lang="en-PH" sz="3200" dirty="0"/>
+              <a:t>Spans are used to style certain words om HTML</a:t>
+            </a:r>
+          </a:p>
+        </p:txBody>
+      </p:sp>
+      <p:pic>
+        <p:nvPicPr>
+          <p:cNvPr id="5" name="Picture 4">
+            <a:extLst>
+              <a:ext uri="{FF2B5EF4-FFF2-40B4-BE49-F238E27FC236}">
+                <a16:creationId xmlns:a16="http://schemas.microsoft.com/office/drawing/2014/main" id="{6B2802C7-6034-43C5-8DDA-82DBBD1CAF90}"/>
+              </a:ext>
+            </a:extLst>
+          </p:cNvPr>
+          <p:cNvPicPr>
+            <a:picLocks noChangeAspect="1"/>
+          </p:cNvPicPr>
+          <p:nvPr/>
+        </p:nvPicPr>
+        <p:blipFill>
+          <a:blip r:embed="rId2"/>
+          <a:stretch>
+            <a:fillRect/>
+          </a:stretch>
+        </p:blipFill>
+        <p:spPr>
+          <a:xfrm>
+            <a:off x="1043771" y="2914650"/>
+            <a:ext cx="2758345" cy="3234117"/>
+          </a:xfrm>
+          <a:prstGeom prst="rect">
+            <a:avLst/>
+          </a:prstGeom>
+        </p:spPr>
+      </p:pic>
+      <p:pic>
+        <p:nvPicPr>
+          <p:cNvPr id="7" name="Picture 6">
+            <a:extLst>
+              <a:ext uri="{FF2B5EF4-FFF2-40B4-BE49-F238E27FC236}">
+                <a16:creationId xmlns:a16="http://schemas.microsoft.com/office/drawing/2014/main" id="{C2ADC204-17EC-4205-91E2-E1C1A8B82F34}"/>
+              </a:ext>
+            </a:extLst>
+          </p:cNvPr>
+          <p:cNvPicPr>
+            <a:picLocks noChangeAspect="1"/>
+          </p:cNvPicPr>
+          <p:nvPr/>
+        </p:nvPicPr>
+        <p:blipFill>
+          <a:blip r:embed="rId3"/>
+          <a:stretch>
+            <a:fillRect/>
+          </a:stretch>
+        </p:blipFill>
+        <p:spPr>
+          <a:xfrm>
+            <a:off x="5148989" y="3710763"/>
+            <a:ext cx="6237701" cy="1957438"/>
+          </a:xfrm>
+          <a:prstGeom prst="rect">
+            <a:avLst/>
+          </a:prstGeom>
+        </p:spPr>
+      </p:pic>
+    </p:spTree>
+    <p:extLst>
+      <p:ext uri="{BB962C8B-B14F-4D97-AF65-F5344CB8AC3E}">
+        <p14:creationId xmlns:p14="http://schemas.microsoft.com/office/powerpoint/2010/main" val="2207209318"/>
+      </p:ext>
+    </p:extLst>
+  </p:cSld>
+  <p:clrMapOvr>
+    <a:masterClrMapping/>
+  </p:clrMapOvr>
+  <p:timing>
+    <p:tnLst>
+      <p:par>
+        <p:cTn id="1" dur="indefinite" restart="never" nodeType="tmRoot">
+          <p:childTnLst>
+            <p:seq concurrent="1" nextAc="seek">
+              <p:cTn id="2" dur="indefinite" nodeType="mainSeq">
+                <p:childTnLst>
+                  <p:par>
+                    <p:cTn id="3" fill="hold">
+                      <p:stCondLst>
+                        <p:cond delay="indefinite"/>
+                      </p:stCondLst>
+                      <p:childTnLst>
+                        <p:par>
+                          <p:cTn id="4" fill="hold">
+                            <p:stCondLst>
+                              <p:cond delay="0"/>
+                            </p:stCondLst>
+                            <p:childTnLst>
+                              <p:par>
+                                <p:cTn id="5" presetID="1" presetClass="entr" presetSubtype="0" fill="hold" grpId="0" nodeType="clickEffect">
+                                  <p:stCondLst>
+                                    <p:cond delay="0"/>
+                                  </p:stCondLst>
+                                  <p:childTnLst>
+                                    <p:set>
+                                      <p:cBhvr>
+                                        <p:cTn id="6" dur="1" fill="hold">
+                                          <p:stCondLst>
+                                            <p:cond delay="0"/>
+                                          </p:stCondLst>
+                                        </p:cTn>
+                                        <p:tgtEl>
+                                          <p:spTgt spid="2"/>
+                                        </p:tgtEl>
+                                        <p:attrNameLst>
+                                          <p:attrName>style.visibility</p:attrName>
+                                        </p:attrNameLst>
+                                      </p:cBhvr>
+                                      <p:to>
+                                        <p:strVal val="visible"/>
+                                      </p:to>
+                                    </p:set>
+                                  </p:childTnLst>
+                                </p:cTn>
+                              </p:par>
+                              <p:par>
+                                <p:cTn id="7" presetID="1" presetClass="entr" presetSubtype="0" fill="hold" grpId="0" nodeType="withEffect">
+                                  <p:stCondLst>
+                                    <p:cond delay="0"/>
+                                  </p:stCondLst>
+                                  <p:childTnLst>
+                                    <p:set>
+                                      <p:cBhvr>
+                                        <p:cTn id="8" dur="1" fill="hold">
+                                          <p:stCondLst>
+                                            <p:cond delay="0"/>
+                                          </p:stCondLst>
+                                        </p:cTn>
+                                        <p:tgtEl>
+                                          <p:spTgt spid="3">
+                                            <p:txEl>
+                                              <p:pRg st="0" end="0"/>
+                                            </p:txEl>
+                                          </p:spTgt>
+                                        </p:tgtEl>
+                                        <p:attrNameLst>
+                                          <p:attrName>style.visibility</p:attrName>
+                                        </p:attrNameLst>
+                                      </p:cBhvr>
+                                      <p:to>
+                                        <p:strVal val="visible"/>
+                                      </p:to>
+                                    </p:set>
+                                  </p:childTnLst>
+                                </p:cTn>
+                              </p:par>
+                            </p:childTnLst>
+                          </p:cTn>
+                        </p:par>
+                      </p:childTnLst>
+                    </p:cTn>
+                  </p:par>
+                  <p:par>
+                    <p:cTn id="9" fill="hold">
+                      <p:stCondLst>
+                        <p:cond delay="indefinite"/>
+                      </p:stCondLst>
+                      <p:childTnLst>
+                        <p:par>
+                          <p:cTn id="10" fill="hold">
+                            <p:stCondLst>
+                              <p:cond delay="0"/>
+                            </p:stCondLst>
+                            <p:childTnLst>
+                              <p:par>
+                                <p:cTn id="11" presetID="1" presetClass="entr" presetSubtype="0" fill="hold" grpId="0" nodeType="clickEffect">
+                                  <p:stCondLst>
+                                    <p:cond delay="0"/>
+                                  </p:stCondLst>
+                                  <p:childTnLst>
+                                    <p:set>
+                                      <p:cBhvr>
+                                        <p:cTn id="12" dur="1" fill="hold">
+                                          <p:stCondLst>
+                                            <p:cond delay="0"/>
+                                          </p:stCondLst>
+                                        </p:cTn>
+                                        <p:tgtEl>
+                                          <p:spTgt spid="3">
+                                            <p:txEl>
+                                              <p:pRg st="1" end="1"/>
+                                            </p:txEl>
+                                          </p:spTgt>
+                                        </p:tgtEl>
+                                        <p:attrNameLst>
+                                          <p:attrName>style.visibility</p:attrName>
+                                        </p:attrNameLst>
+                                      </p:cBhvr>
+                                      <p:to>
+                                        <p:strVal val="visible"/>
+                                      </p:to>
+                                    </p:set>
+                                  </p:childTnLst>
+                                </p:cTn>
+                              </p:par>
+                            </p:childTnLst>
+                          </p:cTn>
+                        </p:par>
+                      </p:childTnLst>
+                    </p:cTn>
+                  </p:par>
+                  <p:par>
+                    <p:cTn id="13" fill="hold">
+                      <p:stCondLst>
+                        <p:cond delay="indefinite"/>
+                      </p:stCondLst>
+                      <p:childTnLst>
+                        <p:par>
+                          <p:cTn id="14" fill="hold">
+                            <p:stCondLst>
+                              <p:cond delay="0"/>
+                            </p:stCondLst>
+                            <p:childTnLst>
+                              <p:par>
+                                <p:cTn id="15" presetID="1" presetClass="entr" presetSubtype="0" fill="hold" nodeType="clickEffect">
+                                  <p:stCondLst>
+                                    <p:cond delay="0"/>
+                                  </p:stCondLst>
+                                  <p:childTnLst>
+                                    <p:set>
+                                      <p:cBhvr>
+                                        <p:cTn id="16" dur="1" fill="hold">
+                                          <p:stCondLst>
+                                            <p:cond delay="0"/>
+                                          </p:stCondLst>
+                                        </p:cTn>
+                                        <p:tgtEl>
+                                          <p:spTgt spid="5"/>
+                                        </p:tgtEl>
+                                        <p:attrNameLst>
+                                          <p:attrName>style.visibility</p:attrName>
+                                        </p:attrNameLst>
+                                      </p:cBhvr>
+                                      <p:to>
+                                        <p:strVal val="visible"/>
+                                      </p:to>
+                                    </p:set>
+                                  </p:childTnLst>
+                                </p:cTn>
+                              </p:par>
+                            </p:childTnLst>
+                          </p:cTn>
+                        </p:par>
+                      </p:childTnLst>
+                    </p:cTn>
+                  </p:par>
+                  <p:par>
+                    <p:cTn id="17" fill="hold">
+                      <p:stCondLst>
+                        <p:cond delay="indefinite"/>
+                      </p:stCondLst>
+                      <p:childTnLst>
+                        <p:par>
+                          <p:cTn id="18" fill="hold">
+                            <p:stCondLst>
+                              <p:cond delay="0"/>
+                            </p:stCondLst>
+                            <p:childTnLst>
+                              <p:par>
+                                <p:cTn id="19" presetID="1" presetClass="entr" presetSubtype="0" fill="hold" nodeType="clickEffect">
+                                  <p:stCondLst>
+                                    <p:cond delay="0"/>
+                                  </p:stCondLst>
+                                  <p:childTnLst>
+                                    <p:set>
+                                      <p:cBhvr>
+                                        <p:cTn id="20" dur="1" fill="hold">
+                                          <p:stCondLst>
+                                            <p:cond delay="0"/>
+                                          </p:stCondLst>
+                                        </p:cTn>
+                                        <p:tgtEl>
+                                          <p:spTgt spid="7"/>
+                                        </p:tgtEl>
+                                        <p:attrNameLst>
+                                          <p:attrName>style.visibility</p:attrName>
+                                        </p:attrNameLst>
+                                      </p:cBhvr>
+                                      <p:to>
+                                        <p:strVal val="visible"/>
+                                      </p:to>
+                                    </p:set>
+                                  </p:childTnLst>
+                                </p:cTn>
+                              </p:par>
+                            </p:childTnLst>
+                          </p:cTn>
+                        </p:par>
+                      </p:childTnLst>
+                    </p:cTn>
+                  </p:par>
+                </p:childTnLst>
+              </p:cTn>
+              <p:prevCondLst>
+                <p:cond evt="onPrev" delay="0">
+                  <p:tgtEl>
+                    <p:sldTgt/>
+                  </p:tgtEl>
+                </p:cond>
+              </p:prevCondLst>
+              <p:nextCondLst>
+                <p:cond evt="onNext" delay="0">
+                  <p:tgtEl>
+                    <p:sldTgt/>
+                  </p:tgtEl>
+                </p:cond>
+              </p:nextCondLst>
+            </p:seq>
+          </p:childTnLst>
+        </p:cTn>
+      </p:par>
+    </p:tnLst>
+    <p:bldLst>
+      <p:bldP spid="2" grpId="0"/>
+      <p:bldP spid="3" grpId="0" build="p"/>
+    </p:bldLst>
+  </p:timing>
+</p:sld>
+</file>
+
+<file path=ppt/slides/slide37.xml><?xml version="1.0" encoding="utf-8"?>
+<p:sld xmlns:a="http://schemas.openxmlformats.org/drawingml/2006/main" xmlns:r="http://schemas.openxmlformats.org/officeDocument/2006/relationships" xmlns:p="http://schemas.openxmlformats.org/presentationml/2006/main">
+  <p:cSld>
+    <p:spTree>
+      <p:nvGrpSpPr>
+        <p:cNvPr id="1" name=""/>
+        <p:cNvGrpSpPr/>
+        <p:nvPr/>
+      </p:nvGrpSpPr>
+      <p:grpSpPr>
+        <a:xfrm>
+          <a:off x="0" y="0"/>
+          <a:ext cx="0" cy="0"/>
+          <a:chOff x="0" y="0"/>
+          <a:chExt cx="0" cy="0"/>
+        </a:xfrm>
+      </p:grpSpPr>
+      <p:sp>
+        <p:nvSpPr>
+          <p:cNvPr id="3" name="Content Placeholder 2">
+            <a:extLst>
+              <a:ext uri="{FF2B5EF4-FFF2-40B4-BE49-F238E27FC236}">
+                <a16:creationId xmlns:a16="http://schemas.microsoft.com/office/drawing/2014/main" id="{54ED1A7E-43FE-4951-95C2-C84C587FD5C3}"/>
+              </a:ext>
+            </a:extLst>
+          </p:cNvPr>
+          <p:cNvSpPr>
+            <a:spLocks noGrp="1"/>
+          </p:cNvSpPr>
+          <p:nvPr>
+            <p:ph idx="1"/>
+          </p:nvPr>
+        </p:nvSpPr>
+        <p:spPr>
+          <a:xfrm>
+            <a:off x="1582479" y="2759149"/>
+            <a:ext cx="9027042" cy="1339702"/>
+          </a:xfrm>
+        </p:spPr>
+        <p:txBody>
+          <a:bodyPr>
+            <a:normAutofit lnSpcReduction="10000"/>
+          </a:bodyPr>
+          <a:lstStyle/>
+          <a:p>
+            <a:pPr marL="0" indent="0">
+              <a:buNone/>
+            </a:pPr>
+            <a:r>
+              <a:rPr lang="en-PH" sz="9600" dirty="0"/>
+              <a:t>SEMANTIC HTML</a:t>
+            </a:r>
+          </a:p>
+        </p:txBody>
+      </p:sp>
+    </p:spTree>
+    <p:extLst>
+      <p:ext uri="{BB962C8B-B14F-4D97-AF65-F5344CB8AC3E}">
+        <p14:creationId xmlns:p14="http://schemas.microsoft.com/office/powerpoint/2010/main" val="463894866"/>
+      </p:ext>
+    </p:extLst>
+  </p:cSld>
+  <p:clrMapOvr>
+    <a:masterClrMapping/>
+  </p:clrMapOvr>
+</p:sld>
+</file>
+
 <file path=ppt/slides/slide4.xml><?xml version="1.0" encoding="utf-8"?>
 <p:sld xmlns:a="http://schemas.openxmlformats.org/drawingml/2006/main" xmlns:r="http://schemas.openxmlformats.org/officeDocument/2006/relationships" xmlns:p="http://schemas.openxmlformats.org/presentationml/2006/main">
   <p:cSld>

--- a/HTML BASICS.pptx
+++ b/HTML BASICS.pptx
@@ -42,6 +42,10 @@
     <p:sldId id="291" r:id="rId36"/>
     <p:sldId id="292" r:id="rId37"/>
     <p:sldId id="293" r:id="rId38"/>
+    <p:sldId id="294" r:id="rId39"/>
+    <p:sldId id="295" r:id="rId40"/>
+    <p:sldId id="296" r:id="rId41"/>
+    <p:sldId id="297" r:id="rId42"/>
   </p:sldIdLst>
   <p:sldSz cx="12192000" cy="6858000"/>
   <p:notesSz cx="6858000" cy="9144000"/>
@@ -318,7 +322,7 @@
             <a:fld id="{87DE6118-2437-4B30-8E3C-4D2BE6020583}" type="datetimeFigureOut">
               <a:rPr lang="en-US" dirty="0"/>
               <a:pPr/>
-              <a:t>9/6/2021</a:t>
+              <a:t>9/7/2021</a:t>
             </a:fld>
             <a:endParaRPr lang="en-US" dirty="0"/>
           </a:p>
@@ -644,7 +648,7 @@
           <a:p>
             <a:fld id="{87DE6118-2437-4B30-8E3C-4D2BE6020583}" type="datetimeFigureOut">
               <a:rPr lang="en-US" dirty="0"/>
-              <a:t>9/6/2021</a:t>
+              <a:t>9/7/2021</a:t>
             </a:fld>
             <a:endParaRPr lang="en-US" dirty="0"/>
           </a:p>
@@ -819,7 +823,7 @@
           <a:p>
             <a:fld id="{87DE6118-2437-4B30-8E3C-4D2BE6020583}" type="datetimeFigureOut">
               <a:rPr lang="en-US" dirty="0"/>
-              <a:t>9/6/2021</a:t>
+              <a:t>9/7/2021</a:t>
             </a:fld>
             <a:endParaRPr lang="en-US" dirty="0"/>
           </a:p>
@@ -984,7 +988,7 @@
           <a:p>
             <a:fld id="{87DE6118-2437-4B30-8E3C-4D2BE6020583}" type="datetimeFigureOut">
               <a:rPr lang="en-US" dirty="0"/>
-              <a:t>9/6/2021</a:t>
+              <a:t>9/7/2021</a:t>
             </a:fld>
             <a:endParaRPr lang="en-US" dirty="0"/>
           </a:p>
@@ -1257,7 +1261,7 @@
             <a:fld id="{87DE6118-2437-4B30-8E3C-4D2BE6020583}" type="datetimeFigureOut">
               <a:rPr lang="en-US" dirty="0"/>
               <a:pPr/>
-              <a:t>9/6/2021</a:t>
+              <a:t>9/7/2021</a:t>
             </a:fld>
             <a:endParaRPr lang="en-US" dirty="0"/>
           </a:p>
@@ -1647,7 +1651,7 @@
           <a:p>
             <a:fld id="{87DE6118-2437-4B30-8E3C-4D2BE6020583}" type="datetimeFigureOut">
               <a:rPr lang="en-US" dirty="0"/>
-              <a:t>9/6/2021</a:t>
+              <a:t>9/7/2021</a:t>
             </a:fld>
             <a:endParaRPr lang="en-US" dirty="0"/>
           </a:p>
@@ -2119,7 +2123,7 @@
           <a:p>
             <a:fld id="{87DE6118-2437-4B30-8E3C-4D2BE6020583}" type="datetimeFigureOut">
               <a:rPr lang="en-US" dirty="0"/>
-              <a:t>9/6/2021</a:t>
+              <a:t>9/7/2021</a:t>
             </a:fld>
             <a:endParaRPr lang="en-US" dirty="0"/>
           </a:p>
@@ -2232,7 +2236,7 @@
           <a:p>
             <a:fld id="{87DE6118-2437-4B30-8E3C-4D2BE6020583}" type="datetimeFigureOut">
               <a:rPr lang="en-US" dirty="0"/>
-              <a:t>9/6/2021</a:t>
+              <a:t>9/7/2021</a:t>
             </a:fld>
             <a:endParaRPr lang="en-US" dirty="0"/>
           </a:p>
@@ -2322,7 +2326,7 @@
           <a:p>
             <a:fld id="{87DE6118-2437-4B30-8E3C-4D2BE6020583}" type="datetimeFigureOut">
               <a:rPr lang="en-US" dirty="0"/>
-              <a:t>9/6/2021</a:t>
+              <a:t>9/7/2021</a:t>
             </a:fld>
             <a:endParaRPr lang="en-US" dirty="0"/>
           </a:p>
@@ -2664,7 +2668,7 @@
             <a:fld id="{87DE6118-2437-4B30-8E3C-4D2BE6020583}" type="datetimeFigureOut">
               <a:rPr lang="en-US" dirty="0"/>
               <a:pPr/>
-              <a:t>9/6/2021</a:t>
+              <a:t>9/7/2021</a:t>
             </a:fld>
             <a:endParaRPr lang="en-US" dirty="0"/>
           </a:p>
@@ -3049,7 +3053,7 @@
             <a:fld id="{87DE6118-2437-4B30-8E3C-4D2BE6020583}" type="datetimeFigureOut">
               <a:rPr lang="en-US" dirty="0"/>
               <a:pPr/>
-              <a:t>9/6/2021</a:t>
+              <a:t>9/7/2021</a:t>
             </a:fld>
             <a:endParaRPr lang="en-US" dirty="0"/>
           </a:p>
@@ -3324,7 +3328,7 @@
             <a:fld id="{87DE6118-2437-4B30-8E3C-4D2BE6020583}" type="datetimeFigureOut">
               <a:rPr lang="en-US" dirty="0"/>
               <a:pPr/>
-              <a:t>9/6/2021</a:t>
+              <a:t>9/7/2021</a:t>
             </a:fld>
             <a:endParaRPr lang="en-US" dirty="0"/>
           </a:p>
@@ -12740,6 +12744,568 @@
 </p:sld>
 </file>
 
+<file path=ppt/slides/slide38.xml><?xml version="1.0" encoding="utf-8"?>
+<p:sld xmlns:a="http://schemas.openxmlformats.org/drawingml/2006/main" xmlns:r="http://schemas.openxmlformats.org/officeDocument/2006/relationships" xmlns:p="http://schemas.openxmlformats.org/presentationml/2006/main">
+  <p:cSld>
+    <p:spTree>
+      <p:nvGrpSpPr>
+        <p:cNvPr id="1" name=""/>
+        <p:cNvGrpSpPr/>
+        <p:nvPr/>
+      </p:nvGrpSpPr>
+      <p:grpSpPr>
+        <a:xfrm>
+          <a:off x="0" y="0"/>
+          <a:ext cx="0" cy="0"/>
+          <a:chOff x="0" y="0"/>
+          <a:chExt cx="0" cy="0"/>
+        </a:xfrm>
+      </p:grpSpPr>
+      <p:sp>
+        <p:nvSpPr>
+          <p:cNvPr id="2" name="Title 1">
+            <a:extLst>
+              <a:ext uri="{FF2B5EF4-FFF2-40B4-BE49-F238E27FC236}">
+                <a16:creationId xmlns:a16="http://schemas.microsoft.com/office/drawing/2014/main" id="{9B3E5BCA-BB79-4494-943A-99CF5F49102F}"/>
+              </a:ext>
+            </a:extLst>
+          </p:cNvPr>
+          <p:cNvSpPr>
+            <a:spLocks noGrp="1"/>
+          </p:cNvSpPr>
+          <p:nvPr>
+            <p:ph type="ctrTitle"/>
+          </p:nvPr>
+        </p:nvSpPr>
+        <p:spPr>
+          <a:xfrm>
+            <a:off x="1915385" y="1058346"/>
+            <a:ext cx="8361229" cy="2098226"/>
+          </a:xfrm>
+        </p:spPr>
+        <p:txBody>
+          <a:bodyPr/>
+          <a:lstStyle/>
+          <a:p>
+            <a:r>
+              <a:rPr lang="en-PH" dirty="0"/>
+              <a:t>HTML BASICS</a:t>
+            </a:r>
+          </a:p>
+        </p:txBody>
+      </p:sp>
+      <p:sp>
+        <p:nvSpPr>
+          <p:cNvPr id="3" name="Subtitle 2">
+            <a:extLst>
+              <a:ext uri="{FF2B5EF4-FFF2-40B4-BE49-F238E27FC236}">
+                <a16:creationId xmlns:a16="http://schemas.microsoft.com/office/drawing/2014/main" id="{AEC855E7-1E83-4728-BDA9-FB3D80108F3A}"/>
+              </a:ext>
+            </a:extLst>
+          </p:cNvPr>
+          <p:cNvSpPr>
+            <a:spLocks noGrp="1"/>
+          </p:cNvSpPr>
+          <p:nvPr>
+            <p:ph type="subTitle" idx="1"/>
+          </p:nvPr>
+        </p:nvSpPr>
+        <p:spPr>
+          <a:xfrm>
+            <a:off x="6685849" y="5338765"/>
+            <a:ext cx="6831673" cy="1086237"/>
+          </a:xfrm>
+        </p:spPr>
+        <p:txBody>
+          <a:bodyPr/>
+          <a:lstStyle/>
+          <a:p>
+            <a:r>
+              <a:rPr lang="en-PH" dirty="0"/>
+              <a:t>By Ronald Laz</a:t>
+            </a:r>
+          </a:p>
+        </p:txBody>
+      </p:sp>
+      <p:sp>
+        <p:nvSpPr>
+          <p:cNvPr id="4" name="Title 1">
+            <a:extLst>
+              <a:ext uri="{FF2B5EF4-FFF2-40B4-BE49-F238E27FC236}">
+                <a16:creationId xmlns:a16="http://schemas.microsoft.com/office/drawing/2014/main" id="{110DDF52-F283-4292-9D4B-49FAAD7F1EFF}"/>
+              </a:ext>
+            </a:extLst>
+          </p:cNvPr>
+          <p:cNvSpPr txBox="1">
+            <a:spLocks/>
+          </p:cNvSpPr>
+          <p:nvPr/>
+        </p:nvSpPr>
+        <p:spPr>
+          <a:xfrm>
+            <a:off x="1915384" y="3083203"/>
+            <a:ext cx="8361229" cy="544856"/>
+          </a:xfrm>
+          <a:prstGeom prst="rect">
+            <a:avLst/>
+          </a:prstGeom>
+        </p:spPr>
+        <p:txBody>
+          <a:bodyPr vert="horz" lIns="91440" tIns="45720" rIns="91440" bIns="45720" rtlCol="0" anchor="b">
+            <a:noAutofit/>
+          </a:bodyPr>
+          <a:lstStyle>
+            <a:lvl1pPr algn="ctr" defTabSz="914400" rtl="0" eaLnBrk="1" latinLnBrk="0" hangingPunct="1">
+              <a:lnSpc>
+                <a:spcPct val="89000"/>
+              </a:lnSpc>
+              <a:spcBef>
+                <a:spcPct val="0"/>
+              </a:spcBef>
+              <a:buNone/>
+              <a:defRPr sz="7200" kern="1200" cap="all" baseline="0">
+                <a:solidFill>
+                  <a:schemeClr val="tx2"/>
+                </a:solidFill>
+                <a:latin typeface="+mj-lt"/>
+                <a:ea typeface="+mj-ea"/>
+                <a:cs typeface="+mj-cs"/>
+              </a:defRPr>
+            </a:lvl1pPr>
+          </a:lstStyle>
+          <a:p>
+            <a:r>
+              <a:rPr lang="en-PH" sz="2800" dirty="0"/>
+              <a:t>Tags you can find inside the html body</a:t>
+            </a:r>
+          </a:p>
+        </p:txBody>
+      </p:sp>
+      <p:sp>
+        <p:nvSpPr>
+          <p:cNvPr id="5" name="Title 1">
+            <a:extLst>
+              <a:ext uri="{FF2B5EF4-FFF2-40B4-BE49-F238E27FC236}">
+                <a16:creationId xmlns:a16="http://schemas.microsoft.com/office/drawing/2014/main" id="{7E2D6452-5B08-4DCC-8B59-CDB8325E0C9A}"/>
+              </a:ext>
+            </a:extLst>
+          </p:cNvPr>
+          <p:cNvSpPr txBox="1">
+            <a:spLocks/>
+          </p:cNvSpPr>
+          <p:nvPr/>
+        </p:nvSpPr>
+        <p:spPr>
+          <a:xfrm>
+            <a:off x="1915384" y="3306078"/>
+            <a:ext cx="8361229" cy="544856"/>
+          </a:xfrm>
+          <a:prstGeom prst="rect">
+            <a:avLst/>
+          </a:prstGeom>
+        </p:spPr>
+        <p:txBody>
+          <a:bodyPr vert="horz" lIns="91440" tIns="45720" rIns="91440" bIns="45720" rtlCol="0" anchor="b">
+            <a:noAutofit/>
+          </a:bodyPr>
+          <a:lstStyle>
+            <a:lvl1pPr algn="ctr" defTabSz="914400" rtl="0" eaLnBrk="1" latinLnBrk="0" hangingPunct="1">
+              <a:lnSpc>
+                <a:spcPct val="89000"/>
+              </a:lnSpc>
+              <a:spcBef>
+                <a:spcPct val="0"/>
+              </a:spcBef>
+              <a:buNone/>
+              <a:defRPr sz="7200" kern="1200" cap="all" baseline="0">
+                <a:solidFill>
+                  <a:schemeClr val="tx2"/>
+                </a:solidFill>
+                <a:latin typeface="+mj-lt"/>
+                <a:ea typeface="+mj-ea"/>
+                <a:cs typeface="+mj-cs"/>
+              </a:defRPr>
+            </a:lvl1pPr>
+          </a:lstStyle>
+          <a:p>
+            <a:r>
+              <a:rPr lang="en-PH" sz="1800" dirty="0">
+                <a:solidFill>
+                  <a:srgbClr val="FF0000"/>
+                </a:solidFill>
+              </a:rPr>
+              <a:t>Semantic tags</a:t>
+            </a:r>
+          </a:p>
+        </p:txBody>
+      </p:sp>
+    </p:spTree>
+    <p:extLst>
+      <p:ext uri="{BB962C8B-B14F-4D97-AF65-F5344CB8AC3E}">
+        <p14:creationId xmlns:p14="http://schemas.microsoft.com/office/powerpoint/2010/main" val="633515842"/>
+      </p:ext>
+    </p:extLst>
+  </p:cSld>
+  <p:clrMapOvr>
+    <a:masterClrMapping/>
+  </p:clrMapOvr>
+</p:sld>
+</file>
+
+<file path=ppt/slides/slide39.xml><?xml version="1.0" encoding="utf-8"?>
+<p:sld xmlns:a="http://schemas.openxmlformats.org/drawingml/2006/main" xmlns:r="http://schemas.openxmlformats.org/officeDocument/2006/relationships" xmlns:p="http://schemas.openxmlformats.org/presentationml/2006/main">
+  <p:cSld>
+    <p:spTree>
+      <p:nvGrpSpPr>
+        <p:cNvPr id="1" name=""/>
+        <p:cNvGrpSpPr/>
+        <p:nvPr/>
+      </p:nvGrpSpPr>
+      <p:grpSpPr>
+        <a:xfrm>
+          <a:off x="0" y="0"/>
+          <a:ext cx="0" cy="0"/>
+          <a:chOff x="0" y="0"/>
+          <a:chExt cx="0" cy="0"/>
+        </a:xfrm>
+      </p:grpSpPr>
+      <p:sp>
+        <p:nvSpPr>
+          <p:cNvPr id="3" name="Content Placeholder 2">
+            <a:extLst>
+              <a:ext uri="{FF2B5EF4-FFF2-40B4-BE49-F238E27FC236}">
+                <a16:creationId xmlns:a16="http://schemas.microsoft.com/office/drawing/2014/main" id="{54ED1A7E-43FE-4951-95C2-C84C587FD5C3}"/>
+              </a:ext>
+            </a:extLst>
+          </p:cNvPr>
+          <p:cNvSpPr>
+            <a:spLocks noGrp="1"/>
+          </p:cNvSpPr>
+          <p:nvPr>
+            <p:ph idx="1"/>
+          </p:nvPr>
+        </p:nvSpPr>
+        <p:spPr>
+          <a:xfrm>
+            <a:off x="912628" y="217967"/>
+            <a:ext cx="4329223" cy="770860"/>
+          </a:xfrm>
+        </p:spPr>
+        <p:txBody>
+          <a:bodyPr>
+            <a:normAutofit/>
+          </a:bodyPr>
+          <a:lstStyle/>
+          <a:p>
+            <a:pPr marL="0" indent="0">
+              <a:buNone/>
+            </a:pPr>
+            <a:r>
+              <a:rPr lang="en-PH" sz="4400" dirty="0"/>
+              <a:t>SEMANTIC HTML</a:t>
+            </a:r>
+          </a:p>
+        </p:txBody>
+      </p:sp>
+      <p:sp>
+        <p:nvSpPr>
+          <p:cNvPr id="4" name="Title 1">
+            <a:extLst>
+              <a:ext uri="{FF2B5EF4-FFF2-40B4-BE49-F238E27FC236}">
+                <a16:creationId xmlns:a16="http://schemas.microsoft.com/office/drawing/2014/main" id="{30376E49-6ADF-4465-BE6A-1B5CDD76A12A}"/>
+              </a:ext>
+            </a:extLst>
+          </p:cNvPr>
+          <p:cNvSpPr>
+            <a:spLocks noGrp="1"/>
+          </p:cNvSpPr>
+          <p:nvPr>
+            <p:ph type="title"/>
+          </p:nvPr>
+        </p:nvSpPr>
+        <p:spPr>
+          <a:xfrm>
+            <a:off x="1678172" y="988827"/>
+            <a:ext cx="9601200" cy="1485900"/>
+          </a:xfrm>
+        </p:spPr>
+        <p:txBody>
+          <a:bodyPr/>
+          <a:lstStyle/>
+          <a:p>
+            <a:r>
+              <a:rPr lang="en-PH" dirty="0"/>
+              <a:t>- Semantic HTML Tags are simply a div container</a:t>
+            </a:r>
+          </a:p>
+        </p:txBody>
+      </p:sp>
+      <p:sp>
+        <p:nvSpPr>
+          <p:cNvPr id="5" name="Title 1">
+            <a:extLst>
+              <a:ext uri="{FF2B5EF4-FFF2-40B4-BE49-F238E27FC236}">
+                <a16:creationId xmlns:a16="http://schemas.microsoft.com/office/drawing/2014/main" id="{04C5B76C-5A0D-49A8-9EB3-E8298754826F}"/>
+              </a:ext>
+            </a:extLst>
+          </p:cNvPr>
+          <p:cNvSpPr txBox="1">
+            <a:spLocks/>
+          </p:cNvSpPr>
+          <p:nvPr/>
+        </p:nvSpPr>
+        <p:spPr>
+          <a:xfrm>
+            <a:off x="1678172" y="2502637"/>
+            <a:ext cx="9601200" cy="1485900"/>
+          </a:xfrm>
+          <a:prstGeom prst="rect">
+            <a:avLst/>
+          </a:prstGeom>
+        </p:spPr>
+        <p:txBody>
+          <a:bodyPr vert="horz" lIns="91440" tIns="45720" rIns="91440" bIns="45720" rtlCol="0" anchor="t">
+            <a:normAutofit/>
+          </a:bodyPr>
+          <a:lstStyle>
+            <a:lvl1pPr algn="l" defTabSz="914400" rtl="0" eaLnBrk="1" latinLnBrk="0" hangingPunct="1">
+              <a:lnSpc>
+                <a:spcPct val="89000"/>
+              </a:lnSpc>
+              <a:spcBef>
+                <a:spcPct val="0"/>
+              </a:spcBef>
+              <a:buNone/>
+              <a:defRPr sz="4400" kern="1200" baseline="0">
+                <a:solidFill>
+                  <a:schemeClr val="tx2"/>
+                </a:solidFill>
+                <a:latin typeface="+mj-lt"/>
+                <a:ea typeface="+mj-ea"/>
+                <a:cs typeface="+mj-cs"/>
+              </a:defRPr>
+            </a:lvl1pPr>
+          </a:lstStyle>
+          <a:p>
+            <a:r>
+              <a:rPr lang="en-PH" dirty="0"/>
+              <a:t>- They are Block elements</a:t>
+            </a:r>
+          </a:p>
+        </p:txBody>
+      </p:sp>
+      <p:pic>
+        <p:nvPicPr>
+          <p:cNvPr id="6" name="Picture 5">
+            <a:extLst>
+              <a:ext uri="{FF2B5EF4-FFF2-40B4-BE49-F238E27FC236}">
+                <a16:creationId xmlns:a16="http://schemas.microsoft.com/office/drawing/2014/main" id="{D9B172E5-CBA3-481E-910C-29F09E989A5E}"/>
+              </a:ext>
+            </a:extLst>
+          </p:cNvPr>
+          <p:cNvPicPr>
+            <a:picLocks noChangeAspect="1"/>
+          </p:cNvPicPr>
+          <p:nvPr/>
+        </p:nvPicPr>
+        <p:blipFill>
+          <a:blip r:embed="rId2"/>
+          <a:stretch>
+            <a:fillRect/>
+          </a:stretch>
+        </p:blipFill>
+        <p:spPr>
+          <a:xfrm>
+            <a:off x="4603403" y="3245587"/>
+            <a:ext cx="3750737" cy="3394446"/>
+          </a:xfrm>
+          <a:prstGeom prst="rect">
+            <a:avLst/>
+          </a:prstGeom>
+        </p:spPr>
+      </p:pic>
+    </p:spTree>
+    <p:extLst>
+      <p:ext uri="{BB962C8B-B14F-4D97-AF65-F5344CB8AC3E}">
+        <p14:creationId xmlns:p14="http://schemas.microsoft.com/office/powerpoint/2010/main" val="4081176940"/>
+      </p:ext>
+    </p:extLst>
+  </p:cSld>
+  <p:clrMapOvr>
+    <a:masterClrMapping/>
+  </p:clrMapOvr>
+  <p:timing>
+    <p:tnLst>
+      <p:par>
+        <p:cTn id="1" dur="indefinite" restart="never" nodeType="tmRoot">
+          <p:childTnLst>
+            <p:seq concurrent="1" nextAc="seek">
+              <p:cTn id="2" dur="indefinite" nodeType="mainSeq">
+                <p:childTnLst>
+                  <p:par>
+                    <p:cTn id="3" fill="hold">
+                      <p:stCondLst>
+                        <p:cond delay="indefinite"/>
+                      </p:stCondLst>
+                      <p:childTnLst>
+                        <p:par>
+                          <p:cTn id="4" fill="hold">
+                            <p:stCondLst>
+                              <p:cond delay="0"/>
+                            </p:stCondLst>
+                            <p:childTnLst>
+                              <p:par>
+                                <p:cTn id="5" presetID="1" presetClass="entr" presetSubtype="0" fill="hold" grpId="0" nodeType="clickEffect">
+                                  <p:stCondLst>
+                                    <p:cond delay="0"/>
+                                  </p:stCondLst>
+                                  <p:childTnLst>
+                                    <p:set>
+                                      <p:cBhvr>
+                                        <p:cTn id="6" dur="1" fill="hold">
+                                          <p:stCondLst>
+                                            <p:cond delay="0"/>
+                                          </p:stCondLst>
+                                        </p:cTn>
+                                        <p:tgtEl>
+                                          <p:spTgt spid="4"/>
+                                        </p:tgtEl>
+                                        <p:attrNameLst>
+                                          <p:attrName>style.visibility</p:attrName>
+                                        </p:attrNameLst>
+                                      </p:cBhvr>
+                                      <p:to>
+                                        <p:strVal val="visible"/>
+                                      </p:to>
+                                    </p:set>
+                                  </p:childTnLst>
+                                </p:cTn>
+                              </p:par>
+                            </p:childTnLst>
+                          </p:cTn>
+                        </p:par>
+                      </p:childTnLst>
+                    </p:cTn>
+                  </p:par>
+                  <p:par>
+                    <p:cTn id="7" fill="hold">
+                      <p:stCondLst>
+                        <p:cond delay="indefinite"/>
+                      </p:stCondLst>
+                      <p:childTnLst>
+                        <p:par>
+                          <p:cTn id="8" fill="hold">
+                            <p:stCondLst>
+                              <p:cond delay="0"/>
+                            </p:stCondLst>
+                            <p:childTnLst>
+                              <p:par>
+                                <p:cTn id="9" presetID="1" presetClass="entr" presetSubtype="0" fill="hold" grpId="0" nodeType="clickEffect">
+                                  <p:stCondLst>
+                                    <p:cond delay="0"/>
+                                  </p:stCondLst>
+                                  <p:childTnLst>
+                                    <p:set>
+                                      <p:cBhvr>
+                                        <p:cTn id="10" dur="1" fill="hold">
+                                          <p:stCondLst>
+                                            <p:cond delay="0"/>
+                                          </p:stCondLst>
+                                        </p:cTn>
+                                        <p:tgtEl>
+                                          <p:spTgt spid="5"/>
+                                        </p:tgtEl>
+                                        <p:attrNameLst>
+                                          <p:attrName>style.visibility</p:attrName>
+                                        </p:attrNameLst>
+                                      </p:cBhvr>
+                                      <p:to>
+                                        <p:strVal val="visible"/>
+                                      </p:to>
+                                    </p:set>
+                                  </p:childTnLst>
+                                </p:cTn>
+                              </p:par>
+                            </p:childTnLst>
+                          </p:cTn>
+                        </p:par>
+                      </p:childTnLst>
+                    </p:cTn>
+                  </p:par>
+                  <p:par>
+                    <p:cTn id="11" fill="hold">
+                      <p:stCondLst>
+                        <p:cond delay="indefinite"/>
+                      </p:stCondLst>
+                      <p:childTnLst>
+                        <p:par>
+                          <p:cTn id="12" fill="hold">
+                            <p:stCondLst>
+                              <p:cond delay="0"/>
+                            </p:stCondLst>
+                            <p:childTnLst>
+                              <p:par>
+                                <p:cTn id="13" presetID="1" presetClass="entr" presetSubtype="0" fill="hold" nodeType="clickEffect">
+                                  <p:stCondLst>
+                                    <p:cond delay="0"/>
+                                  </p:stCondLst>
+                                  <p:childTnLst>
+                                    <p:set>
+                                      <p:cBhvr>
+                                        <p:cTn id="14" dur="1" fill="hold">
+                                          <p:stCondLst>
+                                            <p:cond delay="0"/>
+                                          </p:stCondLst>
+                                        </p:cTn>
+                                        <p:tgtEl>
+                                          <p:spTgt spid="6"/>
+                                        </p:tgtEl>
+                                        <p:attrNameLst>
+                                          <p:attrName>style.visibility</p:attrName>
+                                        </p:attrNameLst>
+                                      </p:cBhvr>
+                                      <p:to>
+                                        <p:strVal val="visible"/>
+                                      </p:to>
+                                    </p:set>
+                                  </p:childTnLst>
+                                </p:cTn>
+                              </p:par>
+                            </p:childTnLst>
+                          </p:cTn>
+                        </p:par>
+                      </p:childTnLst>
+                    </p:cTn>
+                  </p:par>
+                </p:childTnLst>
+              </p:cTn>
+              <p:prevCondLst>
+                <p:cond evt="onPrev" delay="0">
+                  <p:tgtEl>
+                    <p:sldTgt/>
+                  </p:tgtEl>
+                </p:cond>
+              </p:prevCondLst>
+              <p:nextCondLst>
+                <p:cond evt="onNext" delay="0">
+                  <p:tgtEl>
+                    <p:sldTgt/>
+                  </p:tgtEl>
+                </p:cond>
+              </p:nextCondLst>
+            </p:seq>
+          </p:childTnLst>
+        </p:cTn>
+      </p:par>
+    </p:tnLst>
+    <p:bldLst>
+      <p:bldP spid="4" grpId="0"/>
+      <p:bldP spid="5" grpId="0"/>
+    </p:bldLst>
+  </p:timing>
+</p:sld>
+</file>
+
 <file path=ppt/slides/slide4.xml><?xml version="1.0" encoding="utf-8"?>
 <p:sld xmlns:a="http://schemas.openxmlformats.org/drawingml/2006/main" xmlns:r="http://schemas.openxmlformats.org/officeDocument/2006/relationships" xmlns:p="http://schemas.openxmlformats.org/presentationml/2006/main">
   <p:cSld>
@@ -12882,6 +13448,544 @@
                                         </p:cTn>
                                         <p:tgtEl>
                                           <p:spTgt spid="5"/>
+                                        </p:tgtEl>
+                                        <p:attrNameLst>
+                                          <p:attrName>style.visibility</p:attrName>
+                                        </p:attrNameLst>
+                                      </p:cBhvr>
+                                      <p:to>
+                                        <p:strVal val="visible"/>
+                                      </p:to>
+                                    </p:set>
+                                  </p:childTnLst>
+                                </p:cTn>
+                              </p:par>
+                            </p:childTnLst>
+                          </p:cTn>
+                        </p:par>
+                      </p:childTnLst>
+                    </p:cTn>
+                  </p:par>
+                </p:childTnLst>
+              </p:cTn>
+              <p:prevCondLst>
+                <p:cond evt="onPrev" delay="0">
+                  <p:tgtEl>
+                    <p:sldTgt/>
+                  </p:tgtEl>
+                </p:cond>
+              </p:prevCondLst>
+              <p:nextCondLst>
+                <p:cond evt="onNext" delay="0">
+                  <p:tgtEl>
+                    <p:sldTgt/>
+                  </p:tgtEl>
+                </p:cond>
+              </p:nextCondLst>
+            </p:seq>
+          </p:childTnLst>
+        </p:cTn>
+      </p:par>
+    </p:tnLst>
+  </p:timing>
+</p:sld>
+</file>
+
+<file path=ppt/slides/slide40.xml><?xml version="1.0" encoding="utf-8"?>
+<p:sld xmlns:a="http://schemas.openxmlformats.org/drawingml/2006/main" xmlns:r="http://schemas.openxmlformats.org/officeDocument/2006/relationships" xmlns:p="http://schemas.openxmlformats.org/presentationml/2006/main">
+  <p:cSld>
+    <p:spTree>
+      <p:nvGrpSpPr>
+        <p:cNvPr id="1" name=""/>
+        <p:cNvGrpSpPr/>
+        <p:nvPr/>
+      </p:nvGrpSpPr>
+      <p:grpSpPr>
+        <a:xfrm>
+          <a:off x="0" y="0"/>
+          <a:ext cx="0" cy="0"/>
+          <a:chOff x="0" y="0"/>
+          <a:chExt cx="0" cy="0"/>
+        </a:xfrm>
+      </p:grpSpPr>
+      <p:sp>
+        <p:nvSpPr>
+          <p:cNvPr id="4" name="Title 1">
+            <a:extLst>
+              <a:ext uri="{FF2B5EF4-FFF2-40B4-BE49-F238E27FC236}">
+                <a16:creationId xmlns:a16="http://schemas.microsoft.com/office/drawing/2014/main" id="{30376E49-6ADF-4465-BE6A-1B5CDD76A12A}"/>
+              </a:ext>
+            </a:extLst>
+          </p:cNvPr>
+          <p:cNvSpPr>
+            <a:spLocks noGrp="1"/>
+          </p:cNvSpPr>
+          <p:nvPr>
+            <p:ph type="title"/>
+          </p:nvPr>
+        </p:nvSpPr>
+        <p:spPr>
+          <a:xfrm>
+            <a:off x="1678172" y="165469"/>
+            <a:ext cx="9601200" cy="1485900"/>
+          </a:xfrm>
+        </p:spPr>
+        <p:txBody>
+          <a:bodyPr/>
+          <a:lstStyle/>
+          <a:p>
+            <a:pPr algn="ctr"/>
+            <a:r>
+              <a:rPr lang="en-PH" dirty="0"/>
+              <a:t>Why do I need to use Semantic tags instead of using div only?</a:t>
+            </a:r>
+          </a:p>
+        </p:txBody>
+      </p:sp>
+      <p:pic>
+        <p:nvPicPr>
+          <p:cNvPr id="9" name="Picture 8">
+            <a:extLst>
+              <a:ext uri="{FF2B5EF4-FFF2-40B4-BE49-F238E27FC236}">
+                <a16:creationId xmlns:a16="http://schemas.microsoft.com/office/drawing/2014/main" id="{08A515D5-9715-4B8A-A3DF-1174A0FB798E}"/>
+              </a:ext>
+            </a:extLst>
+          </p:cNvPr>
+          <p:cNvPicPr>
+            <a:picLocks noChangeAspect="1"/>
+          </p:cNvPicPr>
+          <p:nvPr/>
+        </p:nvPicPr>
+        <p:blipFill>
+          <a:blip r:embed="rId2"/>
+          <a:stretch>
+            <a:fillRect/>
+          </a:stretch>
+        </p:blipFill>
+        <p:spPr>
+          <a:xfrm>
+            <a:off x="6966555" y="2075310"/>
+            <a:ext cx="3942308" cy="2290950"/>
+          </a:xfrm>
+          <a:prstGeom prst="rect">
+            <a:avLst/>
+          </a:prstGeom>
+        </p:spPr>
+      </p:pic>
+      <p:pic>
+        <p:nvPicPr>
+          <p:cNvPr id="11" name="Picture 10">
+            <a:extLst>
+              <a:ext uri="{FF2B5EF4-FFF2-40B4-BE49-F238E27FC236}">
+                <a16:creationId xmlns:a16="http://schemas.microsoft.com/office/drawing/2014/main" id="{0C1ED76F-C026-4B1F-955A-86A25703C3BB}"/>
+              </a:ext>
+            </a:extLst>
+          </p:cNvPr>
+          <p:cNvPicPr>
+            <a:picLocks noChangeAspect="1"/>
+          </p:cNvPicPr>
+          <p:nvPr/>
+        </p:nvPicPr>
+        <p:blipFill>
+          <a:blip r:embed="rId3"/>
+          <a:stretch>
+            <a:fillRect/>
+          </a:stretch>
+        </p:blipFill>
+        <p:spPr>
+          <a:xfrm>
+            <a:off x="1678172" y="2075310"/>
+            <a:ext cx="3547275" cy="2290950"/>
+          </a:xfrm>
+          <a:prstGeom prst="rect">
+            <a:avLst/>
+          </a:prstGeom>
+        </p:spPr>
+      </p:pic>
+      <p:sp>
+        <p:nvSpPr>
+          <p:cNvPr id="12" name="TextBox 11">
+            <a:extLst>
+              <a:ext uri="{FF2B5EF4-FFF2-40B4-BE49-F238E27FC236}">
+                <a16:creationId xmlns:a16="http://schemas.microsoft.com/office/drawing/2014/main" id="{6C4A959A-E096-4B4E-9D07-6CDC0213523D}"/>
+              </a:ext>
+            </a:extLst>
+          </p:cNvPr>
+          <p:cNvSpPr txBox="1"/>
+          <p:nvPr/>
+        </p:nvSpPr>
+        <p:spPr>
+          <a:xfrm>
+            <a:off x="4019108" y="5688418"/>
+            <a:ext cx="4642168" cy="646331"/>
+          </a:xfrm>
+          <a:prstGeom prst="rect">
+            <a:avLst/>
+          </a:prstGeom>
+          <a:noFill/>
+        </p:spPr>
+        <p:txBody>
+          <a:bodyPr wrap="none" rtlCol="0">
+            <a:spAutoFit/>
+          </a:bodyPr>
+          <a:lstStyle/>
+          <a:p>
+            <a:r>
+              <a:rPr lang="en-PH" sz="3600" dirty="0"/>
+              <a:t>The shorter the better </a:t>
+            </a:r>
+          </a:p>
+        </p:txBody>
+      </p:sp>
+    </p:spTree>
+    <p:extLst>
+      <p:ext uri="{BB962C8B-B14F-4D97-AF65-F5344CB8AC3E}">
+        <p14:creationId xmlns:p14="http://schemas.microsoft.com/office/powerpoint/2010/main" val="3929429415"/>
+      </p:ext>
+    </p:extLst>
+  </p:cSld>
+  <p:clrMapOvr>
+    <a:masterClrMapping/>
+  </p:clrMapOvr>
+  <p:timing>
+    <p:tnLst>
+      <p:par>
+        <p:cTn id="1" dur="indefinite" restart="never" nodeType="tmRoot">
+          <p:childTnLst>
+            <p:seq concurrent="1" nextAc="seek">
+              <p:cTn id="2" dur="indefinite" nodeType="mainSeq">
+                <p:childTnLst>
+                  <p:par>
+                    <p:cTn id="3" fill="hold">
+                      <p:stCondLst>
+                        <p:cond delay="indefinite"/>
+                      </p:stCondLst>
+                      <p:childTnLst>
+                        <p:par>
+                          <p:cTn id="4" fill="hold">
+                            <p:stCondLst>
+                              <p:cond delay="0"/>
+                            </p:stCondLst>
+                            <p:childTnLst>
+                              <p:par>
+                                <p:cTn id="5" presetID="1" presetClass="entr" presetSubtype="0" fill="hold" grpId="0" nodeType="clickEffect">
+                                  <p:stCondLst>
+                                    <p:cond delay="0"/>
+                                  </p:stCondLst>
+                                  <p:childTnLst>
+                                    <p:set>
+                                      <p:cBhvr>
+                                        <p:cTn id="6" dur="1" fill="hold">
+                                          <p:stCondLst>
+                                            <p:cond delay="0"/>
+                                          </p:stCondLst>
+                                        </p:cTn>
+                                        <p:tgtEl>
+                                          <p:spTgt spid="4"/>
+                                        </p:tgtEl>
+                                        <p:attrNameLst>
+                                          <p:attrName>style.visibility</p:attrName>
+                                        </p:attrNameLst>
+                                      </p:cBhvr>
+                                      <p:to>
+                                        <p:strVal val="visible"/>
+                                      </p:to>
+                                    </p:set>
+                                  </p:childTnLst>
+                                </p:cTn>
+                              </p:par>
+                            </p:childTnLst>
+                          </p:cTn>
+                        </p:par>
+                      </p:childTnLst>
+                    </p:cTn>
+                  </p:par>
+                  <p:par>
+                    <p:cTn id="7" fill="hold">
+                      <p:stCondLst>
+                        <p:cond delay="indefinite"/>
+                      </p:stCondLst>
+                      <p:childTnLst>
+                        <p:par>
+                          <p:cTn id="8" fill="hold">
+                            <p:stCondLst>
+                              <p:cond delay="0"/>
+                            </p:stCondLst>
+                            <p:childTnLst>
+                              <p:par>
+                                <p:cTn id="9" presetID="1" presetClass="entr" presetSubtype="0" fill="hold" nodeType="clickEffect">
+                                  <p:stCondLst>
+                                    <p:cond delay="0"/>
+                                  </p:stCondLst>
+                                  <p:childTnLst>
+                                    <p:set>
+                                      <p:cBhvr>
+                                        <p:cTn id="10" dur="1" fill="hold">
+                                          <p:stCondLst>
+                                            <p:cond delay="0"/>
+                                          </p:stCondLst>
+                                        </p:cTn>
+                                        <p:tgtEl>
+                                          <p:spTgt spid="11"/>
+                                        </p:tgtEl>
+                                        <p:attrNameLst>
+                                          <p:attrName>style.visibility</p:attrName>
+                                        </p:attrNameLst>
+                                      </p:cBhvr>
+                                      <p:to>
+                                        <p:strVal val="visible"/>
+                                      </p:to>
+                                    </p:set>
+                                  </p:childTnLst>
+                                </p:cTn>
+                              </p:par>
+                            </p:childTnLst>
+                          </p:cTn>
+                        </p:par>
+                      </p:childTnLst>
+                    </p:cTn>
+                  </p:par>
+                  <p:par>
+                    <p:cTn id="11" fill="hold">
+                      <p:stCondLst>
+                        <p:cond delay="indefinite"/>
+                      </p:stCondLst>
+                      <p:childTnLst>
+                        <p:par>
+                          <p:cTn id="12" fill="hold">
+                            <p:stCondLst>
+                              <p:cond delay="0"/>
+                            </p:stCondLst>
+                            <p:childTnLst>
+                              <p:par>
+                                <p:cTn id="13" presetID="1" presetClass="entr" presetSubtype="0" fill="hold" nodeType="clickEffect">
+                                  <p:stCondLst>
+                                    <p:cond delay="0"/>
+                                  </p:stCondLst>
+                                  <p:childTnLst>
+                                    <p:set>
+                                      <p:cBhvr>
+                                        <p:cTn id="14" dur="1" fill="hold">
+                                          <p:stCondLst>
+                                            <p:cond delay="0"/>
+                                          </p:stCondLst>
+                                        </p:cTn>
+                                        <p:tgtEl>
+                                          <p:spTgt spid="9"/>
+                                        </p:tgtEl>
+                                        <p:attrNameLst>
+                                          <p:attrName>style.visibility</p:attrName>
+                                        </p:attrNameLst>
+                                      </p:cBhvr>
+                                      <p:to>
+                                        <p:strVal val="visible"/>
+                                      </p:to>
+                                    </p:set>
+                                  </p:childTnLst>
+                                </p:cTn>
+                              </p:par>
+                            </p:childTnLst>
+                          </p:cTn>
+                        </p:par>
+                      </p:childTnLst>
+                    </p:cTn>
+                  </p:par>
+                  <p:par>
+                    <p:cTn id="15" fill="hold">
+                      <p:stCondLst>
+                        <p:cond delay="indefinite"/>
+                      </p:stCondLst>
+                      <p:childTnLst>
+                        <p:par>
+                          <p:cTn id="16" fill="hold">
+                            <p:stCondLst>
+                              <p:cond delay="0"/>
+                            </p:stCondLst>
+                            <p:childTnLst>
+                              <p:par>
+                                <p:cTn id="17" presetID="1" presetClass="entr" presetSubtype="0" fill="hold" grpId="0" nodeType="clickEffect">
+                                  <p:stCondLst>
+                                    <p:cond delay="0"/>
+                                  </p:stCondLst>
+                                  <p:childTnLst>
+                                    <p:set>
+                                      <p:cBhvr>
+                                        <p:cTn id="18" dur="1" fill="hold">
+                                          <p:stCondLst>
+                                            <p:cond delay="0"/>
+                                          </p:stCondLst>
+                                        </p:cTn>
+                                        <p:tgtEl>
+                                          <p:spTgt spid="12"/>
+                                        </p:tgtEl>
+                                        <p:attrNameLst>
+                                          <p:attrName>style.visibility</p:attrName>
+                                        </p:attrNameLst>
+                                      </p:cBhvr>
+                                      <p:to>
+                                        <p:strVal val="visible"/>
+                                      </p:to>
+                                    </p:set>
+                                  </p:childTnLst>
+                                </p:cTn>
+                              </p:par>
+                            </p:childTnLst>
+                          </p:cTn>
+                        </p:par>
+                      </p:childTnLst>
+                    </p:cTn>
+                  </p:par>
+                </p:childTnLst>
+              </p:cTn>
+              <p:prevCondLst>
+                <p:cond evt="onPrev" delay="0">
+                  <p:tgtEl>
+                    <p:sldTgt/>
+                  </p:tgtEl>
+                </p:cond>
+              </p:prevCondLst>
+              <p:nextCondLst>
+                <p:cond evt="onNext" delay="0">
+                  <p:tgtEl>
+                    <p:sldTgt/>
+                  </p:tgtEl>
+                </p:cond>
+              </p:nextCondLst>
+            </p:seq>
+          </p:childTnLst>
+        </p:cTn>
+      </p:par>
+    </p:tnLst>
+    <p:bldLst>
+      <p:bldP spid="4" grpId="0"/>
+      <p:bldP spid="12" grpId="0"/>
+    </p:bldLst>
+  </p:timing>
+</p:sld>
+</file>
+
+<file path=ppt/slides/slide41.xml><?xml version="1.0" encoding="utf-8"?>
+<p:sld xmlns:a="http://schemas.openxmlformats.org/drawingml/2006/main" xmlns:r="http://schemas.openxmlformats.org/officeDocument/2006/relationships" xmlns:p="http://schemas.openxmlformats.org/presentationml/2006/main">
+  <p:cSld>
+    <p:spTree>
+      <p:nvGrpSpPr>
+        <p:cNvPr id="1" name=""/>
+        <p:cNvGrpSpPr/>
+        <p:nvPr/>
+      </p:nvGrpSpPr>
+      <p:grpSpPr>
+        <a:xfrm>
+          <a:off x="0" y="0"/>
+          <a:ext cx="0" cy="0"/>
+          <a:chOff x="0" y="0"/>
+          <a:chExt cx="0" cy="0"/>
+        </a:xfrm>
+      </p:grpSpPr>
+      <p:pic>
+        <p:nvPicPr>
+          <p:cNvPr id="5" name="Picture 4">
+            <a:extLst>
+              <a:ext uri="{FF2B5EF4-FFF2-40B4-BE49-F238E27FC236}">
+                <a16:creationId xmlns:a16="http://schemas.microsoft.com/office/drawing/2014/main" id="{AA887027-A9F4-4CD3-AFE2-ED80C9C146DC}"/>
+              </a:ext>
+            </a:extLst>
+          </p:cNvPr>
+          <p:cNvPicPr>
+            <a:picLocks noChangeAspect="1"/>
+          </p:cNvPicPr>
+          <p:nvPr/>
+        </p:nvPicPr>
+        <p:blipFill>
+          <a:blip r:embed="rId2"/>
+          <a:stretch>
+            <a:fillRect/>
+          </a:stretch>
+        </p:blipFill>
+        <p:spPr>
+          <a:xfrm>
+            <a:off x="1633870" y="798544"/>
+            <a:ext cx="3851111" cy="4551313"/>
+          </a:xfrm>
+          <a:prstGeom prst="rect">
+            <a:avLst/>
+          </a:prstGeom>
+        </p:spPr>
+      </p:pic>
+      <p:pic>
+        <p:nvPicPr>
+          <p:cNvPr id="9" name="Picture 8">
+            <a:extLst>
+              <a:ext uri="{FF2B5EF4-FFF2-40B4-BE49-F238E27FC236}">
+                <a16:creationId xmlns:a16="http://schemas.microsoft.com/office/drawing/2014/main" id="{0E9F8C9A-78C6-40C9-A806-2CEBE8FC6BF1}"/>
+              </a:ext>
+            </a:extLst>
+          </p:cNvPr>
+          <p:cNvPicPr>
+            <a:picLocks noChangeAspect="1"/>
+          </p:cNvPicPr>
+          <p:nvPr/>
+        </p:nvPicPr>
+        <p:blipFill>
+          <a:blip r:embed="rId3"/>
+          <a:stretch>
+            <a:fillRect/>
+          </a:stretch>
+        </p:blipFill>
+        <p:spPr>
+          <a:xfrm>
+            <a:off x="6707021" y="798543"/>
+            <a:ext cx="3739209" cy="4551313"/>
+          </a:xfrm>
+          <a:prstGeom prst="rect">
+            <a:avLst/>
+          </a:prstGeom>
+        </p:spPr>
+      </p:pic>
+    </p:spTree>
+    <p:extLst>
+      <p:ext uri="{BB962C8B-B14F-4D97-AF65-F5344CB8AC3E}">
+        <p14:creationId xmlns:p14="http://schemas.microsoft.com/office/powerpoint/2010/main" val="4259421021"/>
+      </p:ext>
+    </p:extLst>
+  </p:cSld>
+  <p:clrMapOvr>
+    <a:masterClrMapping/>
+  </p:clrMapOvr>
+  <p:timing>
+    <p:tnLst>
+      <p:par>
+        <p:cTn id="1" dur="indefinite" restart="never" nodeType="tmRoot">
+          <p:childTnLst>
+            <p:seq concurrent="1" nextAc="seek">
+              <p:cTn id="2" dur="indefinite" nodeType="mainSeq">
+                <p:childTnLst>
+                  <p:par>
+                    <p:cTn id="3" fill="hold">
+                      <p:stCondLst>
+                        <p:cond delay="indefinite"/>
+                      </p:stCondLst>
+                      <p:childTnLst>
+                        <p:par>
+                          <p:cTn id="4" fill="hold">
+                            <p:stCondLst>
+                              <p:cond delay="0"/>
+                            </p:stCondLst>
+                            <p:childTnLst>
+                              <p:par>
+                                <p:cTn id="5" presetID="1" presetClass="entr" presetSubtype="0" fill="hold" nodeType="clickEffect">
+                                  <p:stCondLst>
+                                    <p:cond delay="0"/>
+                                  </p:stCondLst>
+                                  <p:childTnLst>
+                                    <p:set>
+                                      <p:cBhvr>
+                                        <p:cTn id="6" dur="1" fill="hold">
+                                          <p:stCondLst>
+                                            <p:cond delay="0"/>
+                                          </p:stCondLst>
+                                        </p:cTn>
+                                        <p:tgtEl>
+                                          <p:spTgt spid="9"/>
                                         </p:tgtEl>
                                         <p:attrNameLst>
                                           <p:attrName>style.visibility</p:attrName>

--- a/HTML BASICS.pptx
+++ b/HTML BASICS.pptx
@@ -46,6 +46,7 @@
     <p:sldId id="295" r:id="rId40"/>
     <p:sldId id="296" r:id="rId41"/>
     <p:sldId id="297" r:id="rId42"/>
+    <p:sldId id="298" r:id="rId43"/>
   </p:sldIdLst>
   <p:sldSz cx="12192000" cy="6858000"/>
   <p:notesSz cx="6858000" cy="9144000"/>
@@ -322,7 +323,7 @@
             <a:fld id="{87DE6118-2437-4B30-8E3C-4D2BE6020583}" type="datetimeFigureOut">
               <a:rPr lang="en-US" dirty="0"/>
               <a:pPr/>
-              <a:t>9/7/2021</a:t>
+              <a:t>9/9/2021</a:t>
             </a:fld>
             <a:endParaRPr lang="en-US" dirty="0"/>
           </a:p>
@@ -648,7 +649,7 @@
           <a:p>
             <a:fld id="{87DE6118-2437-4B30-8E3C-4D2BE6020583}" type="datetimeFigureOut">
               <a:rPr lang="en-US" dirty="0"/>
-              <a:t>9/7/2021</a:t>
+              <a:t>9/9/2021</a:t>
             </a:fld>
             <a:endParaRPr lang="en-US" dirty="0"/>
           </a:p>
@@ -823,7 +824,7 @@
           <a:p>
             <a:fld id="{87DE6118-2437-4B30-8E3C-4D2BE6020583}" type="datetimeFigureOut">
               <a:rPr lang="en-US" dirty="0"/>
-              <a:t>9/7/2021</a:t>
+              <a:t>9/9/2021</a:t>
             </a:fld>
             <a:endParaRPr lang="en-US" dirty="0"/>
           </a:p>
@@ -988,7 +989,7 @@
           <a:p>
             <a:fld id="{87DE6118-2437-4B30-8E3C-4D2BE6020583}" type="datetimeFigureOut">
               <a:rPr lang="en-US" dirty="0"/>
-              <a:t>9/7/2021</a:t>
+              <a:t>9/9/2021</a:t>
             </a:fld>
             <a:endParaRPr lang="en-US" dirty="0"/>
           </a:p>
@@ -1261,7 +1262,7 @@
             <a:fld id="{87DE6118-2437-4B30-8E3C-4D2BE6020583}" type="datetimeFigureOut">
               <a:rPr lang="en-US" dirty="0"/>
               <a:pPr/>
-              <a:t>9/7/2021</a:t>
+              <a:t>9/9/2021</a:t>
             </a:fld>
             <a:endParaRPr lang="en-US" dirty="0"/>
           </a:p>
@@ -1651,7 +1652,7 @@
           <a:p>
             <a:fld id="{87DE6118-2437-4B30-8E3C-4D2BE6020583}" type="datetimeFigureOut">
               <a:rPr lang="en-US" dirty="0"/>
-              <a:t>9/7/2021</a:t>
+              <a:t>9/9/2021</a:t>
             </a:fld>
             <a:endParaRPr lang="en-US" dirty="0"/>
           </a:p>
@@ -2123,7 +2124,7 @@
           <a:p>
             <a:fld id="{87DE6118-2437-4B30-8E3C-4D2BE6020583}" type="datetimeFigureOut">
               <a:rPr lang="en-US" dirty="0"/>
-              <a:t>9/7/2021</a:t>
+              <a:t>9/9/2021</a:t>
             </a:fld>
             <a:endParaRPr lang="en-US" dirty="0"/>
           </a:p>
@@ -2236,7 +2237,7 @@
           <a:p>
             <a:fld id="{87DE6118-2437-4B30-8E3C-4D2BE6020583}" type="datetimeFigureOut">
               <a:rPr lang="en-US" dirty="0"/>
-              <a:t>9/7/2021</a:t>
+              <a:t>9/9/2021</a:t>
             </a:fld>
             <a:endParaRPr lang="en-US" dirty="0"/>
           </a:p>
@@ -2326,7 +2327,7 @@
           <a:p>
             <a:fld id="{87DE6118-2437-4B30-8E3C-4D2BE6020583}" type="datetimeFigureOut">
               <a:rPr lang="en-US" dirty="0"/>
-              <a:t>9/7/2021</a:t>
+              <a:t>9/9/2021</a:t>
             </a:fld>
             <a:endParaRPr lang="en-US" dirty="0"/>
           </a:p>
@@ -2668,7 +2669,7 @@
             <a:fld id="{87DE6118-2437-4B30-8E3C-4D2BE6020583}" type="datetimeFigureOut">
               <a:rPr lang="en-US" dirty="0"/>
               <a:pPr/>
-              <a:t>9/7/2021</a:t>
+              <a:t>9/9/2021</a:t>
             </a:fld>
             <a:endParaRPr lang="en-US" dirty="0"/>
           </a:p>
@@ -3053,7 +3054,7 @@
             <a:fld id="{87DE6118-2437-4B30-8E3C-4D2BE6020583}" type="datetimeFigureOut">
               <a:rPr lang="en-US" dirty="0"/>
               <a:pPr/>
-              <a:t>9/7/2021</a:t>
+              <a:t>9/9/2021</a:t>
             </a:fld>
             <a:endParaRPr lang="en-US" dirty="0"/>
           </a:p>
@@ -3328,7 +3329,7 @@
             <a:fld id="{87DE6118-2437-4B30-8E3C-4D2BE6020583}" type="datetimeFigureOut">
               <a:rPr lang="en-US" dirty="0"/>
               <a:pPr/>
-              <a:t>9/7/2021</a:t>
+              <a:t>9/9/2021</a:t>
             </a:fld>
             <a:endParaRPr lang="en-US" dirty="0"/>
           </a:p>
@@ -14029,6 +14030,214 @@
 </p:sld>
 </file>
 
+<file path=ppt/slides/slide42.xml><?xml version="1.0" encoding="utf-8"?>
+<p:sld xmlns:a="http://schemas.openxmlformats.org/drawingml/2006/main" xmlns:r="http://schemas.openxmlformats.org/officeDocument/2006/relationships" xmlns:p="http://schemas.openxmlformats.org/presentationml/2006/main">
+  <p:cSld>
+    <p:spTree>
+      <p:nvGrpSpPr>
+        <p:cNvPr id="1" name=""/>
+        <p:cNvGrpSpPr/>
+        <p:nvPr/>
+      </p:nvGrpSpPr>
+      <p:grpSpPr>
+        <a:xfrm>
+          <a:off x="0" y="0"/>
+          <a:ext cx="0" cy="0"/>
+          <a:chOff x="0" y="0"/>
+          <a:chExt cx="0" cy="0"/>
+        </a:xfrm>
+      </p:grpSpPr>
+      <p:sp>
+        <p:nvSpPr>
+          <p:cNvPr id="2" name="Title 1">
+            <a:extLst>
+              <a:ext uri="{FF2B5EF4-FFF2-40B4-BE49-F238E27FC236}">
+                <a16:creationId xmlns:a16="http://schemas.microsoft.com/office/drawing/2014/main" id="{9B3E5BCA-BB79-4494-943A-99CF5F49102F}"/>
+              </a:ext>
+            </a:extLst>
+          </p:cNvPr>
+          <p:cNvSpPr>
+            <a:spLocks noGrp="1"/>
+          </p:cNvSpPr>
+          <p:nvPr>
+            <p:ph type="ctrTitle"/>
+          </p:nvPr>
+        </p:nvSpPr>
+        <p:spPr>
+          <a:xfrm>
+            <a:off x="1915385" y="1058346"/>
+            <a:ext cx="8361229" cy="2098226"/>
+          </a:xfrm>
+        </p:spPr>
+        <p:txBody>
+          <a:bodyPr/>
+          <a:lstStyle/>
+          <a:p>
+            <a:r>
+              <a:rPr lang="en-PH" dirty="0"/>
+              <a:t>HTML BASICS</a:t>
+            </a:r>
+          </a:p>
+        </p:txBody>
+      </p:sp>
+      <p:sp>
+        <p:nvSpPr>
+          <p:cNvPr id="3" name="Subtitle 2">
+            <a:extLst>
+              <a:ext uri="{FF2B5EF4-FFF2-40B4-BE49-F238E27FC236}">
+                <a16:creationId xmlns:a16="http://schemas.microsoft.com/office/drawing/2014/main" id="{AEC855E7-1E83-4728-BDA9-FB3D80108F3A}"/>
+              </a:ext>
+            </a:extLst>
+          </p:cNvPr>
+          <p:cNvSpPr>
+            <a:spLocks noGrp="1"/>
+          </p:cNvSpPr>
+          <p:nvPr>
+            <p:ph type="subTitle" idx="1"/>
+          </p:nvPr>
+        </p:nvSpPr>
+        <p:spPr>
+          <a:xfrm>
+            <a:off x="6685849" y="5338765"/>
+            <a:ext cx="6831673" cy="1086237"/>
+          </a:xfrm>
+        </p:spPr>
+        <p:txBody>
+          <a:bodyPr/>
+          <a:lstStyle/>
+          <a:p>
+            <a:r>
+              <a:rPr lang="en-PH" dirty="0"/>
+              <a:t>By Ronald Laz</a:t>
+            </a:r>
+          </a:p>
+        </p:txBody>
+      </p:sp>
+      <p:sp>
+        <p:nvSpPr>
+          <p:cNvPr id="4" name="Title 1">
+            <a:extLst>
+              <a:ext uri="{FF2B5EF4-FFF2-40B4-BE49-F238E27FC236}">
+                <a16:creationId xmlns:a16="http://schemas.microsoft.com/office/drawing/2014/main" id="{110DDF52-F283-4292-9D4B-49FAAD7F1EFF}"/>
+              </a:ext>
+            </a:extLst>
+          </p:cNvPr>
+          <p:cNvSpPr txBox="1">
+            <a:spLocks/>
+          </p:cNvSpPr>
+          <p:nvPr/>
+        </p:nvSpPr>
+        <p:spPr>
+          <a:xfrm>
+            <a:off x="1915384" y="3083203"/>
+            <a:ext cx="8361229" cy="544856"/>
+          </a:xfrm>
+          <a:prstGeom prst="rect">
+            <a:avLst/>
+          </a:prstGeom>
+        </p:spPr>
+        <p:txBody>
+          <a:bodyPr vert="horz" lIns="91440" tIns="45720" rIns="91440" bIns="45720" rtlCol="0" anchor="b">
+            <a:noAutofit/>
+          </a:bodyPr>
+          <a:lstStyle>
+            <a:lvl1pPr algn="ctr" defTabSz="914400" rtl="0" eaLnBrk="1" latinLnBrk="0" hangingPunct="1">
+              <a:lnSpc>
+                <a:spcPct val="89000"/>
+              </a:lnSpc>
+              <a:spcBef>
+                <a:spcPct val="0"/>
+              </a:spcBef>
+              <a:buNone/>
+              <a:defRPr sz="7200" kern="1200" cap="all" baseline="0">
+                <a:solidFill>
+                  <a:schemeClr val="tx2"/>
+                </a:solidFill>
+                <a:latin typeface="+mj-lt"/>
+                <a:ea typeface="+mj-ea"/>
+                <a:cs typeface="+mj-cs"/>
+              </a:defRPr>
+            </a:lvl1pPr>
+          </a:lstStyle>
+          <a:p>
+            <a:r>
+              <a:rPr lang="en-PH" sz="2800" dirty="0"/>
+              <a:t>Tags you can find inside the html body</a:t>
+            </a:r>
+          </a:p>
+        </p:txBody>
+      </p:sp>
+      <p:sp>
+        <p:nvSpPr>
+          <p:cNvPr id="5" name="Title 1">
+            <a:extLst>
+              <a:ext uri="{FF2B5EF4-FFF2-40B4-BE49-F238E27FC236}">
+                <a16:creationId xmlns:a16="http://schemas.microsoft.com/office/drawing/2014/main" id="{7E2D6452-5B08-4DCC-8B59-CDB8325E0C9A}"/>
+              </a:ext>
+            </a:extLst>
+          </p:cNvPr>
+          <p:cNvSpPr txBox="1">
+            <a:spLocks/>
+          </p:cNvSpPr>
+          <p:nvPr/>
+        </p:nvSpPr>
+        <p:spPr>
+          <a:xfrm>
+            <a:off x="1915384" y="3306078"/>
+            <a:ext cx="8361229" cy="544856"/>
+          </a:xfrm>
+          <a:prstGeom prst="rect">
+            <a:avLst/>
+          </a:prstGeom>
+        </p:spPr>
+        <p:txBody>
+          <a:bodyPr vert="horz" lIns="91440" tIns="45720" rIns="91440" bIns="45720" rtlCol="0" anchor="b">
+            <a:noAutofit/>
+          </a:bodyPr>
+          <a:lstStyle>
+            <a:lvl1pPr algn="ctr" defTabSz="914400" rtl="0" eaLnBrk="1" latinLnBrk="0" hangingPunct="1">
+              <a:lnSpc>
+                <a:spcPct val="89000"/>
+              </a:lnSpc>
+              <a:spcBef>
+                <a:spcPct val="0"/>
+              </a:spcBef>
+              <a:buNone/>
+              <a:defRPr sz="7200" kern="1200" cap="all" baseline="0">
+                <a:solidFill>
+                  <a:schemeClr val="tx2"/>
+                </a:solidFill>
+                <a:latin typeface="+mj-lt"/>
+                <a:ea typeface="+mj-ea"/>
+                <a:cs typeface="+mj-cs"/>
+              </a:defRPr>
+            </a:lvl1pPr>
+          </a:lstStyle>
+          <a:p>
+            <a:r>
+              <a:rPr lang="en-PH" sz="1800" dirty="0">
+                <a:solidFill>
+                  <a:srgbClr val="FF0000"/>
+                </a:solidFill>
+              </a:rPr>
+              <a:t>Buttons and a tag</a:t>
+            </a:r>
+          </a:p>
+        </p:txBody>
+      </p:sp>
+    </p:spTree>
+    <p:extLst>
+      <p:ext uri="{BB962C8B-B14F-4D97-AF65-F5344CB8AC3E}">
+        <p14:creationId xmlns:p14="http://schemas.microsoft.com/office/powerpoint/2010/main" val="2520629050"/>
+      </p:ext>
+    </p:extLst>
+  </p:cSld>
+  <p:clrMapOvr>
+    <a:masterClrMapping/>
+  </p:clrMapOvr>
+</p:sld>
+</file>
+
 <file path=ppt/slides/slide5.xml><?xml version="1.0" encoding="utf-8"?>
 <p:sld xmlns:a="http://schemas.openxmlformats.org/drawingml/2006/main" xmlns:r="http://schemas.openxmlformats.org/officeDocument/2006/relationships" xmlns:p="http://schemas.openxmlformats.org/presentationml/2006/main">
   <p:cSld>
